--- a/labs/WSAA 9 DR6.2 javascript1_ed.pptx
+++ b/labs/WSAA 9 DR6.2 javascript1_ed.pptx
@@ -5,16 +5,1179 @@
     <p:sldMasterId id="2147483648" r:id="rId2"/>
     <p:sldMasterId id="2147483661" r:id="rId3"/>
   </p:sldMasterIdLst>
+  <p:notesMasterIdLst>
+    <p:notesMasterId r:id="rId4"/>
+  </p:notesMasterIdLst>
   <p:sldIdLst>
-    <p:sldId id="256" r:id="rId4"/>
-    <p:sldId id="257" r:id="rId5"/>
-    <p:sldId id="258" r:id="rId6"/>
-    <p:sldId id="259" r:id="rId7"/>
-    <p:sldId id="260" r:id="rId8"/>
+    <p:sldId id="256" r:id="rId5"/>
+    <p:sldId id="257" r:id="rId6"/>
+    <p:sldId id="258" r:id="rId7"/>
+    <p:sldId id="259" r:id="rId8"/>
+    <p:sldId id="260" r:id="rId9"/>
   </p:sldIdLst>
   <p:sldSz cx="12192000" cy="6858000"/>
   <p:notesSz cx="7559675" cy="10691813"/>
 </p:presentation>
+</file>
+
+<file path=ppt/notesMasters/notesMaster1.xml><?xml version="1.0" encoding="utf-8"?>
+<p:notesMaster xmlns:a="http://schemas.openxmlformats.org/drawingml/2006/main" xmlns:p="http://schemas.openxmlformats.org/presentationml/2006/main" xmlns:r="http://schemas.openxmlformats.org/officeDocument/2006/relationships" xmlns:p14="http://schemas.microsoft.com/office/powerpoint/2010/main" xmlns:p15="http://schemas.microsoft.com/office/powerpoint/2012/main" xmlns:mc="http://schemas.openxmlformats.org/markup-compatibility/2006">
+  <p:cSld>
+    <p:spTree>
+      <p:nvGrpSpPr>
+        <p:cNvPr id="1" name=""/>
+        <p:cNvGrpSpPr/>
+        <p:nvPr/>
+      </p:nvGrpSpPr>
+      <p:grpSpPr>
+        <a:xfrm>
+          <a:off x="0" y="0"/>
+          <a:ext cx="0" cy="0"/>
+          <a:chOff x="0" y="0"/>
+          <a:chExt cx="0" cy="0"/>
+        </a:xfrm>
+      </p:grpSpPr>
+      <p:sp>
+        <p:nvSpPr>
+          <p:cNvPr id="94" name="PlaceHolder 1"/>
+          <p:cNvSpPr>
+            <a:spLocks noGrp="1"/>
+          </p:cNvSpPr>
+          <p:nvPr>
+            <p:ph type="sldImg"/>
+          </p:nvPr>
+        </p:nvSpPr>
+        <p:spPr>
+          <a:xfrm>
+            <a:off x="216000" y="812520"/>
+            <a:ext cx="7127280" cy="4008960"/>
+          </a:xfrm>
+          <a:prstGeom prst="rect">
+            <a:avLst/>
+          </a:prstGeom>
+          <a:noFill/>
+          <a:ln w="0">
+            <a:noFill/>
+          </a:ln>
+        </p:spPr>
+        <p:txBody>
+          <a:bodyPr lIns="0" rIns="0" tIns="0" bIns="0" anchor="ctr">
+            <a:noAutofit/>
+          </a:bodyPr>
+          <a:p>
+            <a:pPr algn="ctr">
+              <a:buNone/>
+            </a:pPr>
+            <a:r>
+              <a:rPr b="0" lang="en-IE" sz="4400" spc="-1" strike="noStrike">
+                <a:latin typeface="Arial"/>
+              </a:rPr>
+              <a:t>Click to move the slide</a:t>
+            </a:r>
+            <a:endParaRPr b="0" lang="en-IE" sz="4400" spc="-1" strike="noStrike">
+              <a:latin typeface="Arial"/>
+            </a:endParaRPr>
+          </a:p>
+        </p:txBody>
+      </p:sp>
+      <p:sp>
+        <p:nvSpPr>
+          <p:cNvPr id="95" name="PlaceHolder 2"/>
+          <p:cNvSpPr>
+            <a:spLocks noGrp="1"/>
+          </p:cNvSpPr>
+          <p:nvPr>
+            <p:ph type="body"/>
+          </p:nvPr>
+        </p:nvSpPr>
+        <p:spPr>
+          <a:xfrm>
+            <a:off x="756000" y="5078520"/>
+            <a:ext cx="6047640" cy="4811040"/>
+          </a:xfrm>
+          <a:prstGeom prst="rect">
+            <a:avLst/>
+          </a:prstGeom>
+          <a:noFill/>
+          <a:ln w="0">
+            <a:noFill/>
+          </a:ln>
+        </p:spPr>
+        <p:txBody>
+          <a:bodyPr lIns="0" rIns="0" tIns="0" bIns="0" anchor="t">
+            <a:noAutofit/>
+          </a:bodyPr>
+          <a:p>
+            <a:r>
+              <a:rPr b="0" lang="en-IE" sz="2000" spc="-1" strike="noStrike">
+                <a:latin typeface="Arial"/>
+              </a:rPr>
+              <a:t>Click to edit the notes format</a:t>
+            </a:r>
+            <a:endParaRPr b="0" lang="en-IE" sz="2000" spc="-1" strike="noStrike">
+              <a:latin typeface="Arial"/>
+            </a:endParaRPr>
+          </a:p>
+        </p:txBody>
+      </p:sp>
+      <p:sp>
+        <p:nvSpPr>
+          <p:cNvPr id="96" name="PlaceHolder 3"/>
+          <p:cNvSpPr>
+            <a:spLocks noGrp="1"/>
+          </p:cNvSpPr>
+          <p:nvPr>
+            <p:ph type="hdr"/>
+          </p:nvPr>
+        </p:nvSpPr>
+        <p:spPr>
+          <a:xfrm>
+            <a:off x="0" y="0"/>
+            <a:ext cx="3280680" cy="534240"/>
+          </a:xfrm>
+          <a:prstGeom prst="rect">
+            <a:avLst/>
+          </a:prstGeom>
+          <a:noFill/>
+          <a:ln w="0">
+            <a:noFill/>
+          </a:ln>
+        </p:spPr>
+        <p:txBody>
+          <a:bodyPr lIns="0" rIns="0" tIns="0" bIns="0" anchor="t">
+            <a:noAutofit/>
+          </a:bodyPr>
+          <a:p>
+            <a:r>
+              <a:rPr b="0" lang="en-IE" sz="1400" spc="-1" strike="noStrike">
+                <a:latin typeface="Times New Roman"/>
+              </a:rPr>
+              <a:t>&lt;header&gt;</a:t>
+            </a:r>
+            <a:endParaRPr b="0" lang="en-IE" sz="1400" spc="-1" strike="noStrike">
+              <a:latin typeface="Times New Roman"/>
+            </a:endParaRPr>
+          </a:p>
+        </p:txBody>
+      </p:sp>
+      <p:sp>
+        <p:nvSpPr>
+          <p:cNvPr id="97" name="PlaceHolder 4"/>
+          <p:cNvSpPr>
+            <a:spLocks noGrp="1"/>
+          </p:cNvSpPr>
+          <p:nvPr>
+            <p:ph type="dt" idx="7"/>
+          </p:nvPr>
+        </p:nvSpPr>
+        <p:spPr>
+          <a:xfrm>
+            <a:off x="4278960" y="0"/>
+            <a:ext cx="3280680" cy="534240"/>
+          </a:xfrm>
+          <a:prstGeom prst="rect">
+            <a:avLst/>
+          </a:prstGeom>
+          <a:noFill/>
+          <a:ln w="0">
+            <a:noFill/>
+          </a:ln>
+        </p:spPr>
+        <p:txBody>
+          <a:bodyPr lIns="0" rIns="0" tIns="0" bIns="0" anchor="t">
+            <a:noAutofit/>
+          </a:bodyPr>
+          <a:lstStyle>
+            <a:lvl1pPr algn="r">
+              <a:buNone/>
+              <a:defRPr b="0" lang="en-IE" sz="1400" spc="-1" strike="noStrike">
+                <a:latin typeface="Times New Roman"/>
+              </a:defRPr>
+            </a:lvl1pPr>
+          </a:lstStyle>
+          <a:p>
+            <a:pPr algn="r">
+              <a:buNone/>
+            </a:pPr>
+            <a:r>
+              <a:rPr b="0" lang="en-IE" sz="1400" spc="-1" strike="noStrike">
+                <a:latin typeface="Times New Roman"/>
+              </a:rPr>
+              <a:t>&lt;date/time&gt;</a:t>
+            </a:r>
+            <a:endParaRPr b="0" lang="en-IE" sz="1400" spc="-1" strike="noStrike">
+              <a:latin typeface="Times New Roman"/>
+            </a:endParaRPr>
+          </a:p>
+        </p:txBody>
+      </p:sp>
+      <p:sp>
+        <p:nvSpPr>
+          <p:cNvPr id="98" name="PlaceHolder 5"/>
+          <p:cNvSpPr>
+            <a:spLocks noGrp="1"/>
+          </p:cNvSpPr>
+          <p:nvPr>
+            <p:ph type="ftr" idx="8"/>
+          </p:nvPr>
+        </p:nvSpPr>
+        <p:spPr>
+          <a:xfrm>
+            <a:off x="0" y="10157400"/>
+            <a:ext cx="3280680" cy="534240"/>
+          </a:xfrm>
+          <a:prstGeom prst="rect">
+            <a:avLst/>
+          </a:prstGeom>
+          <a:noFill/>
+          <a:ln w="0">
+            <a:noFill/>
+          </a:ln>
+        </p:spPr>
+        <p:txBody>
+          <a:bodyPr lIns="0" rIns="0" tIns="0" bIns="0" anchor="b">
+            <a:noAutofit/>
+          </a:bodyPr>
+          <a:lstStyle>
+            <a:lvl1pPr>
+              <a:defRPr b="0" lang="en-IE" sz="1400" spc="-1" strike="noStrike">
+                <a:latin typeface="Times New Roman"/>
+              </a:defRPr>
+            </a:lvl1pPr>
+          </a:lstStyle>
+          <a:p>
+            <a:r>
+              <a:rPr b="0" lang="en-IE" sz="1400" spc="-1" strike="noStrike">
+                <a:latin typeface="Times New Roman"/>
+              </a:rPr>
+              <a:t>&lt;footer&gt;</a:t>
+            </a:r>
+            <a:endParaRPr b="0" lang="en-IE" sz="1400" spc="-1" strike="noStrike">
+              <a:latin typeface="Times New Roman"/>
+            </a:endParaRPr>
+          </a:p>
+        </p:txBody>
+      </p:sp>
+      <p:sp>
+        <p:nvSpPr>
+          <p:cNvPr id="99" name="PlaceHolder 6"/>
+          <p:cNvSpPr>
+            <a:spLocks noGrp="1"/>
+          </p:cNvSpPr>
+          <p:nvPr>
+            <p:ph type="sldNum" idx="9"/>
+          </p:nvPr>
+        </p:nvSpPr>
+        <p:spPr>
+          <a:xfrm>
+            <a:off x="4278960" y="10157400"/>
+            <a:ext cx="3280680" cy="534240"/>
+          </a:xfrm>
+          <a:prstGeom prst="rect">
+            <a:avLst/>
+          </a:prstGeom>
+          <a:noFill/>
+          <a:ln w="0">
+            <a:noFill/>
+          </a:ln>
+        </p:spPr>
+        <p:txBody>
+          <a:bodyPr lIns="0" rIns="0" tIns="0" bIns="0" anchor="b">
+            <a:noAutofit/>
+          </a:bodyPr>
+          <a:lstStyle>
+            <a:lvl1pPr algn="r">
+              <a:buNone/>
+              <a:defRPr b="0" lang="en-IE" sz="1400" spc="-1" strike="noStrike">
+                <a:latin typeface="Times New Roman"/>
+              </a:defRPr>
+            </a:lvl1pPr>
+          </a:lstStyle>
+          <a:p>
+            <a:pPr algn="r">
+              <a:buNone/>
+            </a:pPr>
+            <a:fld id="{D367FF83-BD70-4059-A1F5-0376EB4D9F7F}" type="slidenum">
+              <a:rPr b="0" lang="en-IE" sz="1400" spc="-1" strike="noStrike">
+                <a:latin typeface="Times New Roman"/>
+              </a:rPr>
+              <a:t>&lt;number&gt;</a:t>
+            </a:fld>
+            <a:endParaRPr b="0" lang="en-IE" sz="1400" spc="-1" strike="noStrike">
+              <a:latin typeface="Times New Roman"/>
+            </a:endParaRPr>
+          </a:p>
+        </p:txBody>
+      </p:sp>
+    </p:spTree>
+  </p:cSld>
+  <p:clrMap bg1="lt1" bg2="lt2" tx1="dk1" tx2="dk2" accent1="accent1" accent2="accent2" accent3="accent3" accent4="accent4" accent5="accent5" accent6="accent6" hlink="hlink" folHlink="folHlink"/>
+</p:notesMaster>
+</file>
+
+<file path=ppt/notesSlides/notesSlide1.xml><?xml version="1.0" encoding="utf-8"?>
+<p:notes xmlns:a="http://schemas.openxmlformats.org/drawingml/2006/main" xmlns:p="http://schemas.openxmlformats.org/presentationml/2006/main" xmlns:r="http://schemas.openxmlformats.org/officeDocument/2006/relationships" xmlns:p14="http://schemas.microsoft.com/office/powerpoint/2010/main" xmlns:p15="http://schemas.microsoft.com/office/powerpoint/2012/main" xmlns:mc="http://schemas.openxmlformats.org/markup-compatibility/2006">
+  <p:cSld>
+    <p:spTree>
+      <p:nvGrpSpPr>
+        <p:cNvPr id="1" name=""/>
+        <p:cNvGrpSpPr/>
+        <p:nvPr/>
+      </p:nvGrpSpPr>
+      <p:grpSpPr>
+        <a:xfrm>
+          <a:off x="0" y="0"/>
+          <a:ext cx="0" cy="0"/>
+          <a:chOff x="0" y="0"/>
+          <a:chExt cx="0" cy="0"/>
+        </a:xfrm>
+      </p:grpSpPr>
+      <p:sp>
+        <p:nvSpPr>
+          <p:cNvPr id="129" name="PlaceHolder 1"/>
+          <p:cNvSpPr>
+            <a:spLocks noGrp="1"/>
+          </p:cNvSpPr>
+          <p:nvPr>
+            <p:ph type="sldImg"/>
+          </p:nvPr>
+        </p:nvSpPr>
+        <p:spPr>
+          <a:xfrm>
+            <a:off x="216000" y="812520"/>
+            <a:ext cx="7127280" cy="4008960"/>
+          </a:xfrm>
+          <a:prstGeom prst="rect">
+            <a:avLst/>
+          </a:prstGeom>
+          <a:ln w="0">
+            <a:noFill/>
+          </a:ln>
+        </p:spPr>
+      </p:sp>
+      <p:sp>
+        <p:nvSpPr>
+          <p:cNvPr id="130" name="PlaceHolder 2"/>
+          <p:cNvSpPr>
+            <a:spLocks noGrp="1"/>
+          </p:cNvSpPr>
+          <p:nvPr>
+            <p:ph type="body"/>
+          </p:nvPr>
+        </p:nvSpPr>
+        <p:spPr>
+          <a:xfrm>
+            <a:off x="0" y="4860000"/>
+            <a:ext cx="7560000" cy="5832000"/>
+          </a:xfrm>
+          <a:prstGeom prst="rect">
+            <a:avLst/>
+          </a:prstGeom>
+          <a:noFill/>
+          <a:ln w="0">
+            <a:noFill/>
+          </a:ln>
+        </p:spPr>
+        <p:txBody>
+          <a:bodyPr lIns="0" rIns="0" tIns="0" bIns="0" anchor="t">
+            <a:noAutofit/>
+          </a:bodyPr>
+          <a:p>
+            <a:r>
+              <a:rPr b="0" lang="en-IE" sz="2000" spc="-1" strike="noStrike">
+                <a:latin typeface="Arial"/>
+              </a:rPr>
+              <a:t>JavaScript allows us to interactivity with web pages and this is a really good way for you to display data from any of your datasets or allow users to input data. I think it's a nice user interface.</a:t>
+            </a:r>
+            <a:endParaRPr b="0" lang="en-IE" sz="2000" spc="-1" strike="noStrike">
+              <a:latin typeface="Arial"/>
+            </a:endParaRPr>
+          </a:p>
+          <a:p>
+            <a:r>
+              <a:rPr b="0" lang="en-IE" sz="2000" spc="-1" strike="noStrike">
+                <a:latin typeface="Arial"/>
+              </a:rPr>
+              <a:t>- Brief untro to cascading style sheets</a:t>
+            </a:r>
+            <a:endParaRPr b="0" lang="en-IE" sz="2000" spc="-1" strike="noStrike">
+              <a:latin typeface="Arial"/>
+            </a:endParaRPr>
+          </a:p>
+          <a:p>
+            <a:r>
+              <a:rPr b="0" lang="en-IE" sz="2000" spc="-1" strike="noStrike">
+                <a:latin typeface="Arial"/>
+              </a:rPr>
+              <a:t>- basic webpage interactivity with Javascript</a:t>
+            </a:r>
+            <a:endParaRPr b="0" lang="en-IE" sz="2000" spc="-1" strike="noStrike">
+              <a:latin typeface="Arial"/>
+            </a:endParaRPr>
+          </a:p>
+          <a:p>
+            <a:r>
+              <a:rPr b="0" lang="en-IE" sz="2000" spc="-1" strike="noStrike">
+                <a:latin typeface="Arial"/>
+              </a:rPr>
+              <a:t>-Outputting to console</a:t>
+            </a:r>
+            <a:endParaRPr b="0" lang="en-IE" sz="2000" spc="-1" strike="noStrike">
+              <a:latin typeface="Arial"/>
+            </a:endParaRPr>
+          </a:p>
+          <a:p>
+            <a:r>
+              <a:rPr b="0" lang="en-IE" sz="2000" spc="-1" strike="noStrike">
+                <a:latin typeface="Arial"/>
+              </a:rPr>
+              <a:t>- functions(curly brackets{})</a:t>
+            </a:r>
+            <a:endParaRPr b="0" lang="en-IE" sz="2000" spc="-1" strike="noStrike">
+              <a:latin typeface="Arial"/>
+            </a:endParaRPr>
+          </a:p>
+          <a:p>
+            <a:r>
+              <a:rPr b="0" lang="en-IE" sz="2000" spc="-1" strike="noStrike">
+                <a:latin typeface="Arial"/>
+              </a:rPr>
+              <a:t>- finding elements in the DOM tree(l)</a:t>
+            </a:r>
+            <a:endParaRPr b="0" lang="en-IE" sz="2000" spc="-1" strike="noStrike">
+              <a:latin typeface="Arial"/>
+            </a:endParaRPr>
+          </a:p>
+          <a:p>
+            <a:r>
+              <a:rPr b="0" lang="en-IE" sz="2000" spc="-1" strike="noStrike">
+                <a:latin typeface="Arial"/>
+              </a:rPr>
+              <a:t>- outputting to a html element</a:t>
+            </a:r>
+            <a:endParaRPr b="0" lang="en-IE" sz="2000" spc="-1" strike="noStrike">
+              <a:latin typeface="Arial"/>
+            </a:endParaRPr>
+          </a:p>
+        </p:txBody>
+      </p:sp>
+    </p:spTree>
+  </p:cSld>
+</p:notes>
+</file>
+
+<file path=ppt/notesSlides/notesSlide3.xml><?xml version="1.0" encoding="utf-8"?>
+<p:notes xmlns:a="http://schemas.openxmlformats.org/drawingml/2006/main" xmlns:p="http://schemas.openxmlformats.org/presentationml/2006/main" xmlns:r="http://schemas.openxmlformats.org/officeDocument/2006/relationships" xmlns:p14="http://schemas.microsoft.com/office/powerpoint/2010/main" xmlns:p15="http://schemas.microsoft.com/office/powerpoint/2012/main" xmlns:mc="http://schemas.openxmlformats.org/markup-compatibility/2006">
+  <p:cSld>
+    <p:spTree>
+      <p:nvGrpSpPr>
+        <p:cNvPr id="1" name=""/>
+        <p:cNvGrpSpPr/>
+        <p:nvPr/>
+      </p:nvGrpSpPr>
+      <p:grpSpPr>
+        <a:xfrm>
+          <a:off x="0" y="0"/>
+          <a:ext cx="0" cy="0"/>
+          <a:chOff x="0" y="0"/>
+          <a:chExt cx="0" cy="0"/>
+        </a:xfrm>
+      </p:grpSpPr>
+      <p:sp>
+        <p:nvSpPr>
+          <p:cNvPr id="131" name="PlaceHolder 1"/>
+          <p:cNvSpPr>
+            <a:spLocks noGrp="1"/>
+          </p:cNvSpPr>
+          <p:nvPr>
+            <p:ph type="sldImg"/>
+          </p:nvPr>
+        </p:nvSpPr>
+        <p:spPr>
+          <a:xfrm>
+            <a:off x="216000" y="812520"/>
+            <a:ext cx="7127280" cy="4008960"/>
+          </a:xfrm>
+          <a:prstGeom prst="rect">
+            <a:avLst/>
+          </a:prstGeom>
+          <a:ln w="0">
+            <a:noFill/>
+          </a:ln>
+        </p:spPr>
+      </p:sp>
+      <p:sp>
+        <p:nvSpPr>
+          <p:cNvPr id="132" name="PlaceHolder 2"/>
+          <p:cNvSpPr>
+            <a:spLocks noGrp="1"/>
+          </p:cNvSpPr>
+          <p:nvPr>
+            <p:ph type="body"/>
+          </p:nvPr>
+        </p:nvSpPr>
+        <p:spPr>
+          <a:xfrm>
+            <a:off x="72360" y="4860000"/>
+            <a:ext cx="7487640" cy="5832000"/>
+          </a:xfrm>
+          <a:prstGeom prst="rect">
+            <a:avLst/>
+          </a:prstGeom>
+          <a:noFill/>
+          <a:ln w="0">
+            <a:noFill/>
+          </a:ln>
+        </p:spPr>
+        <p:txBody>
+          <a:bodyPr lIns="0" rIns="0" tIns="0" bIns="0" anchor="t">
+            <a:noAutofit/>
+          </a:bodyPr>
+          <a:p>
+            <a:r>
+              <a:rPr b="0" lang="en-IE" sz="1400" spc="-1" strike="noStrike">
+                <a:latin typeface="Arial"/>
+              </a:rPr>
+              <a:t>A couple of points that you should know though, if you to get the functionality for your web application.</a:t>
+            </a:r>
+            <a:endParaRPr b="0" lang="en-IE" sz="1400" spc="-1" strike="noStrike">
+              <a:latin typeface="Arial"/>
+            </a:endParaRPr>
+          </a:p>
+          <a:p>
+            <a:endParaRPr b="0" lang="en-IE" sz="1600" spc="-1" strike="noStrike">
+              <a:latin typeface="Arial"/>
+            </a:endParaRPr>
+          </a:p>
+          <a:p>
+            <a:r>
+              <a:rPr b="0" lang="en-IE" sz="1400" spc="-1" strike="noStrike">
+                <a:latin typeface="Arial"/>
+              </a:rPr>
+              <a:t>One where you define how an elephant looks can be defined at number different places. It can be defined in another file, in the header or in the element itself, and the definition that's closest to the element itself will override the other ones. So if you set let's say in another file that the whole background should be blue, but in a particular element you say the background should be red, then in that particular element the background would be red.</a:t>
+            </a:r>
+            <a:endParaRPr b="0" lang="en-IE" sz="1400" spc="-1" strike="noStrike">
+              <a:latin typeface="Arial"/>
+            </a:endParaRPr>
+          </a:p>
+          <a:p>
+            <a:endParaRPr b="0" lang="en-IE" sz="1600" spc="-1" strike="noStrike">
+              <a:latin typeface="Arial"/>
+            </a:endParaRPr>
+          </a:p>
+          <a:p>
+            <a:r>
+              <a:rPr b="0" lang="en-IE" sz="1400" spc="-1" strike="noStrike">
+                <a:latin typeface="Arial"/>
+              </a:rPr>
+              <a:t>For our purposes there's two main things we need to look at. How we can show and hide an element and how we can disable. To show and hide an element is very easy. You just say style, set the attribute style to be equal to display block which shows it and the next element will be on the In line. The next element will be on the same line or none, which would hide this element.</a:t>
+            </a:r>
+            <a:endParaRPr b="0" lang="en-IE" sz="1400" spc="-1" strike="noStrike">
+              <a:latin typeface="Arial"/>
+            </a:endParaRPr>
+          </a:p>
+          <a:p>
+            <a:r>
+              <a:rPr b="0" lang="en-IE" sz="1400" spc="-1" strike="noStrike">
+                <a:latin typeface="Arial"/>
+              </a:rPr>
+              <a:t>Or you can disable for example. In this case, I disable the text area so the user can't type into it.</a:t>
+            </a:r>
+            <a:endParaRPr b="0" lang="en-IE" sz="1400" spc="-1" strike="noStrike">
+              <a:latin typeface="Arial"/>
+            </a:endParaRPr>
+          </a:p>
+          <a:p>
+            <a:r>
+              <a:rPr b="0" lang="en-IE" sz="1400" spc="-1" strike="noStrike">
+                <a:latin typeface="Arial"/>
+              </a:rPr>
+              <a:t>We're going to write some HTML that has a hidden element.</a:t>
+            </a:r>
+            <a:endParaRPr b="0" lang="en-IE" sz="1400" spc="-1" strike="noStrike">
+              <a:latin typeface="Arial"/>
+            </a:endParaRPr>
+          </a:p>
+          <a:p>
+            <a:endParaRPr b="0" lang="en-IE" sz="1600" spc="-1" strike="noStrike">
+              <a:latin typeface="Arial"/>
+            </a:endParaRPr>
+          </a:p>
+          <a:p>
+            <a:r>
+              <a:rPr b="0" lang="en-IE" sz="1400" spc="-1" strike="noStrike">
+                <a:latin typeface="Arial"/>
+              </a:rPr>
+              <a:t>&gt; my9javascript1.html, right click, copy path, open in browser</a:t>
+            </a:r>
+            <a:endParaRPr b="0" lang="en-IE" sz="1400" spc="-1" strike="noStrike">
+              <a:latin typeface="Arial"/>
+            </a:endParaRPr>
+          </a:p>
+          <a:p>
+            <a:r>
+              <a:rPr b="0" lang="en-IE" sz="1400" spc="-1" strike="noStrike">
+                <a:latin typeface="Arial"/>
+                <a:ea typeface="Noto Sans CJK SC"/>
+              </a:rPr>
+              <a:t>&gt; my9</a:t>
+            </a:r>
+            <a:r>
+              <a:rPr b="0" lang="en-IE" sz="1400" spc="-1" strike="noStrike">
+                <a:latin typeface="Arial"/>
+              </a:rPr>
+              <a:t>javascript</a:t>
+            </a:r>
+            <a:r>
+              <a:rPr b="0" lang="en-IE" sz="1400" spc="-1" strike="noStrike">
+                <a:latin typeface="Arial"/>
+              </a:rPr>
+              <a:t>2.html – will display nothing &gt; more tools &gt; developer tools &gt; elements</a:t>
+            </a:r>
+            <a:endParaRPr b="0" lang="en-IE" sz="1400" spc="-1" strike="noStrike">
+              <a:latin typeface="Arial"/>
+            </a:endParaRPr>
+          </a:p>
+          <a:p>
+            <a:r>
+              <a:rPr b="0" lang="en-IE" sz="1400" spc="-1" strike="noStrike">
+                <a:latin typeface="Arial"/>
+                <a:ea typeface="Noto Sans CJK SC"/>
+              </a:rPr>
+              <a:t>&gt; </a:t>
+            </a:r>
+            <a:r>
+              <a:rPr b="0" lang="en-IE" sz="1400" spc="-1" strike="noStrike">
+                <a:latin typeface="Arial"/>
+                <a:ea typeface="Noto Sans CJK SC"/>
+              </a:rPr>
+              <a:t>my9</a:t>
+            </a:r>
+            <a:r>
+              <a:rPr b="0" lang="en-IE" sz="1400" spc="-1" strike="noStrike">
+                <a:latin typeface="Arial"/>
+              </a:rPr>
+              <a:t>javascript3.html</a:t>
+            </a:r>
+            <a:endParaRPr b="0" lang="en-IE" sz="1400" spc="-1" strike="noStrike">
+              <a:latin typeface="Arial"/>
+            </a:endParaRPr>
+          </a:p>
+          <a:p>
+            <a:r>
+              <a:rPr b="0" lang="en-IE" sz="1400" spc="-1" strike="noStrike">
+                <a:latin typeface="Arial"/>
+                <a:ea typeface="Noto Sans CJK SC"/>
+              </a:rPr>
+              <a:t>my9</a:t>
+            </a:r>
+            <a:r>
+              <a:rPr b="0" lang="en-IE" sz="1400" spc="-1" strike="noStrike">
+                <a:latin typeface="Arial"/>
+              </a:rPr>
+              <a:t>javascript4.html</a:t>
+            </a:r>
+            <a:endParaRPr b="0" lang="en-IE" sz="1400" spc="-1" strike="noStrike">
+              <a:latin typeface="Arial"/>
+            </a:endParaRPr>
+          </a:p>
+          <a:p>
+            <a:r>
+              <a:rPr b="0" lang="en-IE" sz="1400" spc="-1" strike="noStrike">
+                <a:latin typeface="Arial"/>
+                <a:ea typeface="Noto Sans CJK SC"/>
+              </a:rPr>
+              <a:t>my9</a:t>
+            </a:r>
+            <a:r>
+              <a:rPr b="0" lang="en-IE" sz="1400" spc="-1" strike="noStrike">
+                <a:latin typeface="Arial"/>
+              </a:rPr>
+              <a:t>javascript5.html</a:t>
+            </a:r>
+            <a:endParaRPr b="0" lang="en-IE" sz="1400" spc="-1" strike="noStrike">
+              <a:latin typeface="Arial"/>
+            </a:endParaRPr>
+          </a:p>
+          <a:p>
+            <a:endParaRPr b="0" lang="en-IE" sz="1400" spc="-1" strike="noStrike">
+              <a:latin typeface="Arial"/>
+            </a:endParaRPr>
+          </a:p>
+          <a:p>
+            <a:endParaRPr b="0" lang="en-IE" sz="2000" spc="-1" strike="noStrike">
+              <a:latin typeface="Arial"/>
+            </a:endParaRPr>
+          </a:p>
+          <a:p>
+            <a:endParaRPr b="0" lang="en-IE" sz="2000" spc="-1" strike="noStrike">
+              <a:latin typeface="Arial"/>
+            </a:endParaRPr>
+          </a:p>
+        </p:txBody>
+      </p:sp>
+    </p:spTree>
+  </p:cSld>
+</p:notes>
+</file>
+
+<file path=ppt/notesSlides/notesSlide4.xml><?xml version="1.0" encoding="utf-8"?>
+<p:notes xmlns:a="http://schemas.openxmlformats.org/drawingml/2006/main" xmlns:p="http://schemas.openxmlformats.org/presentationml/2006/main" xmlns:r="http://schemas.openxmlformats.org/officeDocument/2006/relationships" xmlns:p14="http://schemas.microsoft.com/office/powerpoint/2010/main" xmlns:p15="http://schemas.microsoft.com/office/powerpoint/2012/main" xmlns:mc="http://schemas.openxmlformats.org/markup-compatibility/2006">
+  <p:cSld>
+    <p:spTree>
+      <p:nvGrpSpPr>
+        <p:cNvPr id="1" name=""/>
+        <p:cNvGrpSpPr/>
+        <p:nvPr/>
+      </p:nvGrpSpPr>
+      <p:grpSpPr>
+        <a:xfrm>
+          <a:off x="0" y="0"/>
+          <a:ext cx="0" cy="0"/>
+          <a:chOff x="0" y="0"/>
+          <a:chExt cx="0" cy="0"/>
+        </a:xfrm>
+      </p:grpSpPr>
+      <p:sp>
+        <p:nvSpPr>
+          <p:cNvPr id="133" name="PlaceHolder 1"/>
+          <p:cNvSpPr>
+            <a:spLocks noGrp="1"/>
+          </p:cNvSpPr>
+          <p:nvPr>
+            <p:ph type="sldImg"/>
+          </p:nvPr>
+        </p:nvSpPr>
+        <p:spPr>
+          <a:xfrm>
+            <a:off x="216000" y="812520"/>
+            <a:ext cx="7127280" cy="4008960"/>
+          </a:xfrm>
+          <a:prstGeom prst="rect">
+            <a:avLst/>
+          </a:prstGeom>
+          <a:ln w="0">
+            <a:noFill/>
+          </a:ln>
+        </p:spPr>
+      </p:sp>
+      <p:sp>
+        <p:nvSpPr>
+          <p:cNvPr id="134" name="PlaceHolder 2"/>
+          <p:cNvSpPr>
+            <a:spLocks noGrp="1"/>
+          </p:cNvSpPr>
+          <p:nvPr>
+            <p:ph type="body"/>
+          </p:nvPr>
+        </p:nvSpPr>
+        <p:spPr>
+          <a:xfrm>
+            <a:off x="72360" y="4905000"/>
+            <a:ext cx="7487640" cy="5787000"/>
+          </a:xfrm>
+          <a:prstGeom prst="rect">
+            <a:avLst/>
+          </a:prstGeom>
+          <a:noFill/>
+          <a:ln w="0">
+            <a:noFill/>
+          </a:ln>
+        </p:spPr>
+        <p:txBody>
+          <a:bodyPr lIns="0" rIns="0" tIns="0" bIns="0" anchor="t">
+            <a:noAutofit/>
+          </a:bodyPr>
+          <a:p>
+            <a:r>
+              <a:rPr b="0" lang="en-IE" sz="1600" spc="-1" strike="noStrike">
+                <a:latin typeface="Arial"/>
+              </a:rPr>
+              <a:t>JavaScript is a coding language in your. Web page you put it between two script tags these script. Tags can be either defined at the top of the page in the header, or you put it at the bottom of the body.</a:t>
+            </a:r>
+            <a:endParaRPr b="0" lang="en-IE" sz="1600" spc="-1" strike="noStrike">
+              <a:latin typeface="Arial"/>
+            </a:endParaRPr>
+          </a:p>
+          <a:p>
+            <a:r>
+              <a:rPr b="0" lang="en-IE" sz="1600" spc="-1" strike="noStrike">
+                <a:latin typeface="Arial"/>
+              </a:rPr>
+              <a:t>They get run as the browser loads in the code. So for example, if you do console dot log helloworld, as soon as the page reads that line, it will print out Hello world to the console. It won't put anything onto your web page itself, it'll put it out to the console. As we saw in the developer tools there is the console.</a:t>
+            </a:r>
+            <a:endParaRPr b="0" lang="en-IE" sz="1600" spc="-1" strike="noStrike">
+              <a:latin typeface="Arial"/>
+            </a:endParaRPr>
+          </a:p>
+          <a:p>
+            <a:r>
+              <a:rPr b="0" lang="en-IE" sz="1600" spc="-1" strike="noStrike">
+                <a:latin typeface="Arial"/>
+              </a:rPr>
+              <a:t>In Python you have indentation for blocks. In JavaScript the main differences you have open and closed squarely brackets. You need them. Just indenting will not be good enough. You need to put in the [close brackets. So here is an example how to make a function in JavaScript. You say function hello again, and it will do console log hello again and then when you run the function by calling say hello again, open and close round brackets that will print out to the console hello again</a:t>
+            </a:r>
+            <a:endParaRPr b="0" lang="en-IE" sz="1600" spc="-1" strike="noStrike">
+              <a:latin typeface="Arial"/>
+            </a:endParaRPr>
+          </a:p>
+          <a:p>
+            <a:r>
+              <a:rPr b="0" lang="en-IE" sz="1600" spc="-1" strike="noStrike">
+                <a:latin typeface="Arial"/>
+              </a:rPr>
+              <a:t>my9javascript6.html – will say hello</a:t>
+            </a:r>
+            <a:endParaRPr b="0" lang="en-IE" sz="1600" spc="-1" strike="noStrike">
+              <a:latin typeface="Arial"/>
+            </a:endParaRPr>
+          </a:p>
+          <a:p>
+            <a:r>
+              <a:rPr b="0" lang="en-IE" sz="1600" spc="-1" strike="noStrike">
+                <a:latin typeface="Arial"/>
+              </a:rPr>
+              <a:t>my9javascript7.html – will say hello, but in console (my dev tools)  wll say hello world</a:t>
+            </a:r>
+            <a:endParaRPr b="0" lang="en-IE" sz="1600" spc="-1" strike="noStrike">
+              <a:latin typeface="Arial"/>
+            </a:endParaRPr>
+          </a:p>
+          <a:p>
+            <a:r>
+              <a:rPr b="0" lang="en-IE" sz="1600" spc="-1" strike="noStrike">
+                <a:latin typeface="Arial"/>
+              </a:rPr>
+              <a:t>my9javascript8.html – will say hello, and function doesnt get run</a:t>
+            </a:r>
+            <a:endParaRPr b="0" lang="en-IE" sz="1600" spc="-1" strike="noStrike">
+              <a:latin typeface="Arial"/>
+            </a:endParaRPr>
+          </a:p>
+          <a:p>
+            <a:r>
+              <a:rPr b="0" lang="en-IE" sz="1600" spc="-1" strike="noStrike">
+                <a:latin typeface="Arial"/>
+              </a:rPr>
+              <a:t>my9javascript9.html – will see function in console bc we call the function</a:t>
+            </a:r>
+            <a:endParaRPr b="0" lang="en-IE" sz="1600" spc="-1" strike="noStrike">
+              <a:latin typeface="Arial"/>
+            </a:endParaRPr>
+          </a:p>
+          <a:p>
+            <a:endParaRPr b="0" lang="en-IE" sz="1600" spc="-1" strike="noStrike">
+              <a:latin typeface="Arial"/>
+            </a:endParaRPr>
+          </a:p>
+          <a:p>
+            <a:endParaRPr b="0" lang="en-IE" sz="1600" spc="-1" strike="noStrike">
+              <a:latin typeface="Arial"/>
+            </a:endParaRPr>
+          </a:p>
+        </p:txBody>
+      </p:sp>
+    </p:spTree>
+  </p:cSld>
+</p:notes>
+</file>
+
+<file path=ppt/notesSlides/notesSlide5.xml><?xml version="1.0" encoding="utf-8"?>
+<p:notes xmlns:a="http://schemas.openxmlformats.org/drawingml/2006/main" xmlns:p="http://schemas.openxmlformats.org/presentationml/2006/main" xmlns:r="http://schemas.openxmlformats.org/officeDocument/2006/relationships" xmlns:p14="http://schemas.microsoft.com/office/powerpoint/2010/main" xmlns:p15="http://schemas.microsoft.com/office/powerpoint/2012/main" xmlns:mc="http://schemas.openxmlformats.org/markup-compatibility/2006">
+  <p:cSld>
+    <p:spTree>
+      <p:nvGrpSpPr>
+        <p:cNvPr id="1" name=""/>
+        <p:cNvGrpSpPr/>
+        <p:nvPr/>
+      </p:nvGrpSpPr>
+      <p:grpSpPr>
+        <a:xfrm>
+          <a:off x="0" y="0"/>
+          <a:ext cx="0" cy="0"/>
+          <a:chOff x="0" y="0"/>
+          <a:chExt cx="0" cy="0"/>
+        </a:xfrm>
+      </p:grpSpPr>
+      <p:sp>
+        <p:nvSpPr>
+          <p:cNvPr id="135" name="PlaceHolder 1"/>
+          <p:cNvSpPr>
+            <a:spLocks noGrp="1"/>
+          </p:cNvSpPr>
+          <p:nvPr>
+            <p:ph type="sldImg"/>
+          </p:nvPr>
+        </p:nvSpPr>
+        <p:spPr>
+          <a:xfrm>
+            <a:off x="216000" y="812520"/>
+            <a:ext cx="7127280" cy="4008960"/>
+          </a:xfrm>
+          <a:prstGeom prst="rect">
+            <a:avLst/>
+          </a:prstGeom>
+          <a:ln w="0">
+            <a:noFill/>
+          </a:ln>
+        </p:spPr>
+      </p:sp>
+      <p:sp>
+        <p:nvSpPr>
+          <p:cNvPr id="136" name="PlaceHolder 2"/>
+          <p:cNvSpPr>
+            <a:spLocks noGrp="1"/>
+          </p:cNvSpPr>
+          <p:nvPr>
+            <p:ph type="body"/>
+          </p:nvPr>
+        </p:nvSpPr>
+        <p:spPr>
+          <a:xfrm>
+            <a:off x="72360" y="4905000"/>
+            <a:ext cx="7442640" cy="5715000"/>
+          </a:xfrm>
+          <a:prstGeom prst="rect">
+            <a:avLst/>
+          </a:prstGeom>
+          <a:noFill/>
+          <a:ln w="0">
+            <a:noFill/>
+          </a:ln>
+        </p:spPr>
+        <p:txBody>
+          <a:bodyPr lIns="0" rIns="0" tIns="0" bIns="0" anchor="t">
+            <a:noAutofit/>
+          </a:bodyPr>
+          <a:p>
+            <a:r>
+              <a:rPr b="0" lang="en-IE" sz="1400" spc="-1" strike="noStrike">
+                <a:latin typeface="Arial"/>
+              </a:rPr>
+              <a:t>That's all well and good, calling our functions from inside the script tag and output into the </a:t>
+            </a:r>
+            <a:r>
+              <a:rPr b="0" lang="en-IE" sz="1400" spc="-1" strike="noStrike">
+                <a:latin typeface="Arial"/>
+              </a:rPr>
+              <a:t>console. But usually we want these to go to the web page itself. So how do we call the </a:t>
+            </a:r>
+            <a:r>
+              <a:rPr b="0" lang="en-IE" sz="1400" spc="-1" strike="noStrike">
+                <a:latin typeface="Arial"/>
+              </a:rPr>
+              <a:t>functions when somebody clicks on a button in the web page?</a:t>
+            </a:r>
+            <a:endParaRPr b="0" lang="en-IE" sz="1400" spc="-1" strike="noStrike">
+              <a:latin typeface="Arial"/>
+            </a:endParaRPr>
+          </a:p>
+          <a:p>
+            <a:r>
+              <a:rPr b="0" lang="en-IE" sz="1400" spc="-1" strike="noStrike">
+                <a:latin typeface="Arial"/>
+              </a:rPr>
+              <a:t>And that's very simply done, you do it with the onclick attribute of an element. Now this </a:t>
+            </a:r>
+            <a:r>
+              <a:rPr b="0" lang="en-IE" sz="1400" spc="-1" strike="noStrike">
+                <a:latin typeface="Arial"/>
+              </a:rPr>
+              <a:t>doesn't have to be a button, this could be a division, it could be any element, just buttons </a:t>
+            </a:r>
+            <a:r>
+              <a:rPr b="0" lang="en-IE" sz="1400" spc="-1" strike="noStrike">
+                <a:latin typeface="Arial"/>
+              </a:rPr>
+              <a:t>or what users are used to clicking on.</a:t>
+            </a:r>
+            <a:endParaRPr b="0" lang="en-IE" sz="1400" spc="-1" strike="noStrike">
+              <a:latin typeface="Arial"/>
+            </a:endParaRPr>
+          </a:p>
+          <a:p>
+            <a:r>
+              <a:rPr b="0" lang="en-IE" sz="1400" spc="-1" strike="noStrike">
+                <a:latin typeface="Arial"/>
+              </a:rPr>
+              <a:t>So it's a button onclick, equals open inverted commas and the name of the function that you </a:t>
+            </a:r>
+            <a:r>
+              <a:rPr b="0" lang="en-IE" sz="1400" spc="-1" strike="noStrike">
+                <a:latin typeface="Arial"/>
+              </a:rPr>
+              <a:t>want to call. In this case, the function is called my function and we pass in a parameter </a:t>
+            </a:r>
+            <a:r>
+              <a:rPr b="0" lang="en-IE" sz="1400" spc="-1" strike="noStrike">
+                <a:latin typeface="Arial"/>
+              </a:rPr>
+              <a:t>hello and then click me.</a:t>
+            </a:r>
+            <a:endParaRPr b="0" lang="en-IE" sz="1400" spc="-1" strike="noStrike">
+              <a:latin typeface="Arial"/>
+            </a:endParaRPr>
+          </a:p>
+          <a:p>
+            <a:r>
+              <a:rPr b="0" lang="en-IE" sz="1400" spc="-1" strike="noStrike">
+                <a:latin typeface="Arial"/>
+              </a:rPr>
+              <a:t>That's what appears inside the button. If you want to display something on the page, you </a:t>
+            </a:r>
+            <a:r>
+              <a:rPr b="0" lang="en-IE" sz="1400" spc="-1" strike="noStrike">
+                <a:latin typeface="Arial"/>
+              </a:rPr>
+              <a:t>need to find the element which you want to display. So for that we give it an ID so you </a:t>
+            </a:r>
+            <a:r>
+              <a:rPr b="0" lang="en-IE" sz="1400" spc="-1" strike="noStrike">
+                <a:latin typeface="Arial"/>
+              </a:rPr>
+              <a:t>can see divid equals message out. that is the idea of that particular division. And then we </a:t>
+            </a:r>
+            <a:r>
+              <a:rPr b="0" lang="en-IE" sz="1400" spc="-1" strike="noStrike">
+                <a:latin typeface="Arial"/>
+              </a:rPr>
+              <a:t>use the function document getelementbyid and we pass in the ID of the element you </a:t>
+            </a:r>
+            <a:r>
+              <a:rPr b="0" lang="en-IE" sz="1400" spc="-1" strike="noStrike">
+                <a:latin typeface="Arial"/>
+              </a:rPr>
+              <a:t>want to find and you can set the inner text or the inner HTML to be some kind of </a:t>
+            </a:r>
+            <a:r>
+              <a:rPr b="0" lang="en-IE" sz="1400" spc="-1" strike="noStrike">
+                <a:latin typeface="Arial"/>
+              </a:rPr>
+              <a:t>message.</a:t>
+            </a:r>
+            <a:endParaRPr b="0" lang="en-IE" sz="1400" spc="-1" strike="noStrike">
+              <a:latin typeface="Arial"/>
+            </a:endParaRPr>
+          </a:p>
+          <a:p>
+            <a:r>
+              <a:rPr b="0" lang="en-IE" sz="1400" spc="-1" strike="noStrike">
+                <a:latin typeface="Arial"/>
+              </a:rPr>
+              <a:t>So with that in mind, let's do an exercise where we make a web page with an input and a </a:t>
+            </a:r>
+            <a:r>
+              <a:rPr b="0" lang="en-IE" sz="1400" spc="-1" strike="noStrike">
+                <a:latin typeface="Arial"/>
+              </a:rPr>
+              <a:t>button and when the user clicks on the button then the contents of the input will be </a:t>
+            </a:r>
+            <a:r>
+              <a:rPr b="0" lang="en-IE" sz="1400" spc="-1" strike="noStrike">
+                <a:latin typeface="Arial"/>
+              </a:rPr>
+              <a:t>displayed in another div.</a:t>
+            </a:r>
+            <a:endParaRPr b="0" lang="en-IE" sz="1400" spc="-1" strike="noStrike">
+              <a:latin typeface="Arial"/>
+            </a:endParaRPr>
+          </a:p>
+          <a:p>
+            <a:r>
+              <a:rPr b="0" lang="en-IE" sz="1400" spc="-1" strike="noStrike">
+                <a:latin typeface="Arial"/>
+              </a:rPr>
+              <a:t>So for that we will need to be able to read the value of the input. So we will need to have an </a:t>
+            </a:r>
+            <a:r>
+              <a:rPr b="0" lang="en-IE" sz="1400" spc="-1" strike="noStrike">
+                <a:latin typeface="Arial"/>
+              </a:rPr>
+              <a:t>ID for the input. </a:t>
+            </a:r>
+            <a:endParaRPr b="0" lang="en-IE" sz="1400" spc="-1" strike="noStrike">
+              <a:latin typeface="Arial"/>
+            </a:endParaRPr>
+          </a:p>
+          <a:p>
+            <a:r>
+              <a:rPr b="0" lang="en-IE" sz="1400" spc="-1" strike="noStrike">
+                <a:latin typeface="Arial"/>
+              </a:rPr>
+              <a:t>my9javascript10.html  &gt; next we need to define the function</a:t>
+            </a:r>
+            <a:endParaRPr b="0" lang="en-IE" sz="1400" spc="-1" strike="noStrike">
+              <a:latin typeface="Arial"/>
+            </a:endParaRPr>
+          </a:p>
+          <a:p>
+            <a:r>
+              <a:rPr b="0" lang="en-IE" sz="1400" spc="-1" strike="noStrike">
+                <a:latin typeface="Arial"/>
+              </a:rPr>
+              <a:t>my9javascript11.html &gt; if u click me, u will get temp. But thats not what we want. We want </a:t>
+            </a:r>
+            <a:r>
+              <a:rPr b="0" lang="en-IE" sz="1400" spc="-1" strike="noStrike">
+                <a:latin typeface="Arial"/>
+              </a:rPr>
+              <a:t>the content of whats in the box to go where temp is, so we need to get the value of the </a:t>
+            </a:r>
+            <a:r>
+              <a:rPr b="0" lang="en-IE" sz="1400" spc="-1" strike="noStrike">
+                <a:latin typeface="Arial"/>
+              </a:rPr>
+              <a:t>input</a:t>
+            </a:r>
+            <a:endParaRPr b="0" lang="en-IE" sz="1400" spc="-1" strike="noStrike">
+              <a:latin typeface="Arial"/>
+            </a:endParaRPr>
+          </a:p>
+          <a:p>
+            <a:r>
+              <a:rPr b="0" lang="en-IE" sz="1400" spc="-1" strike="noStrike">
+                <a:latin typeface="Arial"/>
+              </a:rPr>
+              <a:t>my9javascript12.html – whatever u type in the box will appear under it</a:t>
+            </a:r>
+            <a:endParaRPr b="0" lang="en-IE" sz="1400" spc="-1" strike="noStrike">
+              <a:latin typeface="Arial"/>
+            </a:endParaRPr>
+          </a:p>
+          <a:p>
+            <a:r>
+              <a:rPr b="0" lang="en-IE" sz="1400" spc="-1" strike="noStrike">
+                <a:latin typeface="Arial"/>
+                <a:ea typeface="Noto Sans CJK SC"/>
+              </a:rPr>
+              <a:t>If u want to set default value: </a:t>
+            </a:r>
+            <a:r>
+              <a:rPr b="0" lang="en-IE" sz="1400" spc="-1" strike="noStrike">
+                <a:latin typeface="Arial"/>
+              </a:rPr>
+              <a:t>my9javascript13.html – enter name will be default value in the </a:t>
+            </a:r>
+            <a:r>
+              <a:rPr b="0" lang="en-IE" sz="1400" spc="-1" strike="noStrike">
+                <a:latin typeface="Arial"/>
+              </a:rPr>
+              <a:t>box</a:t>
+            </a:r>
+            <a:endParaRPr b="0" lang="en-IE" sz="1400" spc="-1" strike="noStrike">
+              <a:latin typeface="Arial"/>
+            </a:endParaRPr>
+          </a:p>
+          <a:p>
+            <a:endParaRPr b="0" lang="en-IE" sz="1500" spc="-1" strike="noStrike">
+              <a:latin typeface="Arial"/>
+            </a:endParaRPr>
+          </a:p>
+        </p:txBody>
+      </p:sp>
+    </p:spTree>
+  </p:cSld>
+</p:notes>
 </file>
 
 <file path=ppt/slideLayouts/slideLayout1.xml><?xml version="1.0" encoding="utf-8"?>
@@ -41,7 +1204,7 @@
             <a:spLocks noGrp="1"/>
           </p:cNvSpPr>
           <p:nvPr>
-            <p:ph type="ftr" idx="2"/>
+            <p:ph type="ftr" idx="1"/>
           </p:nvPr>
         </p:nvSpPr>
         <p:spPr/>
@@ -61,14 +1224,14 @@
             <a:spLocks noGrp="1"/>
           </p:cNvSpPr>
           <p:nvPr>
-            <p:ph type="sldNum" idx="3"/>
+            <p:ph type="sldNum" idx="2"/>
           </p:nvPr>
         </p:nvSpPr>
         <p:spPr/>
         <p:txBody>
           <a:bodyPr/>
           <a:p>
-            <a:fld id="{624898BA-E77D-42F1-9EA4-470B12BB395A}" type="slidenum">
+            <a:fld id="{6F25CF76-C854-4EDA-B2CA-9F72A49DC5D5}" type="slidenum">
               <a:t>&lt;#&gt;</a:t>
             </a:fld>
           </a:p>
@@ -81,7 +1244,7 @@
             <a:spLocks noGrp="1"/>
           </p:cNvSpPr>
           <p:nvPr>
-            <p:ph type="dt" idx="1"/>
+            <p:ph type="dt" idx="3"/>
           </p:nvPr>
         </p:nvSpPr>
         <p:spPr/>
@@ -129,8 +1292,8 @@
         </p:nvSpPr>
         <p:spPr>
           <a:xfrm>
-            <a:off x="1069920" y="484560"/>
-            <a:ext cx="10058040" cy="1608840"/>
+            <a:off x="609480" y="273600"/>
+            <a:ext cx="10972440" cy="1144800"/>
           </a:xfrm>
           <a:prstGeom prst="rect">
             <a:avLst/>
@@ -145,11 +1308,11 @@
             <a:noAutofit/>
           </a:bodyPr>
           <a:p>
-            <a:endParaRPr b="0" lang="en-US" sz="1800" spc="-1" strike="noStrike">
-              <a:solidFill>
-                <a:srgbClr val="000000"/>
-              </a:solidFill>
-              <a:latin typeface="Rockwell"/>
+            <a:pPr algn="ctr">
+              <a:buNone/>
+            </a:pPr>
+            <a:endParaRPr b="0" lang="en-IE" sz="4400" spc="-1" strike="noStrike">
+              <a:latin typeface="Arial"/>
             </a:endParaRPr>
           </a:p>
         </p:txBody>
@@ -166,8 +1329,8 @@
         </p:nvSpPr>
         <p:spPr>
           <a:xfrm>
-            <a:off x="1069920" y="2121480"/>
-            <a:ext cx="10058040" cy="1931760"/>
+            <a:off x="609480" y="1604520"/>
+            <a:ext cx="10972440" cy="1896840"/>
           </a:xfrm>
           <a:prstGeom prst="rect">
             <a:avLst/>
@@ -182,20 +1345,8 @@
             <a:normAutofit/>
           </a:bodyPr>
           <a:p>
-            <a:pPr>
-              <a:lnSpc>
-                <a:spcPct val="90000"/>
-              </a:lnSpc>
-              <a:spcBef>
-                <a:spcPts val="1417"/>
-              </a:spcBef>
-              <a:buNone/>
-            </a:pPr>
-            <a:endParaRPr b="0" lang="en-US" sz="2000" spc="-1" strike="noStrike">
-              <a:solidFill>
-                <a:srgbClr val="000000"/>
-              </a:solidFill>
-              <a:latin typeface="Rockwell"/>
+            <a:endParaRPr b="0" lang="en-IE" sz="3200" spc="-1" strike="noStrike">
+              <a:latin typeface="Arial"/>
             </a:endParaRPr>
           </a:p>
         </p:txBody>
@@ -212,8 +1363,8 @@
         </p:nvSpPr>
         <p:spPr>
           <a:xfrm>
-            <a:off x="1069920" y="4237200"/>
-            <a:ext cx="10058040" cy="1931760"/>
+            <a:off x="609480" y="3682080"/>
+            <a:ext cx="10972440" cy="1896840"/>
           </a:xfrm>
           <a:prstGeom prst="rect">
             <a:avLst/>
@@ -228,20 +1379,8 @@
             <a:normAutofit/>
           </a:bodyPr>
           <a:p>
-            <a:pPr>
-              <a:lnSpc>
-                <a:spcPct val="90000"/>
-              </a:lnSpc>
-              <a:spcBef>
-                <a:spcPts val="1417"/>
-              </a:spcBef>
-              <a:buNone/>
-            </a:pPr>
-            <a:endParaRPr b="0" lang="en-US" sz="2000" spc="-1" strike="noStrike">
-              <a:solidFill>
-                <a:srgbClr val="000000"/>
-              </a:solidFill>
-              <a:latin typeface="Rockwell"/>
+            <a:endParaRPr b="0" lang="en-IE" sz="3200" spc="-1" strike="noStrike">
+              <a:latin typeface="Arial"/>
             </a:endParaRPr>
           </a:p>
         </p:txBody>
@@ -253,7 +1392,7 @@
             <a:spLocks noGrp="1"/>
           </p:cNvSpPr>
           <p:nvPr>
-            <p:ph type="ftr" idx="2"/>
+            <p:ph type="ftr" idx="1"/>
           </p:nvPr>
         </p:nvSpPr>
         <p:spPr/>
@@ -273,14 +1412,14 @@
             <a:spLocks noGrp="1"/>
           </p:cNvSpPr>
           <p:nvPr>
-            <p:ph type="sldNum" idx="3"/>
+            <p:ph type="sldNum" idx="2"/>
           </p:nvPr>
         </p:nvSpPr>
         <p:spPr/>
         <p:txBody>
           <a:bodyPr/>
           <a:p>
-            <a:fld id="{370D3BA1-6205-42A0-B47D-88A55B23956D}" type="slidenum">
+            <a:fld id="{48CADC4C-4AF1-426C-9FDD-568363CF48FA}" type="slidenum">
               <a:t>&lt;#&gt;</a:t>
             </a:fld>
           </a:p>
@@ -293,7 +1432,7 @@
             <a:spLocks noGrp="1"/>
           </p:cNvSpPr>
           <p:nvPr>
-            <p:ph type="dt" idx="1"/>
+            <p:ph type="dt" idx="3"/>
           </p:nvPr>
         </p:nvSpPr>
         <p:spPr/>
@@ -341,8 +1480,8 @@
         </p:nvSpPr>
         <p:spPr>
           <a:xfrm>
-            <a:off x="1069920" y="484560"/>
-            <a:ext cx="10058040" cy="1608840"/>
+            <a:off x="609480" y="273600"/>
+            <a:ext cx="10972440" cy="1144800"/>
           </a:xfrm>
           <a:prstGeom prst="rect">
             <a:avLst/>
@@ -357,11 +1496,11 @@
             <a:noAutofit/>
           </a:bodyPr>
           <a:p>
-            <a:endParaRPr b="0" lang="en-US" sz="1800" spc="-1" strike="noStrike">
-              <a:solidFill>
-                <a:srgbClr val="000000"/>
-              </a:solidFill>
-              <a:latin typeface="Rockwell"/>
+            <a:pPr algn="ctr">
+              <a:buNone/>
+            </a:pPr>
+            <a:endParaRPr b="0" lang="en-IE" sz="4400" spc="-1" strike="noStrike">
+              <a:latin typeface="Arial"/>
             </a:endParaRPr>
           </a:p>
         </p:txBody>
@@ -378,8 +1517,8 @@
         </p:nvSpPr>
         <p:spPr>
           <a:xfrm>
-            <a:off x="1069920" y="2121480"/>
-            <a:ext cx="4908240" cy="1931760"/>
+            <a:off x="609480" y="1604520"/>
+            <a:ext cx="5354280" cy="1896840"/>
           </a:xfrm>
           <a:prstGeom prst="rect">
             <a:avLst/>
@@ -394,20 +1533,8 @@
             <a:normAutofit/>
           </a:bodyPr>
           <a:p>
-            <a:pPr>
-              <a:lnSpc>
-                <a:spcPct val="90000"/>
-              </a:lnSpc>
-              <a:spcBef>
-                <a:spcPts val="1417"/>
-              </a:spcBef>
-              <a:buNone/>
-            </a:pPr>
-            <a:endParaRPr b="0" lang="en-US" sz="2000" spc="-1" strike="noStrike">
-              <a:solidFill>
-                <a:srgbClr val="000000"/>
-              </a:solidFill>
-              <a:latin typeface="Rockwell"/>
+            <a:endParaRPr b="0" lang="en-IE" sz="3200" spc="-1" strike="noStrike">
+              <a:latin typeface="Arial"/>
             </a:endParaRPr>
           </a:p>
         </p:txBody>
@@ -424,8 +1551,8 @@
         </p:nvSpPr>
         <p:spPr>
           <a:xfrm>
-            <a:off x="6224040" y="2121480"/>
-            <a:ext cx="4908240" cy="1931760"/>
+            <a:off x="6231960" y="1604520"/>
+            <a:ext cx="5354280" cy="1896840"/>
           </a:xfrm>
           <a:prstGeom prst="rect">
             <a:avLst/>
@@ -440,20 +1567,8 @@
             <a:normAutofit/>
           </a:bodyPr>
           <a:p>
-            <a:pPr>
-              <a:lnSpc>
-                <a:spcPct val="90000"/>
-              </a:lnSpc>
-              <a:spcBef>
-                <a:spcPts val="1417"/>
-              </a:spcBef>
-              <a:buNone/>
-            </a:pPr>
-            <a:endParaRPr b="0" lang="en-US" sz="2000" spc="-1" strike="noStrike">
-              <a:solidFill>
-                <a:srgbClr val="000000"/>
-              </a:solidFill>
-              <a:latin typeface="Rockwell"/>
+            <a:endParaRPr b="0" lang="en-IE" sz="3200" spc="-1" strike="noStrike">
+              <a:latin typeface="Arial"/>
             </a:endParaRPr>
           </a:p>
         </p:txBody>
@@ -470,8 +1585,8 @@
         </p:nvSpPr>
         <p:spPr>
           <a:xfrm>
-            <a:off x="1069920" y="4237200"/>
-            <a:ext cx="4908240" cy="1931760"/>
+            <a:off x="609480" y="3682080"/>
+            <a:ext cx="5354280" cy="1896840"/>
           </a:xfrm>
           <a:prstGeom prst="rect">
             <a:avLst/>
@@ -486,20 +1601,8 @@
             <a:normAutofit/>
           </a:bodyPr>
           <a:p>
-            <a:pPr>
-              <a:lnSpc>
-                <a:spcPct val="90000"/>
-              </a:lnSpc>
-              <a:spcBef>
-                <a:spcPts val="1417"/>
-              </a:spcBef>
-              <a:buNone/>
-            </a:pPr>
-            <a:endParaRPr b="0" lang="en-US" sz="2000" spc="-1" strike="noStrike">
-              <a:solidFill>
-                <a:srgbClr val="000000"/>
-              </a:solidFill>
-              <a:latin typeface="Rockwell"/>
+            <a:endParaRPr b="0" lang="en-IE" sz="3200" spc="-1" strike="noStrike">
+              <a:latin typeface="Arial"/>
             </a:endParaRPr>
           </a:p>
         </p:txBody>
@@ -516,8 +1619,8 @@
         </p:nvSpPr>
         <p:spPr>
           <a:xfrm>
-            <a:off x="6224040" y="4237200"/>
-            <a:ext cx="4908240" cy="1931760"/>
+            <a:off x="6231960" y="3682080"/>
+            <a:ext cx="5354280" cy="1896840"/>
           </a:xfrm>
           <a:prstGeom prst="rect">
             <a:avLst/>
@@ -532,20 +1635,8 @@
             <a:normAutofit/>
           </a:bodyPr>
           <a:p>
-            <a:pPr>
-              <a:lnSpc>
-                <a:spcPct val="90000"/>
-              </a:lnSpc>
-              <a:spcBef>
-                <a:spcPts val="1417"/>
-              </a:spcBef>
-              <a:buNone/>
-            </a:pPr>
-            <a:endParaRPr b="0" lang="en-US" sz="2000" spc="-1" strike="noStrike">
-              <a:solidFill>
-                <a:srgbClr val="000000"/>
-              </a:solidFill>
-              <a:latin typeface="Rockwell"/>
+            <a:endParaRPr b="0" lang="en-IE" sz="3200" spc="-1" strike="noStrike">
+              <a:latin typeface="Arial"/>
             </a:endParaRPr>
           </a:p>
         </p:txBody>
@@ -557,7 +1648,7 @@
             <a:spLocks noGrp="1"/>
           </p:cNvSpPr>
           <p:nvPr>
-            <p:ph type="ftr" idx="2"/>
+            <p:ph type="ftr" idx="1"/>
           </p:nvPr>
         </p:nvSpPr>
         <p:spPr/>
@@ -577,14 +1668,14 @@
             <a:spLocks noGrp="1"/>
           </p:cNvSpPr>
           <p:nvPr>
-            <p:ph type="sldNum" idx="3"/>
+            <p:ph type="sldNum" idx="2"/>
           </p:nvPr>
         </p:nvSpPr>
         <p:spPr/>
         <p:txBody>
           <a:bodyPr/>
           <a:p>
-            <a:fld id="{EEC89753-7DB7-45AF-BB7F-0DAA4FBC089F}" type="slidenum">
+            <a:fld id="{3F44FAAE-E3FC-4717-B43B-39549B8E60F5}" type="slidenum">
               <a:t>&lt;#&gt;</a:t>
             </a:fld>
           </a:p>
@@ -597,7 +1688,7 @@
             <a:spLocks noGrp="1"/>
           </p:cNvSpPr>
           <p:nvPr>
-            <p:ph type="dt" idx="1"/>
+            <p:ph type="dt" idx="3"/>
           </p:nvPr>
         </p:nvSpPr>
         <p:spPr/>
@@ -645,8 +1736,8 @@
         </p:nvSpPr>
         <p:spPr>
           <a:xfrm>
-            <a:off x="1069920" y="484560"/>
-            <a:ext cx="10058040" cy="1608840"/>
+            <a:off x="609480" y="273600"/>
+            <a:ext cx="10972440" cy="1144800"/>
           </a:xfrm>
           <a:prstGeom prst="rect">
             <a:avLst/>
@@ -661,11 +1752,11 @@
             <a:noAutofit/>
           </a:bodyPr>
           <a:p>
-            <a:endParaRPr b="0" lang="en-US" sz="1800" spc="-1" strike="noStrike">
-              <a:solidFill>
-                <a:srgbClr val="000000"/>
-              </a:solidFill>
-              <a:latin typeface="Rockwell"/>
+            <a:pPr algn="ctr">
+              <a:buNone/>
+            </a:pPr>
+            <a:endParaRPr b="0" lang="en-IE" sz="4400" spc="-1" strike="noStrike">
+              <a:latin typeface="Arial"/>
             </a:endParaRPr>
           </a:p>
         </p:txBody>
@@ -682,8 +1773,8 @@
         </p:nvSpPr>
         <p:spPr>
           <a:xfrm>
-            <a:off x="1069920" y="2121480"/>
-            <a:ext cx="3238560" cy="1931760"/>
+            <a:off x="609480" y="1604520"/>
+            <a:ext cx="3533040" cy="1896840"/>
           </a:xfrm>
           <a:prstGeom prst="rect">
             <a:avLst/>
@@ -698,20 +1789,8 @@
             <a:normAutofit/>
           </a:bodyPr>
           <a:p>
-            <a:pPr>
-              <a:lnSpc>
-                <a:spcPct val="90000"/>
-              </a:lnSpc>
-              <a:spcBef>
-                <a:spcPts val="1417"/>
-              </a:spcBef>
-              <a:buNone/>
-            </a:pPr>
-            <a:endParaRPr b="0" lang="en-US" sz="2000" spc="-1" strike="noStrike">
-              <a:solidFill>
-                <a:srgbClr val="000000"/>
-              </a:solidFill>
-              <a:latin typeface="Rockwell"/>
+            <a:endParaRPr b="0" lang="en-IE" sz="3200" spc="-1" strike="noStrike">
+              <a:latin typeface="Arial"/>
             </a:endParaRPr>
           </a:p>
         </p:txBody>
@@ -728,8 +1807,8 @@
         </p:nvSpPr>
         <p:spPr>
           <a:xfrm>
-            <a:off x="4470840" y="2121480"/>
-            <a:ext cx="3238560" cy="1931760"/>
+            <a:off x="4319640" y="1604520"/>
+            <a:ext cx="3533040" cy="1896840"/>
           </a:xfrm>
           <a:prstGeom prst="rect">
             <a:avLst/>
@@ -744,20 +1823,8 @@
             <a:normAutofit/>
           </a:bodyPr>
           <a:p>
-            <a:pPr>
-              <a:lnSpc>
-                <a:spcPct val="90000"/>
-              </a:lnSpc>
-              <a:spcBef>
-                <a:spcPts val="1417"/>
-              </a:spcBef>
-              <a:buNone/>
-            </a:pPr>
-            <a:endParaRPr b="0" lang="en-US" sz="2000" spc="-1" strike="noStrike">
-              <a:solidFill>
-                <a:srgbClr val="000000"/>
-              </a:solidFill>
-              <a:latin typeface="Rockwell"/>
+            <a:endParaRPr b="0" lang="en-IE" sz="3200" spc="-1" strike="noStrike">
+              <a:latin typeface="Arial"/>
             </a:endParaRPr>
           </a:p>
         </p:txBody>
@@ -774,8 +1841,8 @@
         </p:nvSpPr>
         <p:spPr>
           <a:xfrm>
-            <a:off x="7871760" y="2121480"/>
-            <a:ext cx="3238560" cy="1931760"/>
+            <a:off x="8029800" y="1604520"/>
+            <a:ext cx="3533040" cy="1896840"/>
           </a:xfrm>
           <a:prstGeom prst="rect">
             <a:avLst/>
@@ -790,20 +1857,8 @@
             <a:normAutofit/>
           </a:bodyPr>
           <a:p>
-            <a:pPr>
-              <a:lnSpc>
-                <a:spcPct val="90000"/>
-              </a:lnSpc>
-              <a:spcBef>
-                <a:spcPts val="1417"/>
-              </a:spcBef>
-              <a:buNone/>
-            </a:pPr>
-            <a:endParaRPr b="0" lang="en-US" sz="2000" spc="-1" strike="noStrike">
-              <a:solidFill>
-                <a:srgbClr val="000000"/>
-              </a:solidFill>
-              <a:latin typeface="Rockwell"/>
+            <a:endParaRPr b="0" lang="en-IE" sz="3200" spc="-1" strike="noStrike">
+              <a:latin typeface="Arial"/>
             </a:endParaRPr>
           </a:p>
         </p:txBody>
@@ -820,8 +1875,8 @@
         </p:nvSpPr>
         <p:spPr>
           <a:xfrm>
-            <a:off x="1069920" y="4237200"/>
-            <a:ext cx="3238560" cy="1931760"/>
+            <a:off x="609480" y="3682080"/>
+            <a:ext cx="3533040" cy="1896840"/>
           </a:xfrm>
           <a:prstGeom prst="rect">
             <a:avLst/>
@@ -836,20 +1891,8 @@
             <a:normAutofit/>
           </a:bodyPr>
           <a:p>
-            <a:pPr>
-              <a:lnSpc>
-                <a:spcPct val="90000"/>
-              </a:lnSpc>
-              <a:spcBef>
-                <a:spcPts val="1417"/>
-              </a:spcBef>
-              <a:buNone/>
-            </a:pPr>
-            <a:endParaRPr b="0" lang="en-US" sz="2000" spc="-1" strike="noStrike">
-              <a:solidFill>
-                <a:srgbClr val="000000"/>
-              </a:solidFill>
-              <a:latin typeface="Rockwell"/>
+            <a:endParaRPr b="0" lang="en-IE" sz="3200" spc="-1" strike="noStrike">
+              <a:latin typeface="Arial"/>
             </a:endParaRPr>
           </a:p>
         </p:txBody>
@@ -866,8 +1909,8 @@
         </p:nvSpPr>
         <p:spPr>
           <a:xfrm>
-            <a:off x="4470840" y="4237200"/>
-            <a:ext cx="3238560" cy="1931760"/>
+            <a:off x="4319640" y="3682080"/>
+            <a:ext cx="3533040" cy="1896840"/>
           </a:xfrm>
           <a:prstGeom prst="rect">
             <a:avLst/>
@@ -882,20 +1925,8 @@
             <a:normAutofit/>
           </a:bodyPr>
           <a:p>
-            <a:pPr>
-              <a:lnSpc>
-                <a:spcPct val="90000"/>
-              </a:lnSpc>
-              <a:spcBef>
-                <a:spcPts val="1417"/>
-              </a:spcBef>
-              <a:buNone/>
-            </a:pPr>
-            <a:endParaRPr b="0" lang="en-US" sz="2000" spc="-1" strike="noStrike">
-              <a:solidFill>
-                <a:srgbClr val="000000"/>
-              </a:solidFill>
-              <a:latin typeface="Rockwell"/>
+            <a:endParaRPr b="0" lang="en-IE" sz="3200" spc="-1" strike="noStrike">
+              <a:latin typeface="Arial"/>
             </a:endParaRPr>
           </a:p>
         </p:txBody>
@@ -912,8 +1943,8 @@
         </p:nvSpPr>
         <p:spPr>
           <a:xfrm>
-            <a:off x="7871760" y="4237200"/>
-            <a:ext cx="3238560" cy="1931760"/>
+            <a:off x="8029800" y="3682080"/>
+            <a:ext cx="3533040" cy="1896840"/>
           </a:xfrm>
           <a:prstGeom prst="rect">
             <a:avLst/>
@@ -928,20 +1959,8 @@
             <a:normAutofit/>
           </a:bodyPr>
           <a:p>
-            <a:pPr>
-              <a:lnSpc>
-                <a:spcPct val="90000"/>
-              </a:lnSpc>
-              <a:spcBef>
-                <a:spcPts val="1417"/>
-              </a:spcBef>
-              <a:buNone/>
-            </a:pPr>
-            <a:endParaRPr b="0" lang="en-US" sz="2000" spc="-1" strike="noStrike">
-              <a:solidFill>
-                <a:srgbClr val="000000"/>
-              </a:solidFill>
-              <a:latin typeface="Rockwell"/>
+            <a:endParaRPr b="0" lang="en-IE" sz="3200" spc="-1" strike="noStrike">
+              <a:latin typeface="Arial"/>
             </a:endParaRPr>
           </a:p>
         </p:txBody>
@@ -953,7 +1972,7 @@
             <a:spLocks noGrp="1"/>
           </p:cNvSpPr>
           <p:nvPr>
-            <p:ph type="ftr" idx="2"/>
+            <p:ph type="ftr" idx="1"/>
           </p:nvPr>
         </p:nvSpPr>
         <p:spPr/>
@@ -973,14 +1992,14 @@
             <a:spLocks noGrp="1"/>
           </p:cNvSpPr>
           <p:nvPr>
-            <p:ph type="sldNum" idx="3"/>
+            <p:ph type="sldNum" idx="2"/>
           </p:nvPr>
         </p:nvSpPr>
         <p:spPr/>
         <p:txBody>
           <a:bodyPr/>
           <a:p>
-            <a:fld id="{721CEC7D-DE6E-470B-AAC8-9A68B7D6B300}" type="slidenum">
+            <a:fld id="{77C50451-41E6-451D-B53B-DBBEF8967065}" type="slidenum">
               <a:t>&lt;#&gt;</a:t>
             </a:fld>
           </a:p>
@@ -993,7 +2012,7 @@
             <a:spLocks noGrp="1"/>
           </p:cNvSpPr>
           <p:nvPr>
-            <p:ph type="dt" idx="1"/>
+            <p:ph type="dt" idx="3"/>
           </p:nvPr>
         </p:nvSpPr>
         <p:spPr/>
@@ -1036,7 +2055,7 @@
             <a:spLocks noGrp="1"/>
           </p:cNvSpPr>
           <p:nvPr>
-            <p:ph type="ftr" idx="5"/>
+            <p:ph type="ftr" idx="4"/>
           </p:nvPr>
         </p:nvSpPr>
         <p:spPr/>
@@ -1056,14 +2075,14 @@
             <a:spLocks noGrp="1"/>
           </p:cNvSpPr>
           <p:nvPr>
-            <p:ph type="sldNum" idx="6"/>
+            <p:ph type="sldNum" idx="5"/>
           </p:nvPr>
         </p:nvSpPr>
         <p:spPr/>
         <p:txBody>
           <a:bodyPr/>
           <a:p>
-            <a:fld id="{C993AEC2-0056-40FE-8DD0-63706BFEECF7}" type="slidenum">
+            <a:fld id="{9C47AF55-2369-4D25-9719-9B2A729637CA}" type="slidenum">
               <a:t>&lt;#&gt;</a:t>
             </a:fld>
           </a:p>
@@ -1076,7 +2095,7 @@
             <a:spLocks noGrp="1"/>
           </p:cNvSpPr>
           <p:nvPr>
-            <p:ph type="dt" idx="4"/>
+            <p:ph type="dt" idx="6"/>
           </p:nvPr>
         </p:nvSpPr>
         <p:spPr/>
@@ -1124,8 +2143,8 @@
         </p:nvSpPr>
         <p:spPr>
           <a:xfrm>
-            <a:off x="1069920" y="484560"/>
-            <a:ext cx="10058040" cy="1608840"/>
+            <a:off x="609480" y="273600"/>
+            <a:ext cx="10972440" cy="1144800"/>
           </a:xfrm>
           <a:prstGeom prst="rect">
             <a:avLst/>
@@ -1140,11 +2159,11 @@
             <a:noAutofit/>
           </a:bodyPr>
           <a:p>
-            <a:endParaRPr b="0" lang="en-US" sz="1800" spc="-1" strike="noStrike">
-              <a:solidFill>
-                <a:srgbClr val="000000"/>
-              </a:solidFill>
-              <a:latin typeface="Rockwell"/>
+            <a:pPr algn="ctr">
+              <a:buNone/>
+            </a:pPr>
+            <a:endParaRPr b="0" lang="en-IE" sz="4400" spc="-1" strike="noStrike">
+              <a:latin typeface="Arial"/>
             </a:endParaRPr>
           </a:p>
         </p:txBody>
@@ -1161,8 +2180,8 @@
         </p:nvSpPr>
         <p:spPr>
           <a:xfrm>
-            <a:off x="1069920" y="2121480"/>
-            <a:ext cx="10058040" cy="4050360"/>
+            <a:off x="609480" y="1604520"/>
+            <a:ext cx="10972440" cy="3977280"/>
           </a:xfrm>
           <a:prstGeom prst="rect">
             <a:avLst/>
@@ -1193,7 +2212,7 @@
             <a:spLocks noGrp="1"/>
           </p:cNvSpPr>
           <p:nvPr>
-            <p:ph type="ftr" idx="5"/>
+            <p:ph type="ftr" idx="4"/>
           </p:nvPr>
         </p:nvSpPr>
         <p:spPr/>
@@ -1213,14 +2232,14 @@
             <a:spLocks noGrp="1"/>
           </p:cNvSpPr>
           <p:nvPr>
-            <p:ph type="sldNum" idx="6"/>
+            <p:ph type="sldNum" idx="5"/>
           </p:nvPr>
         </p:nvSpPr>
         <p:spPr/>
         <p:txBody>
           <a:bodyPr/>
           <a:p>
-            <a:fld id="{4C938BB6-971A-4310-B6B3-CD060966F3FF}" type="slidenum">
+            <a:fld id="{741C78DA-BCEF-40AC-9336-A3D9467AD9A5}" type="slidenum">
               <a:t>&lt;#&gt;</a:t>
             </a:fld>
           </a:p>
@@ -1233,7 +2252,7 @@
             <a:spLocks noGrp="1"/>
           </p:cNvSpPr>
           <p:nvPr>
-            <p:ph type="dt" idx="4"/>
+            <p:ph type="dt" idx="6"/>
           </p:nvPr>
         </p:nvSpPr>
         <p:spPr/>
@@ -1281,8 +2300,8 @@
         </p:nvSpPr>
         <p:spPr>
           <a:xfrm>
-            <a:off x="1069920" y="484560"/>
-            <a:ext cx="10058040" cy="1608840"/>
+            <a:off x="609480" y="273600"/>
+            <a:ext cx="10972440" cy="1144800"/>
           </a:xfrm>
           <a:prstGeom prst="rect">
             <a:avLst/>
@@ -1297,11 +2316,11 @@
             <a:noAutofit/>
           </a:bodyPr>
           <a:p>
-            <a:endParaRPr b="0" lang="en-US" sz="1800" spc="-1" strike="noStrike">
-              <a:solidFill>
-                <a:srgbClr val="000000"/>
-              </a:solidFill>
-              <a:latin typeface="Rockwell"/>
+            <a:pPr algn="ctr">
+              <a:buNone/>
+            </a:pPr>
+            <a:endParaRPr b="0" lang="en-IE" sz="4400" spc="-1" strike="noStrike">
+              <a:latin typeface="Arial"/>
             </a:endParaRPr>
           </a:p>
         </p:txBody>
@@ -1318,8 +2337,8 @@
         </p:nvSpPr>
         <p:spPr>
           <a:xfrm>
-            <a:off x="1069920" y="2121480"/>
-            <a:ext cx="10058040" cy="4050360"/>
+            <a:off x="609480" y="1604520"/>
+            <a:ext cx="10972440" cy="3977280"/>
           </a:xfrm>
           <a:prstGeom prst="rect">
             <a:avLst/>
@@ -1334,20 +2353,8 @@
             <a:normAutofit/>
           </a:bodyPr>
           <a:p>
-            <a:pPr>
-              <a:lnSpc>
-                <a:spcPct val="90000"/>
-              </a:lnSpc>
-              <a:spcBef>
-                <a:spcPts val="1417"/>
-              </a:spcBef>
-              <a:buNone/>
-            </a:pPr>
-            <a:endParaRPr b="0" lang="en-US" sz="2000" spc="-1" strike="noStrike">
-              <a:solidFill>
-                <a:srgbClr val="000000"/>
-              </a:solidFill>
-              <a:latin typeface="Rockwell"/>
+            <a:endParaRPr b="0" lang="en-IE" sz="3200" spc="-1" strike="noStrike">
+              <a:latin typeface="Arial"/>
             </a:endParaRPr>
           </a:p>
         </p:txBody>
@@ -1359,7 +2366,7 @@
             <a:spLocks noGrp="1"/>
           </p:cNvSpPr>
           <p:nvPr>
-            <p:ph type="ftr" idx="5"/>
+            <p:ph type="ftr" idx="4"/>
           </p:nvPr>
         </p:nvSpPr>
         <p:spPr/>
@@ -1379,14 +2386,14 @@
             <a:spLocks noGrp="1"/>
           </p:cNvSpPr>
           <p:nvPr>
-            <p:ph type="sldNum" idx="6"/>
+            <p:ph type="sldNum" idx="5"/>
           </p:nvPr>
         </p:nvSpPr>
         <p:spPr/>
         <p:txBody>
           <a:bodyPr/>
           <a:p>
-            <a:fld id="{D4923127-DE93-4F65-81BB-BA7C68E4EA6F}" type="slidenum">
+            <a:fld id="{DFFB643A-1620-4BA9-A9E8-5B9ACB503AF9}" type="slidenum">
               <a:t>&lt;#&gt;</a:t>
             </a:fld>
           </a:p>
@@ -1399,7 +2406,7 @@
             <a:spLocks noGrp="1"/>
           </p:cNvSpPr>
           <p:nvPr>
-            <p:ph type="dt" idx="4"/>
+            <p:ph type="dt" idx="6"/>
           </p:nvPr>
         </p:nvSpPr>
         <p:spPr/>
@@ -1447,8 +2454,8 @@
         </p:nvSpPr>
         <p:spPr>
           <a:xfrm>
-            <a:off x="1069920" y="484560"/>
-            <a:ext cx="10058040" cy="1608840"/>
+            <a:off x="609480" y="273600"/>
+            <a:ext cx="10972440" cy="1144800"/>
           </a:xfrm>
           <a:prstGeom prst="rect">
             <a:avLst/>
@@ -1463,11 +2470,11 @@
             <a:noAutofit/>
           </a:bodyPr>
           <a:p>
-            <a:endParaRPr b="0" lang="en-US" sz="1800" spc="-1" strike="noStrike">
-              <a:solidFill>
-                <a:srgbClr val="000000"/>
-              </a:solidFill>
-              <a:latin typeface="Rockwell"/>
+            <a:pPr algn="ctr">
+              <a:buNone/>
+            </a:pPr>
+            <a:endParaRPr b="0" lang="en-IE" sz="4400" spc="-1" strike="noStrike">
+              <a:latin typeface="Arial"/>
             </a:endParaRPr>
           </a:p>
         </p:txBody>
@@ -1484,8 +2491,8 @@
         </p:nvSpPr>
         <p:spPr>
           <a:xfrm>
-            <a:off x="1069920" y="2121480"/>
-            <a:ext cx="4908240" cy="4050360"/>
+            <a:off x="609480" y="1604520"/>
+            <a:ext cx="5354280" cy="3977280"/>
           </a:xfrm>
           <a:prstGeom prst="rect">
             <a:avLst/>
@@ -1500,20 +2507,8 @@
             <a:normAutofit/>
           </a:bodyPr>
           <a:p>
-            <a:pPr>
-              <a:lnSpc>
-                <a:spcPct val="90000"/>
-              </a:lnSpc>
-              <a:spcBef>
-                <a:spcPts val="1417"/>
-              </a:spcBef>
-              <a:buNone/>
-            </a:pPr>
-            <a:endParaRPr b="0" lang="en-US" sz="2000" spc="-1" strike="noStrike">
-              <a:solidFill>
-                <a:srgbClr val="000000"/>
-              </a:solidFill>
-              <a:latin typeface="Rockwell"/>
+            <a:endParaRPr b="0" lang="en-IE" sz="3200" spc="-1" strike="noStrike">
+              <a:latin typeface="Arial"/>
             </a:endParaRPr>
           </a:p>
         </p:txBody>
@@ -1530,8 +2525,8 @@
         </p:nvSpPr>
         <p:spPr>
           <a:xfrm>
-            <a:off x="6224040" y="2121480"/>
-            <a:ext cx="4908240" cy="4050360"/>
+            <a:off x="6231960" y="1604520"/>
+            <a:ext cx="5354280" cy="3977280"/>
           </a:xfrm>
           <a:prstGeom prst="rect">
             <a:avLst/>
@@ -1546,20 +2541,8 @@
             <a:normAutofit/>
           </a:bodyPr>
           <a:p>
-            <a:pPr>
-              <a:lnSpc>
-                <a:spcPct val="90000"/>
-              </a:lnSpc>
-              <a:spcBef>
-                <a:spcPts val="1417"/>
-              </a:spcBef>
-              <a:buNone/>
-            </a:pPr>
-            <a:endParaRPr b="0" lang="en-US" sz="2000" spc="-1" strike="noStrike">
-              <a:solidFill>
-                <a:srgbClr val="000000"/>
-              </a:solidFill>
-              <a:latin typeface="Rockwell"/>
+            <a:endParaRPr b="0" lang="en-IE" sz="3200" spc="-1" strike="noStrike">
+              <a:latin typeface="Arial"/>
             </a:endParaRPr>
           </a:p>
         </p:txBody>
@@ -1571,7 +2554,7 @@
             <a:spLocks noGrp="1"/>
           </p:cNvSpPr>
           <p:nvPr>
-            <p:ph type="ftr" idx="5"/>
+            <p:ph type="ftr" idx="4"/>
           </p:nvPr>
         </p:nvSpPr>
         <p:spPr/>
@@ -1591,14 +2574,14 @@
             <a:spLocks noGrp="1"/>
           </p:cNvSpPr>
           <p:nvPr>
-            <p:ph type="sldNum" idx="6"/>
+            <p:ph type="sldNum" idx="5"/>
           </p:nvPr>
         </p:nvSpPr>
         <p:spPr/>
         <p:txBody>
           <a:bodyPr/>
           <a:p>
-            <a:fld id="{E17A16D6-A830-48EC-B245-4D60F0F181D9}" type="slidenum">
+            <a:fld id="{028B17B4-22A4-49BE-B282-57281597B44B}" type="slidenum">
               <a:t>&lt;#&gt;</a:t>
             </a:fld>
           </a:p>
@@ -1611,7 +2594,7 @@
             <a:spLocks noGrp="1"/>
           </p:cNvSpPr>
           <p:nvPr>
-            <p:ph type="dt" idx="4"/>
+            <p:ph type="dt" idx="6"/>
           </p:nvPr>
         </p:nvSpPr>
         <p:spPr/>
@@ -1659,8 +2642,8 @@
         </p:nvSpPr>
         <p:spPr>
           <a:xfrm>
-            <a:off x="1069920" y="484560"/>
-            <a:ext cx="10058040" cy="1608840"/>
+            <a:off x="609480" y="273600"/>
+            <a:ext cx="10972440" cy="1144800"/>
           </a:xfrm>
           <a:prstGeom prst="rect">
             <a:avLst/>
@@ -1675,11 +2658,11 @@
             <a:noAutofit/>
           </a:bodyPr>
           <a:p>
-            <a:endParaRPr b="0" lang="en-US" sz="1800" spc="-1" strike="noStrike">
-              <a:solidFill>
-                <a:srgbClr val="000000"/>
-              </a:solidFill>
-              <a:latin typeface="Rockwell"/>
+            <a:pPr algn="ctr">
+              <a:buNone/>
+            </a:pPr>
+            <a:endParaRPr b="0" lang="en-IE" sz="4400" spc="-1" strike="noStrike">
+              <a:latin typeface="Arial"/>
             </a:endParaRPr>
           </a:p>
         </p:txBody>
@@ -1691,7 +2674,7 @@
             <a:spLocks noGrp="1"/>
           </p:cNvSpPr>
           <p:nvPr>
-            <p:ph type="ftr" idx="5"/>
+            <p:ph type="ftr" idx="4"/>
           </p:nvPr>
         </p:nvSpPr>
         <p:spPr/>
@@ -1711,14 +2694,14 @@
             <a:spLocks noGrp="1"/>
           </p:cNvSpPr>
           <p:nvPr>
-            <p:ph type="sldNum" idx="6"/>
+            <p:ph type="sldNum" idx="5"/>
           </p:nvPr>
         </p:nvSpPr>
         <p:spPr/>
         <p:txBody>
           <a:bodyPr/>
           <a:p>
-            <a:fld id="{0885DEA6-39AB-434D-A74B-89A532D75F4A}" type="slidenum">
+            <a:fld id="{5A1D2EDA-E9F5-43DE-B641-782CAA1F1B8C}" type="slidenum">
               <a:t>&lt;#&gt;</a:t>
             </a:fld>
           </a:p>
@@ -1731,7 +2714,7 @@
             <a:spLocks noGrp="1"/>
           </p:cNvSpPr>
           <p:nvPr>
-            <p:ph type="dt" idx="4"/>
+            <p:ph type="dt" idx="6"/>
           </p:nvPr>
         </p:nvSpPr>
         <p:spPr/>
@@ -1779,8 +2762,8 @@
         </p:nvSpPr>
         <p:spPr>
           <a:xfrm>
-            <a:off x="1069920" y="484560"/>
-            <a:ext cx="10058040" cy="7458840"/>
+            <a:off x="609480" y="273600"/>
+            <a:ext cx="10972440" cy="5307840"/>
           </a:xfrm>
           <a:prstGeom prst="rect">
             <a:avLst/>
@@ -1811,7 +2794,7 @@
             <a:spLocks noGrp="1"/>
           </p:cNvSpPr>
           <p:nvPr>
-            <p:ph type="ftr" idx="5"/>
+            <p:ph type="ftr" idx="4"/>
           </p:nvPr>
         </p:nvSpPr>
         <p:spPr/>
@@ -1831,14 +2814,14 @@
             <a:spLocks noGrp="1"/>
           </p:cNvSpPr>
           <p:nvPr>
-            <p:ph type="sldNum" idx="6"/>
+            <p:ph type="sldNum" idx="5"/>
           </p:nvPr>
         </p:nvSpPr>
         <p:spPr/>
         <p:txBody>
           <a:bodyPr/>
           <a:p>
-            <a:fld id="{BE89A4ED-5783-4DA2-BFFA-68FF4BAB29A2}" type="slidenum">
+            <a:fld id="{E7368F39-D478-4141-8864-3321F99CC8BC}" type="slidenum">
               <a:t>&lt;#&gt;</a:t>
             </a:fld>
           </a:p>
@@ -1851,7 +2834,7 @@
             <a:spLocks noGrp="1"/>
           </p:cNvSpPr>
           <p:nvPr>
-            <p:ph type="dt" idx="4"/>
+            <p:ph type="dt" idx="6"/>
           </p:nvPr>
         </p:nvSpPr>
         <p:spPr/>
@@ -1899,8 +2882,8 @@
         </p:nvSpPr>
         <p:spPr>
           <a:xfrm>
-            <a:off x="1069920" y="484560"/>
-            <a:ext cx="10058040" cy="1608840"/>
+            <a:off x="609480" y="273600"/>
+            <a:ext cx="10972440" cy="1144800"/>
           </a:xfrm>
           <a:prstGeom prst="rect">
             <a:avLst/>
@@ -1915,11 +2898,11 @@
             <a:noAutofit/>
           </a:bodyPr>
           <a:p>
-            <a:endParaRPr b="0" lang="en-US" sz="1800" spc="-1" strike="noStrike">
-              <a:solidFill>
-                <a:srgbClr val="000000"/>
-              </a:solidFill>
-              <a:latin typeface="Rockwell"/>
+            <a:pPr algn="ctr">
+              <a:buNone/>
+            </a:pPr>
+            <a:endParaRPr b="0" lang="en-IE" sz="4400" spc="-1" strike="noStrike">
+              <a:latin typeface="Arial"/>
             </a:endParaRPr>
           </a:p>
         </p:txBody>
@@ -1936,8 +2919,8 @@
         </p:nvSpPr>
         <p:spPr>
           <a:xfrm>
-            <a:off x="1069920" y="2121480"/>
-            <a:ext cx="4908240" cy="1931760"/>
+            <a:off x="609480" y="1604520"/>
+            <a:ext cx="5354280" cy="1896840"/>
           </a:xfrm>
           <a:prstGeom prst="rect">
             <a:avLst/>
@@ -1952,20 +2935,8 @@
             <a:normAutofit/>
           </a:bodyPr>
           <a:p>
-            <a:pPr>
-              <a:lnSpc>
-                <a:spcPct val="90000"/>
-              </a:lnSpc>
-              <a:spcBef>
-                <a:spcPts val="1417"/>
-              </a:spcBef>
-              <a:buNone/>
-            </a:pPr>
-            <a:endParaRPr b="0" lang="en-US" sz="2000" spc="-1" strike="noStrike">
-              <a:solidFill>
-                <a:srgbClr val="000000"/>
-              </a:solidFill>
-              <a:latin typeface="Rockwell"/>
+            <a:endParaRPr b="0" lang="en-IE" sz="3200" spc="-1" strike="noStrike">
+              <a:latin typeface="Arial"/>
             </a:endParaRPr>
           </a:p>
         </p:txBody>
@@ -1982,8 +2953,8 @@
         </p:nvSpPr>
         <p:spPr>
           <a:xfrm>
-            <a:off x="6224040" y="2121480"/>
-            <a:ext cx="4908240" cy="4050360"/>
+            <a:off x="6231960" y="1604520"/>
+            <a:ext cx="5354280" cy="3977280"/>
           </a:xfrm>
           <a:prstGeom prst="rect">
             <a:avLst/>
@@ -1998,20 +2969,8 @@
             <a:normAutofit/>
           </a:bodyPr>
           <a:p>
-            <a:pPr>
-              <a:lnSpc>
-                <a:spcPct val="90000"/>
-              </a:lnSpc>
-              <a:spcBef>
-                <a:spcPts val="1417"/>
-              </a:spcBef>
-              <a:buNone/>
-            </a:pPr>
-            <a:endParaRPr b="0" lang="en-US" sz="2000" spc="-1" strike="noStrike">
-              <a:solidFill>
-                <a:srgbClr val="000000"/>
-              </a:solidFill>
-              <a:latin typeface="Rockwell"/>
+            <a:endParaRPr b="0" lang="en-IE" sz="3200" spc="-1" strike="noStrike">
+              <a:latin typeface="Arial"/>
             </a:endParaRPr>
           </a:p>
         </p:txBody>
@@ -2028,8 +2987,8 @@
         </p:nvSpPr>
         <p:spPr>
           <a:xfrm>
-            <a:off x="1069920" y="4237200"/>
-            <a:ext cx="4908240" cy="1931760"/>
+            <a:off x="609480" y="3682080"/>
+            <a:ext cx="5354280" cy="1896840"/>
           </a:xfrm>
           <a:prstGeom prst="rect">
             <a:avLst/>
@@ -2044,20 +3003,8 @@
             <a:normAutofit/>
           </a:bodyPr>
           <a:p>
-            <a:pPr>
-              <a:lnSpc>
-                <a:spcPct val="90000"/>
-              </a:lnSpc>
-              <a:spcBef>
-                <a:spcPts val="1417"/>
-              </a:spcBef>
-              <a:buNone/>
-            </a:pPr>
-            <a:endParaRPr b="0" lang="en-US" sz="2000" spc="-1" strike="noStrike">
-              <a:solidFill>
-                <a:srgbClr val="000000"/>
-              </a:solidFill>
-              <a:latin typeface="Rockwell"/>
+            <a:endParaRPr b="0" lang="en-IE" sz="3200" spc="-1" strike="noStrike">
+              <a:latin typeface="Arial"/>
             </a:endParaRPr>
           </a:p>
         </p:txBody>
@@ -2069,7 +3016,7 @@
             <a:spLocks noGrp="1"/>
           </p:cNvSpPr>
           <p:nvPr>
-            <p:ph type="ftr" idx="5"/>
+            <p:ph type="ftr" idx="4"/>
           </p:nvPr>
         </p:nvSpPr>
         <p:spPr/>
@@ -2089,14 +3036,14 @@
             <a:spLocks noGrp="1"/>
           </p:cNvSpPr>
           <p:nvPr>
-            <p:ph type="sldNum" idx="6"/>
+            <p:ph type="sldNum" idx="5"/>
           </p:nvPr>
         </p:nvSpPr>
         <p:spPr/>
         <p:txBody>
           <a:bodyPr/>
           <a:p>
-            <a:fld id="{9C31BF27-79D3-4B12-8DB6-C02C6867F5F9}" type="slidenum">
+            <a:fld id="{760CCDC8-C061-4825-A268-E0C407AD9DE5}" type="slidenum">
               <a:t>&lt;#&gt;</a:t>
             </a:fld>
           </a:p>
@@ -2109,7 +3056,7 @@
             <a:spLocks noGrp="1"/>
           </p:cNvSpPr>
           <p:nvPr>
-            <p:ph type="dt" idx="4"/>
+            <p:ph type="dt" idx="6"/>
           </p:nvPr>
         </p:nvSpPr>
         <p:spPr/>
@@ -2157,8 +3104,8 @@
         </p:nvSpPr>
         <p:spPr>
           <a:xfrm>
-            <a:off x="1069920" y="484560"/>
-            <a:ext cx="10058040" cy="1608840"/>
+            <a:off x="609480" y="273600"/>
+            <a:ext cx="10972440" cy="1144800"/>
           </a:xfrm>
           <a:prstGeom prst="rect">
             <a:avLst/>
@@ -2173,11 +3120,11 @@
             <a:noAutofit/>
           </a:bodyPr>
           <a:p>
-            <a:endParaRPr b="0" lang="en-US" sz="1800" spc="-1" strike="noStrike">
-              <a:solidFill>
-                <a:srgbClr val="000000"/>
-              </a:solidFill>
-              <a:latin typeface="Rockwell"/>
+            <a:pPr algn="ctr">
+              <a:buNone/>
+            </a:pPr>
+            <a:endParaRPr b="0" lang="en-IE" sz="4400" spc="-1" strike="noStrike">
+              <a:latin typeface="Arial"/>
             </a:endParaRPr>
           </a:p>
         </p:txBody>
@@ -2194,8 +3141,8 @@
         </p:nvSpPr>
         <p:spPr>
           <a:xfrm>
-            <a:off x="1069920" y="2121480"/>
-            <a:ext cx="10058040" cy="4050360"/>
+            <a:off x="609480" y="1604520"/>
+            <a:ext cx="10972440" cy="3977280"/>
           </a:xfrm>
           <a:prstGeom prst="rect">
             <a:avLst/>
@@ -2226,7 +3173,7 @@
             <a:spLocks noGrp="1"/>
           </p:cNvSpPr>
           <p:nvPr>
-            <p:ph type="ftr" idx="2"/>
+            <p:ph type="ftr" idx="1"/>
           </p:nvPr>
         </p:nvSpPr>
         <p:spPr/>
@@ -2246,14 +3193,14 @@
             <a:spLocks noGrp="1"/>
           </p:cNvSpPr>
           <p:nvPr>
-            <p:ph type="sldNum" idx="3"/>
+            <p:ph type="sldNum" idx="2"/>
           </p:nvPr>
         </p:nvSpPr>
         <p:spPr/>
         <p:txBody>
           <a:bodyPr/>
           <a:p>
-            <a:fld id="{5615B3CE-7CF8-4732-806D-61F59913C639}" type="slidenum">
+            <a:fld id="{54424600-2ED1-42B8-86A3-137493D268D5}" type="slidenum">
               <a:t>&lt;#&gt;</a:t>
             </a:fld>
           </a:p>
@@ -2266,7 +3213,7 @@
             <a:spLocks noGrp="1"/>
           </p:cNvSpPr>
           <p:nvPr>
-            <p:ph type="dt" idx="1"/>
+            <p:ph type="dt" idx="3"/>
           </p:nvPr>
         </p:nvSpPr>
         <p:spPr/>
@@ -2314,8 +3261,8 @@
         </p:nvSpPr>
         <p:spPr>
           <a:xfrm>
-            <a:off x="1069920" y="484560"/>
-            <a:ext cx="10058040" cy="1608840"/>
+            <a:off x="609480" y="273600"/>
+            <a:ext cx="10972440" cy="1144800"/>
           </a:xfrm>
           <a:prstGeom prst="rect">
             <a:avLst/>
@@ -2330,11 +3277,11 @@
             <a:noAutofit/>
           </a:bodyPr>
           <a:p>
-            <a:endParaRPr b="0" lang="en-US" sz="1800" spc="-1" strike="noStrike">
-              <a:solidFill>
-                <a:srgbClr val="000000"/>
-              </a:solidFill>
-              <a:latin typeface="Rockwell"/>
+            <a:pPr algn="ctr">
+              <a:buNone/>
+            </a:pPr>
+            <a:endParaRPr b="0" lang="en-IE" sz="4400" spc="-1" strike="noStrike">
+              <a:latin typeface="Arial"/>
             </a:endParaRPr>
           </a:p>
         </p:txBody>
@@ -2351,8 +3298,8 @@
         </p:nvSpPr>
         <p:spPr>
           <a:xfrm>
-            <a:off x="1069920" y="2121480"/>
-            <a:ext cx="4908240" cy="4050360"/>
+            <a:off x="609480" y="1604520"/>
+            <a:ext cx="5354280" cy="3977280"/>
           </a:xfrm>
           <a:prstGeom prst="rect">
             <a:avLst/>
@@ -2367,20 +3314,8 @@
             <a:normAutofit/>
           </a:bodyPr>
           <a:p>
-            <a:pPr>
-              <a:lnSpc>
-                <a:spcPct val="90000"/>
-              </a:lnSpc>
-              <a:spcBef>
-                <a:spcPts val="1417"/>
-              </a:spcBef>
-              <a:buNone/>
-            </a:pPr>
-            <a:endParaRPr b="0" lang="en-US" sz="2000" spc="-1" strike="noStrike">
-              <a:solidFill>
-                <a:srgbClr val="000000"/>
-              </a:solidFill>
-              <a:latin typeface="Rockwell"/>
+            <a:endParaRPr b="0" lang="en-IE" sz="3200" spc="-1" strike="noStrike">
+              <a:latin typeface="Arial"/>
             </a:endParaRPr>
           </a:p>
         </p:txBody>
@@ -2397,8 +3332,8 @@
         </p:nvSpPr>
         <p:spPr>
           <a:xfrm>
-            <a:off x="6224040" y="2121480"/>
-            <a:ext cx="4908240" cy="1931760"/>
+            <a:off x="6231960" y="1604520"/>
+            <a:ext cx="5354280" cy="1896840"/>
           </a:xfrm>
           <a:prstGeom prst="rect">
             <a:avLst/>
@@ -2413,20 +3348,8 @@
             <a:normAutofit/>
           </a:bodyPr>
           <a:p>
-            <a:pPr>
-              <a:lnSpc>
-                <a:spcPct val="90000"/>
-              </a:lnSpc>
-              <a:spcBef>
-                <a:spcPts val="1417"/>
-              </a:spcBef>
-              <a:buNone/>
-            </a:pPr>
-            <a:endParaRPr b="0" lang="en-US" sz="2000" spc="-1" strike="noStrike">
-              <a:solidFill>
-                <a:srgbClr val="000000"/>
-              </a:solidFill>
-              <a:latin typeface="Rockwell"/>
+            <a:endParaRPr b="0" lang="en-IE" sz="3200" spc="-1" strike="noStrike">
+              <a:latin typeface="Arial"/>
             </a:endParaRPr>
           </a:p>
         </p:txBody>
@@ -2443,8 +3366,8 @@
         </p:nvSpPr>
         <p:spPr>
           <a:xfrm>
-            <a:off x="6224040" y="4237200"/>
-            <a:ext cx="4908240" cy="1931760"/>
+            <a:off x="6231960" y="3682080"/>
+            <a:ext cx="5354280" cy="1896840"/>
           </a:xfrm>
           <a:prstGeom prst="rect">
             <a:avLst/>
@@ -2459,20 +3382,8 @@
             <a:normAutofit/>
           </a:bodyPr>
           <a:p>
-            <a:pPr>
-              <a:lnSpc>
-                <a:spcPct val="90000"/>
-              </a:lnSpc>
-              <a:spcBef>
-                <a:spcPts val="1417"/>
-              </a:spcBef>
-              <a:buNone/>
-            </a:pPr>
-            <a:endParaRPr b="0" lang="en-US" sz="2000" spc="-1" strike="noStrike">
-              <a:solidFill>
-                <a:srgbClr val="000000"/>
-              </a:solidFill>
-              <a:latin typeface="Rockwell"/>
+            <a:endParaRPr b="0" lang="en-IE" sz="3200" spc="-1" strike="noStrike">
+              <a:latin typeface="Arial"/>
             </a:endParaRPr>
           </a:p>
         </p:txBody>
@@ -2484,7 +3395,7 @@
             <a:spLocks noGrp="1"/>
           </p:cNvSpPr>
           <p:nvPr>
-            <p:ph type="ftr" idx="5"/>
+            <p:ph type="ftr" idx="4"/>
           </p:nvPr>
         </p:nvSpPr>
         <p:spPr/>
@@ -2504,14 +3415,14 @@
             <a:spLocks noGrp="1"/>
           </p:cNvSpPr>
           <p:nvPr>
-            <p:ph type="sldNum" idx="6"/>
+            <p:ph type="sldNum" idx="5"/>
           </p:nvPr>
         </p:nvSpPr>
         <p:spPr/>
         <p:txBody>
           <a:bodyPr/>
           <a:p>
-            <a:fld id="{84EB1BDB-8BA7-43E9-BECE-F7861C5E8117}" type="slidenum">
+            <a:fld id="{B8BBD490-90C3-4647-8EDA-B5B506BEBFF4}" type="slidenum">
               <a:t>&lt;#&gt;</a:t>
             </a:fld>
           </a:p>
@@ -2524,7 +3435,7 @@
             <a:spLocks noGrp="1"/>
           </p:cNvSpPr>
           <p:nvPr>
-            <p:ph type="dt" idx="4"/>
+            <p:ph type="dt" idx="6"/>
           </p:nvPr>
         </p:nvSpPr>
         <p:spPr/>
@@ -2572,8 +3483,8 @@
         </p:nvSpPr>
         <p:spPr>
           <a:xfrm>
-            <a:off x="1069920" y="484560"/>
-            <a:ext cx="10058040" cy="1608840"/>
+            <a:off x="609480" y="273600"/>
+            <a:ext cx="10972440" cy="1144800"/>
           </a:xfrm>
           <a:prstGeom prst="rect">
             <a:avLst/>
@@ -2588,11 +3499,11 @@
             <a:noAutofit/>
           </a:bodyPr>
           <a:p>
-            <a:endParaRPr b="0" lang="en-US" sz="1800" spc="-1" strike="noStrike">
-              <a:solidFill>
-                <a:srgbClr val="000000"/>
-              </a:solidFill>
-              <a:latin typeface="Rockwell"/>
+            <a:pPr algn="ctr">
+              <a:buNone/>
+            </a:pPr>
+            <a:endParaRPr b="0" lang="en-IE" sz="4400" spc="-1" strike="noStrike">
+              <a:latin typeface="Arial"/>
             </a:endParaRPr>
           </a:p>
         </p:txBody>
@@ -2609,8 +3520,8 @@
         </p:nvSpPr>
         <p:spPr>
           <a:xfrm>
-            <a:off x="1069920" y="2121480"/>
-            <a:ext cx="4908240" cy="1931760"/>
+            <a:off x="609480" y="1604520"/>
+            <a:ext cx="5354280" cy="1896840"/>
           </a:xfrm>
           <a:prstGeom prst="rect">
             <a:avLst/>
@@ -2625,20 +3536,8 @@
             <a:normAutofit/>
           </a:bodyPr>
           <a:p>
-            <a:pPr>
-              <a:lnSpc>
-                <a:spcPct val="90000"/>
-              </a:lnSpc>
-              <a:spcBef>
-                <a:spcPts val="1417"/>
-              </a:spcBef>
-              <a:buNone/>
-            </a:pPr>
-            <a:endParaRPr b="0" lang="en-US" sz="2000" spc="-1" strike="noStrike">
-              <a:solidFill>
-                <a:srgbClr val="000000"/>
-              </a:solidFill>
-              <a:latin typeface="Rockwell"/>
+            <a:endParaRPr b="0" lang="en-IE" sz="3200" spc="-1" strike="noStrike">
+              <a:latin typeface="Arial"/>
             </a:endParaRPr>
           </a:p>
         </p:txBody>
@@ -2655,8 +3554,8 @@
         </p:nvSpPr>
         <p:spPr>
           <a:xfrm>
-            <a:off x="6224040" y="2121480"/>
-            <a:ext cx="4908240" cy="1931760"/>
+            <a:off x="6231960" y="1604520"/>
+            <a:ext cx="5354280" cy="1896840"/>
           </a:xfrm>
           <a:prstGeom prst="rect">
             <a:avLst/>
@@ -2671,20 +3570,8 @@
             <a:normAutofit/>
           </a:bodyPr>
           <a:p>
-            <a:pPr>
-              <a:lnSpc>
-                <a:spcPct val="90000"/>
-              </a:lnSpc>
-              <a:spcBef>
-                <a:spcPts val="1417"/>
-              </a:spcBef>
-              <a:buNone/>
-            </a:pPr>
-            <a:endParaRPr b="0" lang="en-US" sz="2000" spc="-1" strike="noStrike">
-              <a:solidFill>
-                <a:srgbClr val="000000"/>
-              </a:solidFill>
-              <a:latin typeface="Rockwell"/>
+            <a:endParaRPr b="0" lang="en-IE" sz="3200" spc="-1" strike="noStrike">
+              <a:latin typeface="Arial"/>
             </a:endParaRPr>
           </a:p>
         </p:txBody>
@@ -2701,8 +3588,8 @@
         </p:nvSpPr>
         <p:spPr>
           <a:xfrm>
-            <a:off x="1069920" y="4237200"/>
-            <a:ext cx="10058040" cy="1931760"/>
+            <a:off x="609480" y="3682080"/>
+            <a:ext cx="10972440" cy="1896840"/>
           </a:xfrm>
           <a:prstGeom prst="rect">
             <a:avLst/>
@@ -2717,20 +3604,8 @@
             <a:normAutofit/>
           </a:bodyPr>
           <a:p>
-            <a:pPr>
-              <a:lnSpc>
-                <a:spcPct val="90000"/>
-              </a:lnSpc>
-              <a:spcBef>
-                <a:spcPts val="1417"/>
-              </a:spcBef>
-              <a:buNone/>
-            </a:pPr>
-            <a:endParaRPr b="0" lang="en-US" sz="2000" spc="-1" strike="noStrike">
-              <a:solidFill>
-                <a:srgbClr val="000000"/>
-              </a:solidFill>
-              <a:latin typeface="Rockwell"/>
+            <a:endParaRPr b="0" lang="en-IE" sz="3200" spc="-1" strike="noStrike">
+              <a:latin typeface="Arial"/>
             </a:endParaRPr>
           </a:p>
         </p:txBody>
@@ -2742,7 +3617,7 @@
             <a:spLocks noGrp="1"/>
           </p:cNvSpPr>
           <p:nvPr>
-            <p:ph type="ftr" idx="5"/>
+            <p:ph type="ftr" idx="4"/>
           </p:nvPr>
         </p:nvSpPr>
         <p:spPr/>
@@ -2762,14 +3637,14 @@
             <a:spLocks noGrp="1"/>
           </p:cNvSpPr>
           <p:nvPr>
-            <p:ph type="sldNum" idx="6"/>
+            <p:ph type="sldNum" idx="5"/>
           </p:nvPr>
         </p:nvSpPr>
         <p:spPr/>
         <p:txBody>
           <a:bodyPr/>
           <a:p>
-            <a:fld id="{8F110052-3CA3-4F9A-BADE-EB8348032E49}" type="slidenum">
+            <a:fld id="{363AE326-E5B1-4AAE-A568-50F3F6F146F1}" type="slidenum">
               <a:t>&lt;#&gt;</a:t>
             </a:fld>
           </a:p>
@@ -2782,7 +3657,7 @@
             <a:spLocks noGrp="1"/>
           </p:cNvSpPr>
           <p:nvPr>
-            <p:ph type="dt" idx="4"/>
+            <p:ph type="dt" idx="6"/>
           </p:nvPr>
         </p:nvSpPr>
         <p:spPr/>
@@ -2830,8 +3705,8 @@
         </p:nvSpPr>
         <p:spPr>
           <a:xfrm>
-            <a:off x="1069920" y="484560"/>
-            <a:ext cx="10058040" cy="1608840"/>
+            <a:off x="609480" y="273600"/>
+            <a:ext cx="10972440" cy="1144800"/>
           </a:xfrm>
           <a:prstGeom prst="rect">
             <a:avLst/>
@@ -2846,11 +3721,11 @@
             <a:noAutofit/>
           </a:bodyPr>
           <a:p>
-            <a:endParaRPr b="0" lang="en-US" sz="1800" spc="-1" strike="noStrike">
-              <a:solidFill>
-                <a:srgbClr val="000000"/>
-              </a:solidFill>
-              <a:latin typeface="Rockwell"/>
+            <a:pPr algn="ctr">
+              <a:buNone/>
+            </a:pPr>
+            <a:endParaRPr b="0" lang="en-IE" sz="4400" spc="-1" strike="noStrike">
+              <a:latin typeface="Arial"/>
             </a:endParaRPr>
           </a:p>
         </p:txBody>
@@ -2867,8 +3742,8 @@
         </p:nvSpPr>
         <p:spPr>
           <a:xfrm>
-            <a:off x="1069920" y="2121480"/>
-            <a:ext cx="10058040" cy="1931760"/>
+            <a:off x="609480" y="1604520"/>
+            <a:ext cx="10972440" cy="1896840"/>
           </a:xfrm>
           <a:prstGeom prst="rect">
             <a:avLst/>
@@ -2883,20 +3758,8 @@
             <a:normAutofit/>
           </a:bodyPr>
           <a:p>
-            <a:pPr>
-              <a:lnSpc>
-                <a:spcPct val="90000"/>
-              </a:lnSpc>
-              <a:spcBef>
-                <a:spcPts val="1417"/>
-              </a:spcBef>
-              <a:buNone/>
-            </a:pPr>
-            <a:endParaRPr b="0" lang="en-US" sz="2000" spc="-1" strike="noStrike">
-              <a:solidFill>
-                <a:srgbClr val="000000"/>
-              </a:solidFill>
-              <a:latin typeface="Rockwell"/>
+            <a:endParaRPr b="0" lang="en-IE" sz="3200" spc="-1" strike="noStrike">
+              <a:latin typeface="Arial"/>
             </a:endParaRPr>
           </a:p>
         </p:txBody>
@@ -2913,8 +3776,8 @@
         </p:nvSpPr>
         <p:spPr>
           <a:xfrm>
-            <a:off x="1069920" y="4237200"/>
-            <a:ext cx="10058040" cy="1931760"/>
+            <a:off x="609480" y="3682080"/>
+            <a:ext cx="10972440" cy="1896840"/>
           </a:xfrm>
           <a:prstGeom prst="rect">
             <a:avLst/>
@@ -2929,20 +3792,8 @@
             <a:normAutofit/>
           </a:bodyPr>
           <a:p>
-            <a:pPr>
-              <a:lnSpc>
-                <a:spcPct val="90000"/>
-              </a:lnSpc>
-              <a:spcBef>
-                <a:spcPts val="1417"/>
-              </a:spcBef>
-              <a:buNone/>
-            </a:pPr>
-            <a:endParaRPr b="0" lang="en-US" sz="2000" spc="-1" strike="noStrike">
-              <a:solidFill>
-                <a:srgbClr val="000000"/>
-              </a:solidFill>
-              <a:latin typeface="Rockwell"/>
+            <a:endParaRPr b="0" lang="en-IE" sz="3200" spc="-1" strike="noStrike">
+              <a:latin typeface="Arial"/>
             </a:endParaRPr>
           </a:p>
         </p:txBody>
@@ -2954,7 +3805,7 @@
             <a:spLocks noGrp="1"/>
           </p:cNvSpPr>
           <p:nvPr>
-            <p:ph type="ftr" idx="5"/>
+            <p:ph type="ftr" idx="4"/>
           </p:nvPr>
         </p:nvSpPr>
         <p:spPr/>
@@ -2974,14 +3825,14 @@
             <a:spLocks noGrp="1"/>
           </p:cNvSpPr>
           <p:nvPr>
-            <p:ph type="sldNum" idx="6"/>
+            <p:ph type="sldNum" idx="5"/>
           </p:nvPr>
         </p:nvSpPr>
         <p:spPr/>
         <p:txBody>
           <a:bodyPr/>
           <a:p>
-            <a:fld id="{A440F31E-4AC6-4F32-BFCF-F6B9C38D250E}" type="slidenum">
+            <a:fld id="{30362C99-6297-4DDF-AC44-F28FC9F14898}" type="slidenum">
               <a:t>&lt;#&gt;</a:t>
             </a:fld>
           </a:p>
@@ -2994,7 +3845,7 @@
             <a:spLocks noGrp="1"/>
           </p:cNvSpPr>
           <p:nvPr>
-            <p:ph type="dt" idx="4"/>
+            <p:ph type="dt" idx="6"/>
           </p:nvPr>
         </p:nvSpPr>
         <p:spPr/>
@@ -3042,8 +3893,8 @@
         </p:nvSpPr>
         <p:spPr>
           <a:xfrm>
-            <a:off x="1069920" y="484560"/>
-            <a:ext cx="10058040" cy="1608840"/>
+            <a:off x="609480" y="273600"/>
+            <a:ext cx="10972440" cy="1144800"/>
           </a:xfrm>
           <a:prstGeom prst="rect">
             <a:avLst/>
@@ -3058,11 +3909,11 @@
             <a:noAutofit/>
           </a:bodyPr>
           <a:p>
-            <a:endParaRPr b="0" lang="en-US" sz="1800" spc="-1" strike="noStrike">
-              <a:solidFill>
-                <a:srgbClr val="000000"/>
-              </a:solidFill>
-              <a:latin typeface="Rockwell"/>
+            <a:pPr algn="ctr">
+              <a:buNone/>
+            </a:pPr>
+            <a:endParaRPr b="0" lang="en-IE" sz="4400" spc="-1" strike="noStrike">
+              <a:latin typeface="Arial"/>
             </a:endParaRPr>
           </a:p>
         </p:txBody>
@@ -3079,8 +3930,8 @@
         </p:nvSpPr>
         <p:spPr>
           <a:xfrm>
-            <a:off x="1069920" y="2121480"/>
-            <a:ext cx="4908240" cy="1931760"/>
+            <a:off x="609480" y="1604520"/>
+            <a:ext cx="5354280" cy="1896840"/>
           </a:xfrm>
           <a:prstGeom prst="rect">
             <a:avLst/>
@@ -3095,20 +3946,8 @@
             <a:normAutofit/>
           </a:bodyPr>
           <a:p>
-            <a:pPr>
-              <a:lnSpc>
-                <a:spcPct val="90000"/>
-              </a:lnSpc>
-              <a:spcBef>
-                <a:spcPts val="1417"/>
-              </a:spcBef>
-              <a:buNone/>
-            </a:pPr>
-            <a:endParaRPr b="0" lang="en-US" sz="2000" spc="-1" strike="noStrike">
-              <a:solidFill>
-                <a:srgbClr val="000000"/>
-              </a:solidFill>
-              <a:latin typeface="Rockwell"/>
+            <a:endParaRPr b="0" lang="en-IE" sz="3200" spc="-1" strike="noStrike">
+              <a:latin typeface="Arial"/>
             </a:endParaRPr>
           </a:p>
         </p:txBody>
@@ -3125,8 +3964,8 @@
         </p:nvSpPr>
         <p:spPr>
           <a:xfrm>
-            <a:off x="6224040" y="2121480"/>
-            <a:ext cx="4908240" cy="1931760"/>
+            <a:off x="6231960" y="1604520"/>
+            <a:ext cx="5354280" cy="1896840"/>
           </a:xfrm>
           <a:prstGeom prst="rect">
             <a:avLst/>
@@ -3141,20 +3980,8 @@
             <a:normAutofit/>
           </a:bodyPr>
           <a:p>
-            <a:pPr>
-              <a:lnSpc>
-                <a:spcPct val="90000"/>
-              </a:lnSpc>
-              <a:spcBef>
-                <a:spcPts val="1417"/>
-              </a:spcBef>
-              <a:buNone/>
-            </a:pPr>
-            <a:endParaRPr b="0" lang="en-US" sz="2000" spc="-1" strike="noStrike">
-              <a:solidFill>
-                <a:srgbClr val="000000"/>
-              </a:solidFill>
-              <a:latin typeface="Rockwell"/>
+            <a:endParaRPr b="0" lang="en-IE" sz="3200" spc="-1" strike="noStrike">
+              <a:latin typeface="Arial"/>
             </a:endParaRPr>
           </a:p>
         </p:txBody>
@@ -3171,8 +3998,8 @@
         </p:nvSpPr>
         <p:spPr>
           <a:xfrm>
-            <a:off x="1069920" y="4237200"/>
-            <a:ext cx="4908240" cy="1931760"/>
+            <a:off x="609480" y="3682080"/>
+            <a:ext cx="5354280" cy="1896840"/>
           </a:xfrm>
           <a:prstGeom prst="rect">
             <a:avLst/>
@@ -3187,20 +4014,8 @@
             <a:normAutofit/>
           </a:bodyPr>
           <a:p>
-            <a:pPr>
-              <a:lnSpc>
-                <a:spcPct val="90000"/>
-              </a:lnSpc>
-              <a:spcBef>
-                <a:spcPts val="1417"/>
-              </a:spcBef>
-              <a:buNone/>
-            </a:pPr>
-            <a:endParaRPr b="0" lang="en-US" sz="2000" spc="-1" strike="noStrike">
-              <a:solidFill>
-                <a:srgbClr val="000000"/>
-              </a:solidFill>
-              <a:latin typeface="Rockwell"/>
+            <a:endParaRPr b="0" lang="en-IE" sz="3200" spc="-1" strike="noStrike">
+              <a:latin typeface="Arial"/>
             </a:endParaRPr>
           </a:p>
         </p:txBody>
@@ -3217,8 +4032,8 @@
         </p:nvSpPr>
         <p:spPr>
           <a:xfrm>
-            <a:off x="6224040" y="4237200"/>
-            <a:ext cx="4908240" cy="1931760"/>
+            <a:off x="6231960" y="3682080"/>
+            <a:ext cx="5354280" cy="1896840"/>
           </a:xfrm>
           <a:prstGeom prst="rect">
             <a:avLst/>
@@ -3233,20 +4048,8 @@
             <a:normAutofit/>
           </a:bodyPr>
           <a:p>
-            <a:pPr>
-              <a:lnSpc>
-                <a:spcPct val="90000"/>
-              </a:lnSpc>
-              <a:spcBef>
-                <a:spcPts val="1417"/>
-              </a:spcBef>
-              <a:buNone/>
-            </a:pPr>
-            <a:endParaRPr b="0" lang="en-US" sz="2000" spc="-1" strike="noStrike">
-              <a:solidFill>
-                <a:srgbClr val="000000"/>
-              </a:solidFill>
-              <a:latin typeface="Rockwell"/>
+            <a:endParaRPr b="0" lang="en-IE" sz="3200" spc="-1" strike="noStrike">
+              <a:latin typeface="Arial"/>
             </a:endParaRPr>
           </a:p>
         </p:txBody>
@@ -3258,7 +4061,7 @@
             <a:spLocks noGrp="1"/>
           </p:cNvSpPr>
           <p:nvPr>
-            <p:ph type="ftr" idx="5"/>
+            <p:ph type="ftr" idx="4"/>
           </p:nvPr>
         </p:nvSpPr>
         <p:spPr/>
@@ -3278,14 +4081,14 @@
             <a:spLocks noGrp="1"/>
           </p:cNvSpPr>
           <p:nvPr>
-            <p:ph type="sldNum" idx="6"/>
+            <p:ph type="sldNum" idx="5"/>
           </p:nvPr>
         </p:nvSpPr>
         <p:spPr/>
         <p:txBody>
           <a:bodyPr/>
           <a:p>
-            <a:fld id="{81F14C56-7560-48FE-BFC1-2534BE1803D2}" type="slidenum">
+            <a:fld id="{33022C9A-D2AE-462C-BB2C-99BC9791F563}" type="slidenum">
               <a:t>&lt;#&gt;</a:t>
             </a:fld>
           </a:p>
@@ -3298,7 +4101,7 @@
             <a:spLocks noGrp="1"/>
           </p:cNvSpPr>
           <p:nvPr>
-            <p:ph type="dt" idx="4"/>
+            <p:ph type="dt" idx="6"/>
           </p:nvPr>
         </p:nvSpPr>
         <p:spPr/>
@@ -3346,8 +4149,8 @@
         </p:nvSpPr>
         <p:spPr>
           <a:xfrm>
-            <a:off x="1069920" y="484560"/>
-            <a:ext cx="10058040" cy="1608840"/>
+            <a:off x="609480" y="273600"/>
+            <a:ext cx="10972440" cy="1144800"/>
           </a:xfrm>
           <a:prstGeom prst="rect">
             <a:avLst/>
@@ -3362,11 +4165,11 @@
             <a:noAutofit/>
           </a:bodyPr>
           <a:p>
-            <a:endParaRPr b="0" lang="en-US" sz="1800" spc="-1" strike="noStrike">
-              <a:solidFill>
-                <a:srgbClr val="000000"/>
-              </a:solidFill>
-              <a:latin typeface="Rockwell"/>
+            <a:pPr algn="ctr">
+              <a:buNone/>
+            </a:pPr>
+            <a:endParaRPr b="0" lang="en-IE" sz="4400" spc="-1" strike="noStrike">
+              <a:latin typeface="Arial"/>
             </a:endParaRPr>
           </a:p>
         </p:txBody>
@@ -3383,8 +4186,8 @@
         </p:nvSpPr>
         <p:spPr>
           <a:xfrm>
-            <a:off x="1069920" y="2121480"/>
-            <a:ext cx="3238560" cy="1931760"/>
+            <a:off x="609480" y="1604520"/>
+            <a:ext cx="3533040" cy="1896840"/>
           </a:xfrm>
           <a:prstGeom prst="rect">
             <a:avLst/>
@@ -3399,20 +4202,8 @@
             <a:normAutofit/>
           </a:bodyPr>
           <a:p>
-            <a:pPr>
-              <a:lnSpc>
-                <a:spcPct val="90000"/>
-              </a:lnSpc>
-              <a:spcBef>
-                <a:spcPts val="1417"/>
-              </a:spcBef>
-              <a:buNone/>
-            </a:pPr>
-            <a:endParaRPr b="0" lang="en-US" sz="2000" spc="-1" strike="noStrike">
-              <a:solidFill>
-                <a:srgbClr val="000000"/>
-              </a:solidFill>
-              <a:latin typeface="Rockwell"/>
+            <a:endParaRPr b="0" lang="en-IE" sz="3200" spc="-1" strike="noStrike">
+              <a:latin typeface="Arial"/>
             </a:endParaRPr>
           </a:p>
         </p:txBody>
@@ -3429,8 +4220,8 @@
         </p:nvSpPr>
         <p:spPr>
           <a:xfrm>
-            <a:off x="4470840" y="2121480"/>
-            <a:ext cx="3238560" cy="1931760"/>
+            <a:off x="4319640" y="1604520"/>
+            <a:ext cx="3533040" cy="1896840"/>
           </a:xfrm>
           <a:prstGeom prst="rect">
             <a:avLst/>
@@ -3445,20 +4236,8 @@
             <a:normAutofit/>
           </a:bodyPr>
           <a:p>
-            <a:pPr>
-              <a:lnSpc>
-                <a:spcPct val="90000"/>
-              </a:lnSpc>
-              <a:spcBef>
-                <a:spcPts val="1417"/>
-              </a:spcBef>
-              <a:buNone/>
-            </a:pPr>
-            <a:endParaRPr b="0" lang="en-US" sz="2000" spc="-1" strike="noStrike">
-              <a:solidFill>
-                <a:srgbClr val="000000"/>
-              </a:solidFill>
-              <a:latin typeface="Rockwell"/>
+            <a:endParaRPr b="0" lang="en-IE" sz="3200" spc="-1" strike="noStrike">
+              <a:latin typeface="Arial"/>
             </a:endParaRPr>
           </a:p>
         </p:txBody>
@@ -3475,8 +4254,8 @@
         </p:nvSpPr>
         <p:spPr>
           <a:xfrm>
-            <a:off x="7871760" y="2121480"/>
-            <a:ext cx="3238560" cy="1931760"/>
+            <a:off x="8029800" y="1604520"/>
+            <a:ext cx="3533040" cy="1896840"/>
           </a:xfrm>
           <a:prstGeom prst="rect">
             <a:avLst/>
@@ -3491,20 +4270,8 @@
             <a:normAutofit/>
           </a:bodyPr>
           <a:p>
-            <a:pPr>
-              <a:lnSpc>
-                <a:spcPct val="90000"/>
-              </a:lnSpc>
-              <a:spcBef>
-                <a:spcPts val="1417"/>
-              </a:spcBef>
-              <a:buNone/>
-            </a:pPr>
-            <a:endParaRPr b="0" lang="en-US" sz="2000" spc="-1" strike="noStrike">
-              <a:solidFill>
-                <a:srgbClr val="000000"/>
-              </a:solidFill>
-              <a:latin typeface="Rockwell"/>
+            <a:endParaRPr b="0" lang="en-IE" sz="3200" spc="-1" strike="noStrike">
+              <a:latin typeface="Arial"/>
             </a:endParaRPr>
           </a:p>
         </p:txBody>
@@ -3521,8 +4288,8 @@
         </p:nvSpPr>
         <p:spPr>
           <a:xfrm>
-            <a:off x="1069920" y="4237200"/>
-            <a:ext cx="3238560" cy="1931760"/>
+            <a:off x="609480" y="3682080"/>
+            <a:ext cx="3533040" cy="1896840"/>
           </a:xfrm>
           <a:prstGeom prst="rect">
             <a:avLst/>
@@ -3537,20 +4304,8 @@
             <a:normAutofit/>
           </a:bodyPr>
           <a:p>
-            <a:pPr>
-              <a:lnSpc>
-                <a:spcPct val="90000"/>
-              </a:lnSpc>
-              <a:spcBef>
-                <a:spcPts val="1417"/>
-              </a:spcBef>
-              <a:buNone/>
-            </a:pPr>
-            <a:endParaRPr b="0" lang="en-US" sz="2000" spc="-1" strike="noStrike">
-              <a:solidFill>
-                <a:srgbClr val="000000"/>
-              </a:solidFill>
-              <a:latin typeface="Rockwell"/>
+            <a:endParaRPr b="0" lang="en-IE" sz="3200" spc="-1" strike="noStrike">
+              <a:latin typeface="Arial"/>
             </a:endParaRPr>
           </a:p>
         </p:txBody>
@@ -3567,8 +4322,8 @@
         </p:nvSpPr>
         <p:spPr>
           <a:xfrm>
-            <a:off x="4470840" y="4237200"/>
-            <a:ext cx="3238560" cy="1931760"/>
+            <a:off x="4319640" y="3682080"/>
+            <a:ext cx="3533040" cy="1896840"/>
           </a:xfrm>
           <a:prstGeom prst="rect">
             <a:avLst/>
@@ -3583,20 +4338,8 @@
             <a:normAutofit/>
           </a:bodyPr>
           <a:p>
-            <a:pPr>
-              <a:lnSpc>
-                <a:spcPct val="90000"/>
-              </a:lnSpc>
-              <a:spcBef>
-                <a:spcPts val="1417"/>
-              </a:spcBef>
-              <a:buNone/>
-            </a:pPr>
-            <a:endParaRPr b="0" lang="en-US" sz="2000" spc="-1" strike="noStrike">
-              <a:solidFill>
-                <a:srgbClr val="000000"/>
-              </a:solidFill>
-              <a:latin typeface="Rockwell"/>
+            <a:endParaRPr b="0" lang="en-IE" sz="3200" spc="-1" strike="noStrike">
+              <a:latin typeface="Arial"/>
             </a:endParaRPr>
           </a:p>
         </p:txBody>
@@ -3613,8 +4356,8 @@
         </p:nvSpPr>
         <p:spPr>
           <a:xfrm>
-            <a:off x="7871760" y="4237200"/>
-            <a:ext cx="3238560" cy="1931760"/>
+            <a:off x="8029800" y="3682080"/>
+            <a:ext cx="3533040" cy="1896840"/>
           </a:xfrm>
           <a:prstGeom prst="rect">
             <a:avLst/>
@@ -3629,20 +4372,8 @@
             <a:normAutofit/>
           </a:bodyPr>
           <a:p>
-            <a:pPr>
-              <a:lnSpc>
-                <a:spcPct val="90000"/>
-              </a:lnSpc>
-              <a:spcBef>
-                <a:spcPts val="1417"/>
-              </a:spcBef>
-              <a:buNone/>
-            </a:pPr>
-            <a:endParaRPr b="0" lang="en-US" sz="2000" spc="-1" strike="noStrike">
-              <a:solidFill>
-                <a:srgbClr val="000000"/>
-              </a:solidFill>
-              <a:latin typeface="Rockwell"/>
+            <a:endParaRPr b="0" lang="en-IE" sz="3200" spc="-1" strike="noStrike">
+              <a:latin typeface="Arial"/>
             </a:endParaRPr>
           </a:p>
         </p:txBody>
@@ -3654,7 +4385,7 @@
             <a:spLocks noGrp="1"/>
           </p:cNvSpPr>
           <p:nvPr>
-            <p:ph type="ftr" idx="5"/>
+            <p:ph type="ftr" idx="4"/>
           </p:nvPr>
         </p:nvSpPr>
         <p:spPr/>
@@ -3674,14 +4405,14 @@
             <a:spLocks noGrp="1"/>
           </p:cNvSpPr>
           <p:nvPr>
-            <p:ph type="sldNum" idx="6"/>
+            <p:ph type="sldNum" idx="5"/>
           </p:nvPr>
         </p:nvSpPr>
         <p:spPr/>
         <p:txBody>
           <a:bodyPr/>
           <a:p>
-            <a:fld id="{570144D7-5E67-4A6C-BD4B-BBAD8166BE0A}" type="slidenum">
+            <a:fld id="{D867BADA-508E-4303-ABF8-6DE40EFFDCDF}" type="slidenum">
               <a:t>&lt;#&gt;</a:t>
             </a:fld>
           </a:p>
@@ -3694,7 +4425,7 @@
             <a:spLocks noGrp="1"/>
           </p:cNvSpPr>
           <p:nvPr>
-            <p:ph type="dt" idx="4"/>
+            <p:ph type="dt" idx="6"/>
           </p:nvPr>
         </p:nvSpPr>
         <p:spPr/>
@@ -3742,8 +4473,8 @@
         </p:nvSpPr>
         <p:spPr>
           <a:xfrm>
-            <a:off x="1069920" y="484560"/>
-            <a:ext cx="10058040" cy="1608840"/>
+            <a:off x="609480" y="273600"/>
+            <a:ext cx="10972440" cy="1144800"/>
           </a:xfrm>
           <a:prstGeom prst="rect">
             <a:avLst/>
@@ -3758,11 +4489,11 @@
             <a:noAutofit/>
           </a:bodyPr>
           <a:p>
-            <a:endParaRPr b="0" lang="en-US" sz="1800" spc="-1" strike="noStrike">
-              <a:solidFill>
-                <a:srgbClr val="000000"/>
-              </a:solidFill>
-              <a:latin typeface="Rockwell"/>
+            <a:pPr algn="ctr">
+              <a:buNone/>
+            </a:pPr>
+            <a:endParaRPr b="0" lang="en-IE" sz="4400" spc="-1" strike="noStrike">
+              <a:latin typeface="Arial"/>
             </a:endParaRPr>
           </a:p>
         </p:txBody>
@@ -3779,8 +4510,8 @@
         </p:nvSpPr>
         <p:spPr>
           <a:xfrm>
-            <a:off x="1069920" y="2121480"/>
-            <a:ext cx="10058040" cy="4050360"/>
+            <a:off x="609480" y="1604520"/>
+            <a:ext cx="10972440" cy="3977280"/>
           </a:xfrm>
           <a:prstGeom prst="rect">
             <a:avLst/>
@@ -3795,20 +4526,8 @@
             <a:normAutofit/>
           </a:bodyPr>
           <a:p>
-            <a:pPr>
-              <a:lnSpc>
-                <a:spcPct val="90000"/>
-              </a:lnSpc>
-              <a:spcBef>
-                <a:spcPts val="1417"/>
-              </a:spcBef>
-              <a:buNone/>
-            </a:pPr>
-            <a:endParaRPr b="0" lang="en-US" sz="2000" spc="-1" strike="noStrike">
-              <a:solidFill>
-                <a:srgbClr val="000000"/>
-              </a:solidFill>
-              <a:latin typeface="Rockwell"/>
+            <a:endParaRPr b="0" lang="en-IE" sz="3200" spc="-1" strike="noStrike">
+              <a:latin typeface="Arial"/>
             </a:endParaRPr>
           </a:p>
         </p:txBody>
@@ -3820,7 +4539,7 @@
             <a:spLocks noGrp="1"/>
           </p:cNvSpPr>
           <p:nvPr>
-            <p:ph type="ftr" idx="2"/>
+            <p:ph type="ftr" idx="1"/>
           </p:nvPr>
         </p:nvSpPr>
         <p:spPr/>
@@ -3840,14 +4559,14 @@
             <a:spLocks noGrp="1"/>
           </p:cNvSpPr>
           <p:nvPr>
-            <p:ph type="sldNum" idx="3"/>
+            <p:ph type="sldNum" idx="2"/>
           </p:nvPr>
         </p:nvSpPr>
         <p:spPr/>
         <p:txBody>
           <a:bodyPr/>
           <a:p>
-            <a:fld id="{D89873DA-6FA6-4513-89BE-B2E5CE758761}" type="slidenum">
+            <a:fld id="{B69EB488-7429-48CC-B4C0-9559A82FFDD3}" type="slidenum">
               <a:t>&lt;#&gt;</a:t>
             </a:fld>
           </a:p>
@@ -3860,7 +4579,7 @@
             <a:spLocks noGrp="1"/>
           </p:cNvSpPr>
           <p:nvPr>
-            <p:ph type="dt" idx="1"/>
+            <p:ph type="dt" idx="3"/>
           </p:nvPr>
         </p:nvSpPr>
         <p:spPr/>
@@ -3908,8 +4627,8 @@
         </p:nvSpPr>
         <p:spPr>
           <a:xfrm>
-            <a:off x="1069920" y="484560"/>
-            <a:ext cx="10058040" cy="1608840"/>
+            <a:off x="609480" y="273600"/>
+            <a:ext cx="10972440" cy="1144800"/>
           </a:xfrm>
           <a:prstGeom prst="rect">
             <a:avLst/>
@@ -3924,11 +4643,11 @@
             <a:noAutofit/>
           </a:bodyPr>
           <a:p>
-            <a:endParaRPr b="0" lang="en-US" sz="1800" spc="-1" strike="noStrike">
-              <a:solidFill>
-                <a:srgbClr val="000000"/>
-              </a:solidFill>
-              <a:latin typeface="Rockwell"/>
+            <a:pPr algn="ctr">
+              <a:buNone/>
+            </a:pPr>
+            <a:endParaRPr b="0" lang="en-IE" sz="4400" spc="-1" strike="noStrike">
+              <a:latin typeface="Arial"/>
             </a:endParaRPr>
           </a:p>
         </p:txBody>
@@ -3945,8 +4664,8 @@
         </p:nvSpPr>
         <p:spPr>
           <a:xfrm>
-            <a:off x="1069920" y="2121480"/>
-            <a:ext cx="4908240" cy="4050360"/>
+            <a:off x="609480" y="1604520"/>
+            <a:ext cx="5354280" cy="3977280"/>
           </a:xfrm>
           <a:prstGeom prst="rect">
             <a:avLst/>
@@ -3961,20 +4680,8 @@
             <a:normAutofit/>
           </a:bodyPr>
           <a:p>
-            <a:pPr>
-              <a:lnSpc>
-                <a:spcPct val="90000"/>
-              </a:lnSpc>
-              <a:spcBef>
-                <a:spcPts val="1417"/>
-              </a:spcBef>
-              <a:buNone/>
-            </a:pPr>
-            <a:endParaRPr b="0" lang="en-US" sz="2000" spc="-1" strike="noStrike">
-              <a:solidFill>
-                <a:srgbClr val="000000"/>
-              </a:solidFill>
-              <a:latin typeface="Rockwell"/>
+            <a:endParaRPr b="0" lang="en-IE" sz="3200" spc="-1" strike="noStrike">
+              <a:latin typeface="Arial"/>
             </a:endParaRPr>
           </a:p>
         </p:txBody>
@@ -3991,8 +4698,8 @@
         </p:nvSpPr>
         <p:spPr>
           <a:xfrm>
-            <a:off x="6224040" y="2121480"/>
-            <a:ext cx="4908240" cy="4050360"/>
+            <a:off x="6231960" y="1604520"/>
+            <a:ext cx="5354280" cy="3977280"/>
           </a:xfrm>
           <a:prstGeom prst="rect">
             <a:avLst/>
@@ -4007,20 +4714,8 @@
             <a:normAutofit/>
           </a:bodyPr>
           <a:p>
-            <a:pPr>
-              <a:lnSpc>
-                <a:spcPct val="90000"/>
-              </a:lnSpc>
-              <a:spcBef>
-                <a:spcPts val="1417"/>
-              </a:spcBef>
-              <a:buNone/>
-            </a:pPr>
-            <a:endParaRPr b="0" lang="en-US" sz="2000" spc="-1" strike="noStrike">
-              <a:solidFill>
-                <a:srgbClr val="000000"/>
-              </a:solidFill>
-              <a:latin typeface="Rockwell"/>
+            <a:endParaRPr b="0" lang="en-IE" sz="3200" spc="-1" strike="noStrike">
+              <a:latin typeface="Arial"/>
             </a:endParaRPr>
           </a:p>
         </p:txBody>
@@ -4032,7 +4727,7 @@
             <a:spLocks noGrp="1"/>
           </p:cNvSpPr>
           <p:nvPr>
-            <p:ph type="ftr" idx="2"/>
+            <p:ph type="ftr" idx="1"/>
           </p:nvPr>
         </p:nvSpPr>
         <p:spPr/>
@@ -4052,14 +4747,14 @@
             <a:spLocks noGrp="1"/>
           </p:cNvSpPr>
           <p:nvPr>
-            <p:ph type="sldNum" idx="3"/>
+            <p:ph type="sldNum" idx="2"/>
           </p:nvPr>
         </p:nvSpPr>
         <p:spPr/>
         <p:txBody>
           <a:bodyPr/>
           <a:p>
-            <a:fld id="{F2A73509-BBE1-4066-960E-98F0EE41FC2B}" type="slidenum">
+            <a:fld id="{E2FEE634-6502-4A57-A192-17C6F4314113}" type="slidenum">
               <a:t>&lt;#&gt;</a:t>
             </a:fld>
           </a:p>
@@ -4072,7 +4767,7 @@
             <a:spLocks noGrp="1"/>
           </p:cNvSpPr>
           <p:nvPr>
-            <p:ph type="dt" idx="1"/>
+            <p:ph type="dt" idx="3"/>
           </p:nvPr>
         </p:nvSpPr>
         <p:spPr/>
@@ -4120,8 +4815,8 @@
         </p:nvSpPr>
         <p:spPr>
           <a:xfrm>
-            <a:off x="1069920" y="484560"/>
-            <a:ext cx="10058040" cy="1608840"/>
+            <a:off x="609480" y="273600"/>
+            <a:ext cx="10972440" cy="1144800"/>
           </a:xfrm>
           <a:prstGeom prst="rect">
             <a:avLst/>
@@ -4136,11 +4831,11 @@
             <a:noAutofit/>
           </a:bodyPr>
           <a:p>
-            <a:endParaRPr b="0" lang="en-US" sz="1800" spc="-1" strike="noStrike">
-              <a:solidFill>
-                <a:srgbClr val="000000"/>
-              </a:solidFill>
-              <a:latin typeface="Rockwell"/>
+            <a:pPr algn="ctr">
+              <a:buNone/>
+            </a:pPr>
+            <a:endParaRPr b="0" lang="en-IE" sz="4400" spc="-1" strike="noStrike">
+              <a:latin typeface="Arial"/>
             </a:endParaRPr>
           </a:p>
         </p:txBody>
@@ -4152,7 +4847,7 @@
             <a:spLocks noGrp="1"/>
           </p:cNvSpPr>
           <p:nvPr>
-            <p:ph type="ftr" idx="2"/>
+            <p:ph type="ftr" idx="1"/>
           </p:nvPr>
         </p:nvSpPr>
         <p:spPr/>
@@ -4172,14 +4867,14 @@
             <a:spLocks noGrp="1"/>
           </p:cNvSpPr>
           <p:nvPr>
-            <p:ph type="sldNum" idx="3"/>
+            <p:ph type="sldNum" idx="2"/>
           </p:nvPr>
         </p:nvSpPr>
         <p:spPr/>
         <p:txBody>
           <a:bodyPr/>
           <a:p>
-            <a:fld id="{904DDC1E-0491-45B3-A819-671534A2420C}" type="slidenum">
+            <a:fld id="{B879609E-7BAB-4AE0-AAA9-6931F718E1B0}" type="slidenum">
               <a:t>&lt;#&gt;</a:t>
             </a:fld>
           </a:p>
@@ -4192,7 +4887,7 @@
             <a:spLocks noGrp="1"/>
           </p:cNvSpPr>
           <p:nvPr>
-            <p:ph type="dt" idx="1"/>
+            <p:ph type="dt" idx="3"/>
           </p:nvPr>
         </p:nvSpPr>
         <p:spPr/>
@@ -4240,8 +4935,8 @@
         </p:nvSpPr>
         <p:spPr>
           <a:xfrm>
-            <a:off x="1069920" y="484560"/>
-            <a:ext cx="10058040" cy="7458840"/>
+            <a:off x="609480" y="273600"/>
+            <a:ext cx="10972440" cy="5307840"/>
           </a:xfrm>
           <a:prstGeom prst="rect">
             <a:avLst/>
@@ -4272,7 +4967,7 @@
             <a:spLocks noGrp="1"/>
           </p:cNvSpPr>
           <p:nvPr>
-            <p:ph type="ftr" idx="2"/>
+            <p:ph type="ftr" idx="1"/>
           </p:nvPr>
         </p:nvSpPr>
         <p:spPr/>
@@ -4292,14 +4987,14 @@
             <a:spLocks noGrp="1"/>
           </p:cNvSpPr>
           <p:nvPr>
-            <p:ph type="sldNum" idx="3"/>
+            <p:ph type="sldNum" idx="2"/>
           </p:nvPr>
         </p:nvSpPr>
         <p:spPr/>
         <p:txBody>
           <a:bodyPr/>
           <a:p>
-            <a:fld id="{61AB4A87-9583-4348-93F4-E64088435811}" type="slidenum">
+            <a:fld id="{F37ADB61-742A-4DE4-A37E-B1B3F1FB4931}" type="slidenum">
               <a:t>&lt;#&gt;</a:t>
             </a:fld>
           </a:p>
@@ -4312,7 +5007,7 @@
             <a:spLocks noGrp="1"/>
           </p:cNvSpPr>
           <p:nvPr>
-            <p:ph type="dt" idx="1"/>
+            <p:ph type="dt" idx="3"/>
           </p:nvPr>
         </p:nvSpPr>
         <p:spPr/>
@@ -4360,8 +5055,8 @@
         </p:nvSpPr>
         <p:spPr>
           <a:xfrm>
-            <a:off x="1069920" y="484560"/>
-            <a:ext cx="10058040" cy="1608840"/>
+            <a:off x="609480" y="273600"/>
+            <a:ext cx="10972440" cy="1144800"/>
           </a:xfrm>
           <a:prstGeom prst="rect">
             <a:avLst/>
@@ -4376,11 +5071,11 @@
             <a:noAutofit/>
           </a:bodyPr>
           <a:p>
-            <a:endParaRPr b="0" lang="en-US" sz="1800" spc="-1" strike="noStrike">
-              <a:solidFill>
-                <a:srgbClr val="000000"/>
-              </a:solidFill>
-              <a:latin typeface="Rockwell"/>
+            <a:pPr algn="ctr">
+              <a:buNone/>
+            </a:pPr>
+            <a:endParaRPr b="0" lang="en-IE" sz="4400" spc="-1" strike="noStrike">
+              <a:latin typeface="Arial"/>
             </a:endParaRPr>
           </a:p>
         </p:txBody>
@@ -4397,8 +5092,8 @@
         </p:nvSpPr>
         <p:spPr>
           <a:xfrm>
-            <a:off x="1069920" y="2121480"/>
-            <a:ext cx="4908240" cy="1931760"/>
+            <a:off x="609480" y="1604520"/>
+            <a:ext cx="5354280" cy="1896840"/>
           </a:xfrm>
           <a:prstGeom prst="rect">
             <a:avLst/>
@@ -4413,20 +5108,8 @@
             <a:normAutofit/>
           </a:bodyPr>
           <a:p>
-            <a:pPr>
-              <a:lnSpc>
-                <a:spcPct val="90000"/>
-              </a:lnSpc>
-              <a:spcBef>
-                <a:spcPts val="1417"/>
-              </a:spcBef>
-              <a:buNone/>
-            </a:pPr>
-            <a:endParaRPr b="0" lang="en-US" sz="2000" spc="-1" strike="noStrike">
-              <a:solidFill>
-                <a:srgbClr val="000000"/>
-              </a:solidFill>
-              <a:latin typeface="Rockwell"/>
+            <a:endParaRPr b="0" lang="en-IE" sz="3200" spc="-1" strike="noStrike">
+              <a:latin typeface="Arial"/>
             </a:endParaRPr>
           </a:p>
         </p:txBody>
@@ -4443,8 +5126,8 @@
         </p:nvSpPr>
         <p:spPr>
           <a:xfrm>
-            <a:off x="6224040" y="2121480"/>
-            <a:ext cx="4908240" cy="4050360"/>
+            <a:off x="6231960" y="1604520"/>
+            <a:ext cx="5354280" cy="3977280"/>
           </a:xfrm>
           <a:prstGeom prst="rect">
             <a:avLst/>
@@ -4459,20 +5142,8 @@
             <a:normAutofit/>
           </a:bodyPr>
           <a:p>
-            <a:pPr>
-              <a:lnSpc>
-                <a:spcPct val="90000"/>
-              </a:lnSpc>
-              <a:spcBef>
-                <a:spcPts val="1417"/>
-              </a:spcBef>
-              <a:buNone/>
-            </a:pPr>
-            <a:endParaRPr b="0" lang="en-US" sz="2000" spc="-1" strike="noStrike">
-              <a:solidFill>
-                <a:srgbClr val="000000"/>
-              </a:solidFill>
-              <a:latin typeface="Rockwell"/>
+            <a:endParaRPr b="0" lang="en-IE" sz="3200" spc="-1" strike="noStrike">
+              <a:latin typeface="Arial"/>
             </a:endParaRPr>
           </a:p>
         </p:txBody>
@@ -4489,8 +5160,8 @@
         </p:nvSpPr>
         <p:spPr>
           <a:xfrm>
-            <a:off x="1069920" y="4237200"/>
-            <a:ext cx="4908240" cy="1931760"/>
+            <a:off x="609480" y="3682080"/>
+            <a:ext cx="5354280" cy="1896840"/>
           </a:xfrm>
           <a:prstGeom prst="rect">
             <a:avLst/>
@@ -4505,20 +5176,8 @@
             <a:normAutofit/>
           </a:bodyPr>
           <a:p>
-            <a:pPr>
-              <a:lnSpc>
-                <a:spcPct val="90000"/>
-              </a:lnSpc>
-              <a:spcBef>
-                <a:spcPts val="1417"/>
-              </a:spcBef>
-              <a:buNone/>
-            </a:pPr>
-            <a:endParaRPr b="0" lang="en-US" sz="2000" spc="-1" strike="noStrike">
-              <a:solidFill>
-                <a:srgbClr val="000000"/>
-              </a:solidFill>
-              <a:latin typeface="Rockwell"/>
+            <a:endParaRPr b="0" lang="en-IE" sz="3200" spc="-1" strike="noStrike">
+              <a:latin typeface="Arial"/>
             </a:endParaRPr>
           </a:p>
         </p:txBody>
@@ -4530,7 +5189,7 @@
             <a:spLocks noGrp="1"/>
           </p:cNvSpPr>
           <p:nvPr>
-            <p:ph type="ftr" idx="2"/>
+            <p:ph type="ftr" idx="1"/>
           </p:nvPr>
         </p:nvSpPr>
         <p:spPr/>
@@ -4550,14 +5209,14 @@
             <a:spLocks noGrp="1"/>
           </p:cNvSpPr>
           <p:nvPr>
-            <p:ph type="sldNum" idx="3"/>
+            <p:ph type="sldNum" idx="2"/>
           </p:nvPr>
         </p:nvSpPr>
         <p:spPr/>
         <p:txBody>
           <a:bodyPr/>
           <a:p>
-            <a:fld id="{7720C2E1-9C63-490F-97C8-C01E5F898BB4}" type="slidenum">
+            <a:fld id="{9A0F752B-32FE-439D-BBD1-65324B510F43}" type="slidenum">
               <a:t>&lt;#&gt;</a:t>
             </a:fld>
           </a:p>
@@ -4570,7 +5229,7 @@
             <a:spLocks noGrp="1"/>
           </p:cNvSpPr>
           <p:nvPr>
-            <p:ph type="dt" idx="1"/>
+            <p:ph type="dt" idx="3"/>
           </p:nvPr>
         </p:nvSpPr>
         <p:spPr/>
@@ -4618,8 +5277,8 @@
         </p:nvSpPr>
         <p:spPr>
           <a:xfrm>
-            <a:off x="1069920" y="484560"/>
-            <a:ext cx="10058040" cy="1608840"/>
+            <a:off x="609480" y="273600"/>
+            <a:ext cx="10972440" cy="1144800"/>
           </a:xfrm>
           <a:prstGeom prst="rect">
             <a:avLst/>
@@ -4634,11 +5293,11 @@
             <a:noAutofit/>
           </a:bodyPr>
           <a:p>
-            <a:endParaRPr b="0" lang="en-US" sz="1800" spc="-1" strike="noStrike">
-              <a:solidFill>
-                <a:srgbClr val="000000"/>
-              </a:solidFill>
-              <a:latin typeface="Rockwell"/>
+            <a:pPr algn="ctr">
+              <a:buNone/>
+            </a:pPr>
+            <a:endParaRPr b="0" lang="en-IE" sz="4400" spc="-1" strike="noStrike">
+              <a:latin typeface="Arial"/>
             </a:endParaRPr>
           </a:p>
         </p:txBody>
@@ -4655,8 +5314,8 @@
         </p:nvSpPr>
         <p:spPr>
           <a:xfrm>
-            <a:off x="1069920" y="2121480"/>
-            <a:ext cx="4908240" cy="4050360"/>
+            <a:off x="609480" y="1604520"/>
+            <a:ext cx="5354280" cy="3977280"/>
           </a:xfrm>
           <a:prstGeom prst="rect">
             <a:avLst/>
@@ -4671,20 +5330,8 @@
             <a:normAutofit/>
           </a:bodyPr>
           <a:p>
-            <a:pPr>
-              <a:lnSpc>
-                <a:spcPct val="90000"/>
-              </a:lnSpc>
-              <a:spcBef>
-                <a:spcPts val="1417"/>
-              </a:spcBef>
-              <a:buNone/>
-            </a:pPr>
-            <a:endParaRPr b="0" lang="en-US" sz="2000" spc="-1" strike="noStrike">
-              <a:solidFill>
-                <a:srgbClr val="000000"/>
-              </a:solidFill>
-              <a:latin typeface="Rockwell"/>
+            <a:endParaRPr b="0" lang="en-IE" sz="3200" spc="-1" strike="noStrike">
+              <a:latin typeface="Arial"/>
             </a:endParaRPr>
           </a:p>
         </p:txBody>
@@ -4701,8 +5348,8 @@
         </p:nvSpPr>
         <p:spPr>
           <a:xfrm>
-            <a:off x="6224040" y="2121480"/>
-            <a:ext cx="4908240" cy="1931760"/>
+            <a:off x="6231960" y="1604520"/>
+            <a:ext cx="5354280" cy="1896840"/>
           </a:xfrm>
           <a:prstGeom prst="rect">
             <a:avLst/>
@@ -4717,20 +5364,8 @@
             <a:normAutofit/>
           </a:bodyPr>
           <a:p>
-            <a:pPr>
-              <a:lnSpc>
-                <a:spcPct val="90000"/>
-              </a:lnSpc>
-              <a:spcBef>
-                <a:spcPts val="1417"/>
-              </a:spcBef>
-              <a:buNone/>
-            </a:pPr>
-            <a:endParaRPr b="0" lang="en-US" sz="2000" spc="-1" strike="noStrike">
-              <a:solidFill>
-                <a:srgbClr val="000000"/>
-              </a:solidFill>
-              <a:latin typeface="Rockwell"/>
+            <a:endParaRPr b="0" lang="en-IE" sz="3200" spc="-1" strike="noStrike">
+              <a:latin typeface="Arial"/>
             </a:endParaRPr>
           </a:p>
         </p:txBody>
@@ -4747,8 +5382,8 @@
         </p:nvSpPr>
         <p:spPr>
           <a:xfrm>
-            <a:off x="6224040" y="4237200"/>
-            <a:ext cx="4908240" cy="1931760"/>
+            <a:off x="6231960" y="3682080"/>
+            <a:ext cx="5354280" cy="1896840"/>
           </a:xfrm>
           <a:prstGeom prst="rect">
             <a:avLst/>
@@ -4763,20 +5398,8 @@
             <a:normAutofit/>
           </a:bodyPr>
           <a:p>
-            <a:pPr>
-              <a:lnSpc>
-                <a:spcPct val="90000"/>
-              </a:lnSpc>
-              <a:spcBef>
-                <a:spcPts val="1417"/>
-              </a:spcBef>
-              <a:buNone/>
-            </a:pPr>
-            <a:endParaRPr b="0" lang="en-US" sz="2000" spc="-1" strike="noStrike">
-              <a:solidFill>
-                <a:srgbClr val="000000"/>
-              </a:solidFill>
-              <a:latin typeface="Rockwell"/>
+            <a:endParaRPr b="0" lang="en-IE" sz="3200" spc="-1" strike="noStrike">
+              <a:latin typeface="Arial"/>
             </a:endParaRPr>
           </a:p>
         </p:txBody>
@@ -4788,7 +5411,7 @@
             <a:spLocks noGrp="1"/>
           </p:cNvSpPr>
           <p:nvPr>
-            <p:ph type="ftr" idx="2"/>
+            <p:ph type="ftr" idx="1"/>
           </p:nvPr>
         </p:nvSpPr>
         <p:spPr/>
@@ -4808,14 +5431,14 @@
             <a:spLocks noGrp="1"/>
           </p:cNvSpPr>
           <p:nvPr>
-            <p:ph type="sldNum" idx="3"/>
+            <p:ph type="sldNum" idx="2"/>
           </p:nvPr>
         </p:nvSpPr>
         <p:spPr/>
         <p:txBody>
           <a:bodyPr/>
           <a:p>
-            <a:fld id="{BC7AE3E4-5DFE-4C86-89BC-3B36B2E23ABF}" type="slidenum">
+            <a:fld id="{EE8AFBFE-81D5-4058-AC4E-3BB898F8D8E7}" type="slidenum">
               <a:t>&lt;#&gt;</a:t>
             </a:fld>
           </a:p>
@@ -4828,7 +5451,7 @@
             <a:spLocks noGrp="1"/>
           </p:cNvSpPr>
           <p:nvPr>
-            <p:ph type="dt" idx="1"/>
+            <p:ph type="dt" idx="3"/>
           </p:nvPr>
         </p:nvSpPr>
         <p:spPr/>
@@ -4876,8 +5499,8 @@
         </p:nvSpPr>
         <p:spPr>
           <a:xfrm>
-            <a:off x="1069920" y="484560"/>
-            <a:ext cx="10058040" cy="1608840"/>
+            <a:off x="609480" y="273600"/>
+            <a:ext cx="10972440" cy="1144800"/>
           </a:xfrm>
           <a:prstGeom prst="rect">
             <a:avLst/>
@@ -4892,11 +5515,11 @@
             <a:noAutofit/>
           </a:bodyPr>
           <a:p>
-            <a:endParaRPr b="0" lang="en-US" sz="1800" spc="-1" strike="noStrike">
-              <a:solidFill>
-                <a:srgbClr val="000000"/>
-              </a:solidFill>
-              <a:latin typeface="Rockwell"/>
+            <a:pPr algn="ctr">
+              <a:buNone/>
+            </a:pPr>
+            <a:endParaRPr b="0" lang="en-IE" sz="4400" spc="-1" strike="noStrike">
+              <a:latin typeface="Arial"/>
             </a:endParaRPr>
           </a:p>
         </p:txBody>
@@ -4913,8 +5536,8 @@
         </p:nvSpPr>
         <p:spPr>
           <a:xfrm>
-            <a:off x="1069920" y="2121480"/>
-            <a:ext cx="4908240" cy="1931760"/>
+            <a:off x="609480" y="1604520"/>
+            <a:ext cx="5354280" cy="1896840"/>
           </a:xfrm>
           <a:prstGeom prst="rect">
             <a:avLst/>
@@ -4929,20 +5552,8 @@
             <a:normAutofit/>
           </a:bodyPr>
           <a:p>
-            <a:pPr>
-              <a:lnSpc>
-                <a:spcPct val="90000"/>
-              </a:lnSpc>
-              <a:spcBef>
-                <a:spcPts val="1417"/>
-              </a:spcBef>
-              <a:buNone/>
-            </a:pPr>
-            <a:endParaRPr b="0" lang="en-US" sz="2000" spc="-1" strike="noStrike">
-              <a:solidFill>
-                <a:srgbClr val="000000"/>
-              </a:solidFill>
-              <a:latin typeface="Rockwell"/>
+            <a:endParaRPr b="0" lang="en-IE" sz="3200" spc="-1" strike="noStrike">
+              <a:latin typeface="Arial"/>
             </a:endParaRPr>
           </a:p>
         </p:txBody>
@@ -4959,8 +5570,8 @@
         </p:nvSpPr>
         <p:spPr>
           <a:xfrm>
-            <a:off x="6224040" y="2121480"/>
-            <a:ext cx="4908240" cy="1931760"/>
+            <a:off x="6231960" y="1604520"/>
+            <a:ext cx="5354280" cy="1896840"/>
           </a:xfrm>
           <a:prstGeom prst="rect">
             <a:avLst/>
@@ -4975,20 +5586,8 @@
             <a:normAutofit/>
           </a:bodyPr>
           <a:p>
-            <a:pPr>
-              <a:lnSpc>
-                <a:spcPct val="90000"/>
-              </a:lnSpc>
-              <a:spcBef>
-                <a:spcPts val="1417"/>
-              </a:spcBef>
-              <a:buNone/>
-            </a:pPr>
-            <a:endParaRPr b="0" lang="en-US" sz="2000" spc="-1" strike="noStrike">
-              <a:solidFill>
-                <a:srgbClr val="000000"/>
-              </a:solidFill>
-              <a:latin typeface="Rockwell"/>
+            <a:endParaRPr b="0" lang="en-IE" sz="3200" spc="-1" strike="noStrike">
+              <a:latin typeface="Arial"/>
             </a:endParaRPr>
           </a:p>
         </p:txBody>
@@ -5005,8 +5604,8 @@
         </p:nvSpPr>
         <p:spPr>
           <a:xfrm>
-            <a:off x="1069920" y="4237200"/>
-            <a:ext cx="10058040" cy="1931760"/>
+            <a:off x="609480" y="3682080"/>
+            <a:ext cx="10972440" cy="1896840"/>
           </a:xfrm>
           <a:prstGeom prst="rect">
             <a:avLst/>
@@ -5021,20 +5620,8 @@
             <a:normAutofit/>
           </a:bodyPr>
           <a:p>
-            <a:pPr>
-              <a:lnSpc>
-                <a:spcPct val="90000"/>
-              </a:lnSpc>
-              <a:spcBef>
-                <a:spcPts val="1417"/>
-              </a:spcBef>
-              <a:buNone/>
-            </a:pPr>
-            <a:endParaRPr b="0" lang="en-US" sz="2000" spc="-1" strike="noStrike">
-              <a:solidFill>
-                <a:srgbClr val="000000"/>
-              </a:solidFill>
-              <a:latin typeface="Rockwell"/>
+            <a:endParaRPr b="0" lang="en-IE" sz="3200" spc="-1" strike="noStrike">
+              <a:latin typeface="Arial"/>
             </a:endParaRPr>
           </a:p>
         </p:txBody>
@@ -5046,7 +5633,7 @@
             <a:spLocks noGrp="1"/>
           </p:cNvSpPr>
           <p:nvPr>
-            <p:ph type="ftr" idx="2"/>
+            <p:ph type="ftr" idx="1"/>
           </p:nvPr>
         </p:nvSpPr>
         <p:spPr/>
@@ -5066,14 +5653,14 @@
             <a:spLocks noGrp="1"/>
           </p:cNvSpPr>
           <p:nvPr>
-            <p:ph type="sldNum" idx="3"/>
+            <p:ph type="sldNum" idx="2"/>
           </p:nvPr>
         </p:nvSpPr>
         <p:spPr/>
         <p:txBody>
           <a:bodyPr/>
           <a:p>
-            <a:fld id="{4F3E8B26-4A76-4E65-B459-EC94964D4661}" type="slidenum">
+            <a:fld id="{B899DACD-3CD5-46A8-AAFD-D90FCC6D095E}" type="slidenum">
               <a:t>&lt;#&gt;</a:t>
             </a:fld>
           </a:p>
@@ -5086,7 +5673,7 @@
             <a:spLocks noGrp="1"/>
           </p:cNvSpPr>
           <p:nvPr>
-            <p:ph type="dt" idx="1"/>
+            <p:ph type="dt" idx="3"/>
           </p:nvPr>
         </p:nvSpPr>
         <p:spPr/>
@@ -5138,9 +5725,9 @@
         <p:grpSpPr>
           <a:xfrm>
             <a:off x="11401560" y="6229800"/>
-            <a:ext cx="456840" cy="456840"/>
+            <a:ext cx="456480" cy="456480"/>
             <a:chOff x="11401560" y="6229800"/>
-            <a:chExt cx="456840" cy="456840"/>
+            <a:chExt cx="456480" cy="456480"/>
           </a:xfrm>
         </p:grpSpPr>
         <p:sp>
@@ -5152,7 +5739,7 @@
           <p:spPr>
             <a:xfrm>
               <a:off x="11401560" y="6229800"/>
-              <a:ext cx="456840" cy="456840"/>
+              <a:ext cx="456480" cy="456480"/>
             </a:xfrm>
             <a:prstGeom prst="ellipse">
               <a:avLst/>
@@ -5182,7 +5769,7 @@
           <p:spPr>
             <a:xfrm>
               <a:off x="11431080" y="6258960"/>
-              <a:ext cx="398520" cy="398520"/>
+              <a:ext cx="398160" cy="398160"/>
             </a:xfrm>
             <a:prstGeom prst="ellipse">
               <a:avLst/>
@@ -5212,7 +5799,7 @@
         <p:spPr>
           <a:xfrm>
             <a:off x="920880" y="1347120"/>
-            <a:ext cx="10222560" cy="80280"/>
+            <a:ext cx="10222200" cy="79920"/>
           </a:xfrm>
           <a:prstGeom prst="rect">
             <a:avLst/>
@@ -5252,7 +5839,7 @@
         <p:spPr>
           <a:xfrm>
             <a:off x="920880" y="4299840"/>
-            <a:ext cx="10222560" cy="80280"/>
+            <a:ext cx="10222200" cy="79920"/>
           </a:xfrm>
           <a:prstGeom prst="rect">
             <a:avLst/>
@@ -5292,7 +5879,7 @@
         <p:spPr>
           <a:xfrm>
             <a:off x="920880" y="1484640"/>
-            <a:ext cx="10222560" cy="2742840"/>
+            <a:ext cx="10222200" cy="2742480"/>
           </a:xfrm>
           <a:prstGeom prst="rect">
             <a:avLst/>
@@ -5332,9 +5919,9 @@
         <p:grpSpPr>
           <a:xfrm>
             <a:off x="9649080" y="4069080"/>
-            <a:ext cx="1080720" cy="1080720"/>
+            <a:ext cx="1080360" cy="1080360"/>
             <a:chOff x="9649080" y="4069080"/>
-            <a:chExt cx="1080720" cy="1080720"/>
+            <a:chExt cx="1080360" cy="1080360"/>
           </a:xfrm>
         </p:grpSpPr>
         <p:sp>
@@ -5346,7 +5933,7 @@
           <p:spPr>
             <a:xfrm>
               <a:off x="9649080" y="4069080"/>
-              <a:ext cx="1080720" cy="1080720"/>
+              <a:ext cx="1080360" cy="1080360"/>
             </a:xfrm>
             <a:prstGeom prst="ellipse">
               <a:avLst/>
@@ -5376,7 +5963,7 @@
           <p:spPr>
             <a:xfrm>
               <a:off x="9757440" y="4177080"/>
-              <a:ext cx="864360" cy="864360"/>
+              <a:ext cx="864000" cy="864000"/>
             </a:xfrm>
             <a:prstGeom prst="ellipse">
               <a:avLst/>
@@ -5409,39 +5996,30 @@
         </p:nvSpPr>
         <p:spPr>
           <a:xfrm>
-            <a:off x="1051560" y="1432080"/>
-            <a:ext cx="9966600" cy="3035520"/>
-          </a:xfrm>
-          <a:prstGeom prst="rect">
-            <a:avLst/>
-          </a:prstGeom>
-          <a:noFill/>
-          <a:ln w="0">
-            <a:noFill/>
-          </a:ln>
-        </p:spPr>
-        <p:txBody>
-          <a:bodyPr anchor="ctr">
+            <a:off x="1069920" y="484560"/>
+            <a:ext cx="10057680" cy="1608480"/>
+          </a:xfrm>
+          <a:prstGeom prst="rect">
+            <a:avLst/>
+          </a:prstGeom>
+          <a:noFill/>
+          <a:ln w="0">
+            <a:noFill/>
+          </a:ln>
+        </p:spPr>
+        <p:txBody>
+          <a:bodyPr lIns="0" rIns="0" tIns="0" bIns="0" anchor="ctr">
             <a:noAutofit/>
           </a:bodyPr>
           <a:p>
-            <a:pPr>
-              <a:lnSpc>
-                <a:spcPct val="80000"/>
-              </a:lnSpc>
-              <a:buNone/>
-            </a:pPr>
-            <a:r>
-              <a:rPr b="0" lang="en-US" sz="9600" spc="-1" strike="noStrike" cap="all">
-                <a:latin typeface="Rockwell Condensed"/>
-              </a:rPr>
-              <a:t>Click to edit Master title style</a:t>
-            </a:r>
-            <a:endParaRPr b="0" lang="en-US" sz="9600" spc="-1" strike="noStrike">
-              <a:solidFill>
-                <a:srgbClr val="000000"/>
-              </a:solidFill>
-              <a:latin typeface="Rockwell"/>
+            <a:r>
+              <a:rPr b="0" lang="en-IE" sz="1800" spc="-1" strike="noStrike">
+                <a:latin typeface="Arial"/>
+              </a:rPr>
+              <a:t>Click to edit the title text format</a:t>
+            </a:r>
+            <a:endParaRPr b="0" lang="en-IE" sz="1800" spc="-1" strike="noStrike">
+              <a:latin typeface="Arial"/>
             </a:endParaRPr>
           </a:p>
         </p:txBody>
@@ -5453,91 +6031,31 @@
             <a:spLocks noGrp="1"/>
           </p:cNvSpPr>
           <p:nvPr>
-            <p:ph type="dt" idx="1"/>
-          </p:nvPr>
-        </p:nvSpPr>
-        <p:spPr>
-          <a:xfrm>
-            <a:off x="7964280" y="6272640"/>
-            <a:ext cx="3273120" cy="364680"/>
-          </a:xfrm>
-          <a:prstGeom prst="rect">
-            <a:avLst/>
-          </a:prstGeom>
-          <a:noFill/>
-          <a:ln w="0">
-            <a:noFill/>
-          </a:ln>
-        </p:spPr>
-        <p:txBody>
-          <a:bodyPr anchor="ctr">
+            <p:ph type="ftr" idx="1"/>
+          </p:nvPr>
+        </p:nvSpPr>
+        <p:spPr>
+          <a:xfrm>
+            <a:off x="1088280" y="6272640"/>
+            <a:ext cx="6327000" cy="364320"/>
+          </a:xfrm>
+          <a:prstGeom prst="rect">
+            <a:avLst/>
+          </a:prstGeom>
+          <a:noFill/>
+          <a:ln w="0">
+            <a:noFill/>
+          </a:ln>
+        </p:spPr>
+        <p:txBody>
+          <a:bodyPr lIns="90000" rIns="90000" tIns="45000" bIns="45000" anchor="ctr">
             <a:noAutofit/>
           </a:bodyPr>
           <a:lstStyle>
-            <a:lvl1pPr algn="r">
+            <a:lvl1pPr algn="ctr">
               <a:lnSpc>
                 <a:spcPct val="100000"/>
               </a:lnSpc>
-              <a:buNone/>
-              <a:defRPr b="0" lang="en-US" sz="1100" spc="-1" strike="noStrike">
-                <a:solidFill>
-                  <a:srgbClr val="696464"/>
-                </a:solidFill>
-                <a:latin typeface="Rockwell"/>
-              </a:defRPr>
-            </a:lvl1pPr>
-          </a:lstStyle>
-          <a:p>
-            <a:pPr algn="r">
-              <a:lnSpc>
-                <a:spcPct val="100000"/>
-              </a:lnSpc>
-              <a:buNone/>
-            </a:pPr>
-            <a:r>
-              <a:rPr b="0" lang="en-US" sz="1100" spc="-1" strike="noStrike">
-                <a:solidFill>
-                  <a:srgbClr val="696464"/>
-                </a:solidFill>
-                <a:latin typeface="Rockwell"/>
-              </a:rPr>
-              <a:t>&lt;date/time&gt;</a:t>
-            </a:r>
-            <a:endParaRPr b="0" lang="en-IE" sz="1100" spc="-1" strike="noStrike">
-              <a:latin typeface="Times New Roman"/>
-            </a:endParaRPr>
-          </a:p>
-        </p:txBody>
-      </p:sp>
-      <p:sp>
-        <p:nvSpPr>
-          <p:cNvPr id="11" name="PlaceHolder 3"/>
-          <p:cNvSpPr>
-            <a:spLocks noGrp="1"/>
-          </p:cNvSpPr>
-          <p:nvPr>
-            <p:ph type="ftr" idx="2"/>
-          </p:nvPr>
-        </p:nvSpPr>
-        <p:spPr>
-          <a:xfrm>
-            <a:off x="1088280" y="6272640"/>
-            <a:ext cx="6327360" cy="364680"/>
-          </a:xfrm>
-          <a:prstGeom prst="rect">
-            <a:avLst/>
-          </a:prstGeom>
-          <a:noFill/>
-          <a:ln w="0">
-            <a:noFill/>
-          </a:ln>
-        </p:spPr>
-        <p:txBody>
-          <a:bodyPr anchor="ctr">
-            <a:noAutofit/>
-          </a:bodyPr>
-          <a:lstStyle>
-            <a:lvl1pPr algn="ctr">
               <a:buNone/>
               <a:defRPr b="0" lang="en-IE" sz="1400" spc="-1" strike="noStrike">
                 <a:latin typeface="Times New Roman"/>
@@ -5546,6 +6064,9 @@
           </a:lstStyle>
           <a:p>
             <a:pPr algn="ctr">
+              <a:lnSpc>
+                <a:spcPct val="100000"/>
+              </a:lnSpc>
               <a:buNone/>
             </a:pPr>
             <a:r>
@@ -5562,29 +6083,29 @@
       </p:sp>
       <p:sp>
         <p:nvSpPr>
-          <p:cNvPr id="12" name="PlaceHolder 4"/>
-          <p:cNvSpPr>
-            <a:spLocks noGrp="1"/>
-          </p:cNvSpPr>
-          <p:nvPr>
-            <p:ph type="sldNum" idx="3"/>
+          <p:cNvPr id="11" name="PlaceHolder 3"/>
+          <p:cNvSpPr>
+            <a:spLocks noGrp="1"/>
+          </p:cNvSpPr>
+          <p:nvPr>
+            <p:ph type="sldNum" idx="2"/>
           </p:nvPr>
         </p:nvSpPr>
         <p:spPr>
           <a:xfrm>
             <a:off x="9592560" y="4289400"/>
-            <a:ext cx="1193400" cy="639720"/>
-          </a:xfrm>
-          <a:prstGeom prst="rect">
-            <a:avLst/>
-          </a:prstGeom>
-          <a:noFill/>
-          <a:ln w="0">
-            <a:noFill/>
-          </a:ln>
-        </p:spPr>
-        <p:txBody>
-          <a:bodyPr anchor="ctr">
+            <a:ext cx="1193040" cy="639360"/>
+          </a:xfrm>
+          <a:prstGeom prst="rect">
+            <a:avLst/>
+          </a:prstGeom>
+          <a:noFill/>
+          <a:ln w="0">
+            <a:noFill/>
+          </a:ln>
+        </p:spPr>
+        <p:txBody>
+          <a:bodyPr lIns="90000" rIns="90000" tIns="45000" bIns="45000" anchor="ctr">
             <a:noAutofit/>
           </a:bodyPr>
           <a:lstStyle>
@@ -5608,7 +6129,7 @@
               </a:lnSpc>
               <a:buNone/>
             </a:pPr>
-            <a:fld id="{DAFAE64D-B18F-44E6-A2D8-08173F9EC067}" type="slidenum">
+            <a:fld id="{1FE878CC-535C-43AF-BC38-1D7BF3EAA9B1}" type="slidenum">
               <a:rPr b="1" lang="en-US" sz="2800" spc="-1" strike="noStrike">
                 <a:solidFill>
                   <a:srgbClr val="ffffff"/>
@@ -5625,6 +6146,53 @@
       </p:sp>
       <p:sp>
         <p:nvSpPr>
+          <p:cNvPr id="12" name="PlaceHolder 4"/>
+          <p:cNvSpPr>
+            <a:spLocks noGrp="1"/>
+          </p:cNvSpPr>
+          <p:nvPr>
+            <p:ph type="dt" idx="3"/>
+          </p:nvPr>
+        </p:nvSpPr>
+        <p:spPr>
+          <a:xfrm>
+            <a:off x="7964280" y="6272640"/>
+            <a:ext cx="3272760" cy="364320"/>
+          </a:xfrm>
+          <a:prstGeom prst="rect">
+            <a:avLst/>
+          </a:prstGeom>
+          <a:noFill/>
+          <a:ln w="0">
+            <a:noFill/>
+          </a:ln>
+        </p:spPr>
+        <p:txBody>
+          <a:bodyPr lIns="90000" rIns="90000" tIns="45000" bIns="45000" anchor="ctr">
+            <a:noAutofit/>
+          </a:bodyPr>
+          <a:lstStyle>
+            <a:lvl1pPr>
+              <a:defRPr b="0" lang="en-IE" sz="1400" spc="-1" strike="noStrike">
+                <a:latin typeface="Times New Roman"/>
+              </a:defRPr>
+            </a:lvl1pPr>
+          </a:lstStyle>
+          <a:p>
+            <a:r>
+              <a:rPr b="0" lang="en-IE" sz="1400" spc="-1" strike="noStrike">
+                <a:latin typeface="Times New Roman"/>
+              </a:rPr>
+              <a:t>&lt;date/time&gt;</a:t>
+            </a:r>
+            <a:endParaRPr b="0" lang="en-IE" sz="1400" spc="-1" strike="noStrike">
+              <a:latin typeface="Times New Roman"/>
+            </a:endParaRPr>
+          </a:p>
+        </p:txBody>
+      </p:sp>
+      <p:sp>
+        <p:nvSpPr>
           <p:cNvPr id="13" name="PlaceHolder 5"/>
           <p:cNvSpPr>
             <a:spLocks noGrp="1"/>
@@ -5652,9 +6220,6 @@
           </a:bodyPr>
           <a:p>
             <a:pPr marL="432000" indent="-324000">
-              <a:lnSpc>
-                <a:spcPct val="90000"/>
-              </a:lnSpc>
               <a:spcBef>
                 <a:spcPts val="1417"/>
               </a:spcBef>
@@ -5666,26 +6231,17 @@
               <a:buChar char=""/>
             </a:pPr>
             <a:r>
-              <a:rPr b="0" lang="en-US" sz="2000" spc="-1" strike="noStrike">
-                <a:solidFill>
-                  <a:srgbClr val="000000"/>
-                </a:solidFill>
-                <a:latin typeface="Rockwell"/>
+              <a:rPr b="0" lang="en-IE" sz="3200" spc="-1" strike="noStrike">
+                <a:latin typeface="Arial"/>
               </a:rPr>
               <a:t>Click to edit the outline text format</a:t>
             </a:r>
-            <a:endParaRPr b="0" lang="en-US" sz="2000" spc="-1" strike="noStrike">
-              <a:solidFill>
-                <a:srgbClr val="000000"/>
-              </a:solidFill>
-              <a:latin typeface="Rockwell"/>
+            <a:endParaRPr b="0" lang="en-IE" sz="3200" spc="-1" strike="noStrike">
+              <a:latin typeface="Arial"/>
             </a:endParaRPr>
           </a:p>
           <a:p>
             <a:pPr lvl="1" marL="864000" indent="-324000">
-              <a:lnSpc>
-                <a:spcPct val="90000"/>
-              </a:lnSpc>
               <a:spcBef>
                 <a:spcPts val="1134"/>
               </a:spcBef>
@@ -5697,26 +6253,17 @@
               <a:buChar char=""/>
             </a:pPr>
             <a:r>
-              <a:rPr b="0" lang="en-US" sz="1600" spc="-1" strike="noStrike">
-                <a:solidFill>
-                  <a:srgbClr val="000000"/>
-                </a:solidFill>
-                <a:latin typeface="Rockwell"/>
+              <a:rPr b="0" lang="en-IE" sz="2800" spc="-1" strike="noStrike">
+                <a:latin typeface="Arial"/>
               </a:rPr>
               <a:t>Second Outline Level</a:t>
             </a:r>
-            <a:endParaRPr b="0" lang="en-US" sz="1600" spc="-1" strike="noStrike">
-              <a:solidFill>
-                <a:srgbClr val="000000"/>
-              </a:solidFill>
-              <a:latin typeface="Rockwell"/>
+            <a:endParaRPr b="0" lang="en-IE" sz="2800" spc="-1" strike="noStrike">
+              <a:latin typeface="Arial"/>
             </a:endParaRPr>
           </a:p>
           <a:p>
             <a:pPr lvl="2" marL="1296000" indent="-288000">
-              <a:lnSpc>
-                <a:spcPct val="90000"/>
-              </a:lnSpc>
               <a:spcBef>
                 <a:spcPts val="850"/>
               </a:spcBef>
@@ -5728,26 +6275,17 @@
               <a:buChar char=""/>
             </a:pPr>
             <a:r>
-              <a:rPr b="0" lang="en-US" sz="1600" spc="-1" strike="noStrike">
-                <a:solidFill>
-                  <a:srgbClr val="000000"/>
-                </a:solidFill>
-                <a:latin typeface="Rockwell"/>
+              <a:rPr b="0" lang="en-IE" sz="2400" spc="-1" strike="noStrike">
+                <a:latin typeface="Arial"/>
               </a:rPr>
               <a:t>Third Outline Level</a:t>
             </a:r>
-            <a:endParaRPr b="0" lang="en-US" sz="1600" spc="-1" strike="noStrike">
-              <a:solidFill>
-                <a:srgbClr val="000000"/>
-              </a:solidFill>
-              <a:latin typeface="Rockwell"/>
+            <a:endParaRPr b="0" lang="en-IE" sz="2400" spc="-1" strike="noStrike">
+              <a:latin typeface="Arial"/>
             </a:endParaRPr>
           </a:p>
           <a:p>
             <a:pPr lvl="3" marL="1728000" indent="-216000">
-              <a:lnSpc>
-                <a:spcPct val="90000"/>
-              </a:lnSpc>
               <a:spcBef>
                 <a:spcPts val="567"/>
               </a:spcBef>
@@ -5759,26 +6297,17 @@
               <a:buChar char=""/>
             </a:pPr>
             <a:r>
-              <a:rPr b="0" lang="en-US" sz="1600" spc="-1" strike="noStrike">
-                <a:solidFill>
-                  <a:srgbClr val="000000"/>
-                </a:solidFill>
-                <a:latin typeface="Rockwell"/>
+              <a:rPr b="0" lang="en-IE" sz="2000" spc="-1" strike="noStrike">
+                <a:latin typeface="Arial"/>
               </a:rPr>
               <a:t>Fourth Outline Level</a:t>
             </a:r>
-            <a:endParaRPr b="0" lang="en-US" sz="1600" spc="-1" strike="noStrike">
-              <a:solidFill>
-                <a:srgbClr val="000000"/>
-              </a:solidFill>
-              <a:latin typeface="Rockwell"/>
+            <a:endParaRPr b="0" lang="en-IE" sz="2000" spc="-1" strike="noStrike">
+              <a:latin typeface="Arial"/>
             </a:endParaRPr>
           </a:p>
           <a:p>
             <a:pPr lvl="4" marL="2160000" indent="-216000">
-              <a:lnSpc>
-                <a:spcPct val="90000"/>
-              </a:lnSpc>
               <a:spcBef>
                 <a:spcPts val="283"/>
               </a:spcBef>
@@ -5790,26 +6319,17 @@
               <a:buChar char=""/>
             </a:pPr>
             <a:r>
-              <a:rPr b="0" lang="en-US" sz="2000" spc="-1" strike="noStrike">
-                <a:solidFill>
-                  <a:srgbClr val="000000"/>
-                </a:solidFill>
-                <a:latin typeface="Rockwell"/>
+              <a:rPr b="0" lang="en-IE" sz="2000" spc="-1" strike="noStrike">
+                <a:latin typeface="Arial"/>
               </a:rPr>
               <a:t>Fifth Outline Level</a:t>
             </a:r>
-            <a:endParaRPr b="0" lang="en-US" sz="2000" spc="-1" strike="noStrike">
-              <a:solidFill>
-                <a:srgbClr val="000000"/>
-              </a:solidFill>
-              <a:latin typeface="Rockwell"/>
+            <a:endParaRPr b="0" lang="en-IE" sz="2000" spc="-1" strike="noStrike">
+              <a:latin typeface="Arial"/>
             </a:endParaRPr>
           </a:p>
           <a:p>
             <a:pPr lvl="5" marL="2592000" indent="-216000">
-              <a:lnSpc>
-                <a:spcPct val="90000"/>
-              </a:lnSpc>
               <a:spcBef>
                 <a:spcPts val="283"/>
               </a:spcBef>
@@ -5821,26 +6341,17 @@
               <a:buChar char=""/>
             </a:pPr>
             <a:r>
-              <a:rPr b="0" lang="en-US" sz="2000" spc="-1" strike="noStrike">
-                <a:solidFill>
-                  <a:srgbClr val="000000"/>
-                </a:solidFill>
-                <a:latin typeface="Rockwell"/>
+              <a:rPr b="0" lang="en-IE" sz="2000" spc="-1" strike="noStrike">
+                <a:latin typeface="Arial"/>
               </a:rPr>
               <a:t>Sixth Outline Level</a:t>
             </a:r>
-            <a:endParaRPr b="0" lang="en-US" sz="2000" spc="-1" strike="noStrike">
-              <a:solidFill>
-                <a:srgbClr val="000000"/>
-              </a:solidFill>
-              <a:latin typeface="Rockwell"/>
+            <a:endParaRPr b="0" lang="en-IE" sz="2000" spc="-1" strike="noStrike">
+              <a:latin typeface="Arial"/>
             </a:endParaRPr>
           </a:p>
           <a:p>
             <a:pPr lvl="6" marL="3024000" indent="-216000">
-              <a:lnSpc>
-                <a:spcPct val="90000"/>
-              </a:lnSpc>
               <a:spcBef>
                 <a:spcPts val="283"/>
               </a:spcBef>
@@ -5852,19 +6363,13 @@
               <a:buChar char=""/>
             </a:pPr>
             <a:r>
-              <a:rPr b="0" lang="en-US" sz="2000" spc="-1" strike="noStrike">
-                <a:solidFill>
-                  <a:srgbClr val="000000"/>
-                </a:solidFill>
-                <a:latin typeface="Rockwell"/>
+              <a:rPr b="0" lang="en-IE" sz="2000" spc="-1" strike="noStrike">
+                <a:latin typeface="Arial"/>
               </a:rPr>
               <a:t>Seventh Outline Level</a:t>
             </a:r>
-            <a:endParaRPr b="0" lang="en-US" sz="2000" spc="-1" strike="noStrike">
-              <a:solidFill>
-                <a:srgbClr val="000000"/>
-              </a:solidFill>
-              <a:latin typeface="Rockwell"/>
+            <a:endParaRPr b="0" lang="en-IE" sz="2000" spc="-1" strike="noStrike">
+              <a:latin typeface="Arial"/>
             </a:endParaRPr>
           </a:p>
         </p:txBody>
@@ -5922,9 +6427,9 @@
         <p:grpSpPr>
           <a:xfrm>
             <a:off x="11401560" y="6229800"/>
-            <a:ext cx="456840" cy="456840"/>
+            <a:ext cx="456480" cy="456480"/>
             <a:chOff x="11401560" y="6229800"/>
-            <a:chExt cx="456840" cy="456840"/>
+            <a:chExt cx="456480" cy="456480"/>
           </a:xfrm>
         </p:grpSpPr>
         <p:sp>
@@ -5936,7 +6441,7 @@
           <p:spPr>
             <a:xfrm>
               <a:off x="11401560" y="6229800"/>
-              <a:ext cx="456840" cy="456840"/>
+              <a:ext cx="456480" cy="456480"/>
             </a:xfrm>
             <a:prstGeom prst="ellipse">
               <a:avLst/>
@@ -5966,7 +6471,7 @@
           <p:spPr>
             <a:xfrm>
               <a:off x="11431080" y="6258960"/>
-              <a:ext cx="398520" cy="398520"/>
+              <a:ext cx="398160" cy="398160"/>
             </a:xfrm>
             <a:prstGeom prst="ellipse">
               <a:avLst/>
@@ -5994,336 +6499,31 @@
             <a:spLocks noGrp="1"/>
           </p:cNvSpPr>
           <p:nvPr>
-            <p:ph type="title"/>
-          </p:nvPr>
-        </p:nvSpPr>
-        <p:spPr>
-          <a:xfrm>
-            <a:off x="1069920" y="484560"/>
-            <a:ext cx="10058040" cy="1608840"/>
-          </a:xfrm>
-          <a:prstGeom prst="rect">
-            <a:avLst/>
-          </a:prstGeom>
-          <a:noFill/>
-          <a:ln w="0">
-            <a:noFill/>
-          </a:ln>
-        </p:spPr>
-        <p:txBody>
-          <a:bodyPr anchor="ctr">
+            <p:ph type="ftr" idx="4"/>
+          </p:nvPr>
+        </p:nvSpPr>
+        <p:spPr>
+          <a:xfrm>
+            <a:off x="1088280" y="6272640"/>
+            <a:ext cx="6327000" cy="364320"/>
+          </a:xfrm>
+          <a:prstGeom prst="rect">
+            <a:avLst/>
+          </a:prstGeom>
+          <a:noFill/>
+          <a:ln w="0">
+            <a:noFill/>
+          </a:ln>
+        </p:spPr>
+        <p:txBody>
+          <a:bodyPr lIns="90000" rIns="90000" tIns="45000" bIns="45000" anchor="ctr">
             <a:noAutofit/>
           </a:bodyPr>
-          <a:p>
-            <a:pPr>
-              <a:lnSpc>
-                <a:spcPct val="90000"/>
-              </a:lnSpc>
-              <a:buNone/>
-            </a:pPr>
-            <a:r>
-              <a:rPr b="0" lang="en-US" sz="5400" spc="-1" strike="noStrike" cap="all">
-                <a:latin typeface="Rockwell Condensed"/>
-              </a:rPr>
-              <a:t>Click to edit Master title style</a:t>
-            </a:r>
-            <a:endParaRPr b="0" lang="en-US" sz="5400" spc="-1" strike="noStrike">
-              <a:solidFill>
-                <a:srgbClr val="000000"/>
-              </a:solidFill>
-              <a:latin typeface="Rockwell"/>
-            </a:endParaRPr>
-          </a:p>
-        </p:txBody>
-      </p:sp>
-      <p:sp>
-        <p:nvSpPr>
-          <p:cNvPr id="54" name="PlaceHolder 2"/>
-          <p:cNvSpPr>
-            <a:spLocks noGrp="1"/>
-          </p:cNvSpPr>
-          <p:nvPr>
-            <p:ph type="body"/>
-          </p:nvPr>
-        </p:nvSpPr>
-        <p:spPr>
-          <a:xfrm>
-            <a:off x="1069920" y="2121480"/>
-            <a:ext cx="10058040" cy="4050360"/>
-          </a:xfrm>
-          <a:prstGeom prst="rect">
-            <a:avLst/>
-          </a:prstGeom>
-          <a:noFill/>
-          <a:ln w="0">
-            <a:noFill/>
-          </a:ln>
-        </p:spPr>
-        <p:txBody>
-          <a:bodyPr anchor="t">
-            <a:noAutofit/>
-          </a:bodyPr>
-          <a:p>
-            <a:pPr marL="182880" indent="-182880">
-              <a:lnSpc>
-                <a:spcPct val="90000"/>
-              </a:lnSpc>
-              <a:spcBef>
-                <a:spcPts val="1199"/>
-              </a:spcBef>
-              <a:buClr>
-                <a:srgbClr val="9e3611"/>
-              </a:buClr>
-              <a:buSzPct val="85000"/>
-              <a:buFont typeface="Wingdings" charset="2"/>
-              <a:buChar char=""/>
-            </a:pPr>
-            <a:r>
-              <a:rPr b="0" lang="en-US" sz="2000" spc="-1" strike="noStrike">
-                <a:solidFill>
-                  <a:srgbClr val="000000"/>
-                </a:solidFill>
-                <a:latin typeface="Rockwell"/>
-              </a:rPr>
-              <a:t>Click to edit Master text styles</a:t>
-            </a:r>
-            <a:endParaRPr b="0" lang="en-US" sz="2000" spc="-1" strike="noStrike">
-              <a:solidFill>
-                <a:srgbClr val="000000"/>
-              </a:solidFill>
-              <a:latin typeface="Rockwell"/>
-            </a:endParaRPr>
-          </a:p>
-          <a:p>
-            <a:pPr lvl="1" marL="457200" indent="-182880">
-              <a:lnSpc>
-                <a:spcPct val="90000"/>
-              </a:lnSpc>
-              <a:spcBef>
-                <a:spcPts val="400"/>
-              </a:spcBef>
-              <a:spcAft>
-                <a:spcPts val="201"/>
-              </a:spcAft>
-              <a:buClr>
-                <a:srgbClr val="9e3611"/>
-              </a:buClr>
-              <a:buSzPct val="85000"/>
-              <a:buFont typeface="Wingdings" charset="2"/>
-              <a:buChar char=""/>
-            </a:pPr>
-            <a:r>
-              <a:rPr b="0" lang="en-US" sz="1800" spc="-1" strike="noStrike">
-                <a:solidFill>
-                  <a:srgbClr val="000000"/>
-                </a:solidFill>
-                <a:latin typeface="Rockwell"/>
-              </a:rPr>
-              <a:t>Second level</a:t>
-            </a:r>
-            <a:endParaRPr b="0" lang="en-US" sz="1800" spc="-1" strike="noStrike">
-              <a:solidFill>
-                <a:srgbClr val="000000"/>
-              </a:solidFill>
-              <a:latin typeface="Rockwell"/>
-            </a:endParaRPr>
-          </a:p>
-          <a:p>
-            <a:pPr lvl="2" marL="731520" indent="-182880">
-              <a:lnSpc>
-                <a:spcPct val="90000"/>
-              </a:lnSpc>
-              <a:spcBef>
-                <a:spcPts val="400"/>
-              </a:spcBef>
-              <a:spcAft>
-                <a:spcPts val="201"/>
-              </a:spcAft>
-              <a:buClr>
-                <a:srgbClr val="9e3611"/>
-              </a:buClr>
-              <a:buSzPct val="85000"/>
-              <a:buFont typeface="Wingdings" charset="2"/>
-              <a:buChar char=""/>
-            </a:pPr>
-            <a:r>
-              <a:rPr b="0" lang="en-US" sz="1600" spc="-1" strike="noStrike">
-                <a:solidFill>
-                  <a:srgbClr val="000000"/>
-                </a:solidFill>
-                <a:latin typeface="Rockwell"/>
-              </a:rPr>
-              <a:t>Third level</a:t>
-            </a:r>
-            <a:endParaRPr b="0" lang="en-US" sz="1600" spc="-1" strike="noStrike">
-              <a:solidFill>
-                <a:srgbClr val="000000"/>
-              </a:solidFill>
-              <a:latin typeface="Rockwell"/>
-            </a:endParaRPr>
-          </a:p>
-          <a:p>
-            <a:pPr lvl="3" marL="1005840" indent="-182880">
-              <a:lnSpc>
-                <a:spcPct val="90000"/>
-              </a:lnSpc>
-              <a:spcBef>
-                <a:spcPts val="400"/>
-              </a:spcBef>
-              <a:spcAft>
-                <a:spcPts val="201"/>
-              </a:spcAft>
-              <a:buClr>
-                <a:srgbClr val="9e3611"/>
-              </a:buClr>
-              <a:buSzPct val="85000"/>
-              <a:buFont typeface="Wingdings" charset="2"/>
-              <a:buChar char=""/>
-            </a:pPr>
-            <a:r>
-              <a:rPr b="0" lang="en-US" sz="1600" spc="-1" strike="noStrike">
-                <a:solidFill>
-                  <a:srgbClr val="000000"/>
-                </a:solidFill>
-                <a:latin typeface="Rockwell"/>
-              </a:rPr>
-              <a:t>Fourth level</a:t>
-            </a:r>
-            <a:endParaRPr b="0" lang="en-US" sz="1600" spc="-1" strike="noStrike">
-              <a:solidFill>
-                <a:srgbClr val="000000"/>
-              </a:solidFill>
-              <a:latin typeface="Rockwell"/>
-            </a:endParaRPr>
-          </a:p>
-          <a:p>
-            <a:pPr lvl="4" marL="1280160" indent="-182880">
-              <a:lnSpc>
-                <a:spcPct val="90000"/>
-              </a:lnSpc>
-              <a:spcBef>
-                <a:spcPts val="400"/>
-              </a:spcBef>
-              <a:spcAft>
-                <a:spcPts val="201"/>
-              </a:spcAft>
-              <a:buClr>
-                <a:srgbClr val="9e3611"/>
-              </a:buClr>
-              <a:buSzPct val="85000"/>
-              <a:buFont typeface="Wingdings" charset="2"/>
-              <a:buChar char=""/>
-            </a:pPr>
-            <a:r>
-              <a:rPr b="0" lang="en-US" sz="1600" spc="-1" strike="noStrike">
-                <a:solidFill>
-                  <a:srgbClr val="000000"/>
-                </a:solidFill>
-                <a:latin typeface="Rockwell"/>
-              </a:rPr>
-              <a:t>Fifth level</a:t>
-            </a:r>
-            <a:endParaRPr b="0" lang="en-US" sz="1600" spc="-1" strike="noStrike">
-              <a:solidFill>
-                <a:srgbClr val="000000"/>
-              </a:solidFill>
-              <a:latin typeface="Rockwell"/>
-            </a:endParaRPr>
-          </a:p>
-        </p:txBody>
-      </p:sp>
-      <p:sp>
-        <p:nvSpPr>
-          <p:cNvPr id="55" name="PlaceHolder 3"/>
-          <p:cNvSpPr>
-            <a:spLocks noGrp="1"/>
-          </p:cNvSpPr>
-          <p:nvPr>
-            <p:ph type="dt" idx="4"/>
-          </p:nvPr>
-        </p:nvSpPr>
-        <p:spPr>
-          <a:xfrm>
-            <a:off x="7964280" y="6272640"/>
-            <a:ext cx="3273120" cy="364680"/>
-          </a:xfrm>
-          <a:prstGeom prst="rect">
-            <a:avLst/>
-          </a:prstGeom>
-          <a:noFill/>
-          <a:ln w="0">
-            <a:noFill/>
-          </a:ln>
-        </p:spPr>
-        <p:txBody>
-          <a:bodyPr anchor="ctr">
-            <a:noAutofit/>
-          </a:bodyPr>
           <a:lstStyle>
-            <a:lvl1pPr algn="r">
+            <a:lvl1pPr algn="ctr">
               <a:lnSpc>
                 <a:spcPct val="100000"/>
               </a:lnSpc>
-              <a:buNone/>
-              <a:defRPr b="0" lang="en-US" sz="1100" spc="-1" strike="noStrike">
-                <a:solidFill>
-                  <a:srgbClr val="696464"/>
-                </a:solidFill>
-                <a:latin typeface="Rockwell"/>
-              </a:defRPr>
-            </a:lvl1pPr>
-          </a:lstStyle>
-          <a:p>
-            <a:pPr algn="r">
-              <a:lnSpc>
-                <a:spcPct val="100000"/>
-              </a:lnSpc>
-              <a:buNone/>
-            </a:pPr>
-            <a:r>
-              <a:rPr b="0" lang="en-US" sz="1100" spc="-1" strike="noStrike">
-                <a:solidFill>
-                  <a:srgbClr val="696464"/>
-                </a:solidFill>
-                <a:latin typeface="Rockwell"/>
-              </a:rPr>
-              <a:t>&lt;date/time&gt;</a:t>
-            </a:r>
-            <a:endParaRPr b="0" lang="en-IE" sz="1100" spc="-1" strike="noStrike">
-              <a:latin typeface="Times New Roman"/>
-            </a:endParaRPr>
-          </a:p>
-        </p:txBody>
-      </p:sp>
-      <p:sp>
-        <p:nvSpPr>
-          <p:cNvPr id="56" name="PlaceHolder 4"/>
-          <p:cNvSpPr>
-            <a:spLocks noGrp="1"/>
-          </p:cNvSpPr>
-          <p:nvPr>
-            <p:ph type="ftr" idx="5"/>
-          </p:nvPr>
-        </p:nvSpPr>
-        <p:spPr>
-          <a:xfrm>
-            <a:off x="1088280" y="6272640"/>
-            <a:ext cx="6327360" cy="364680"/>
-          </a:xfrm>
-          <a:prstGeom prst="rect">
-            <a:avLst/>
-          </a:prstGeom>
-          <a:noFill/>
-          <a:ln w="0">
-            <a:noFill/>
-          </a:ln>
-        </p:spPr>
-        <p:txBody>
-          <a:bodyPr anchor="ctr">
-            <a:noAutofit/>
-          </a:bodyPr>
-          <a:lstStyle>
-            <a:lvl1pPr algn="ctr">
               <a:buNone/>
               <a:defRPr b="0" lang="en-IE" sz="1400" spc="-1" strike="noStrike">
                 <a:latin typeface="Times New Roman"/>
@@ -6332,6 +6532,9 @@
           </a:lstStyle>
           <a:p>
             <a:pPr algn="ctr">
+              <a:lnSpc>
+                <a:spcPct val="100000"/>
+              </a:lnSpc>
               <a:buNone/>
             </a:pPr>
             <a:r>
@@ -6348,29 +6551,29 @@
       </p:sp>
       <p:sp>
         <p:nvSpPr>
-          <p:cNvPr id="57" name="PlaceHolder 5"/>
-          <p:cNvSpPr>
-            <a:spLocks noGrp="1"/>
-          </p:cNvSpPr>
-          <p:nvPr>
-            <p:ph type="sldNum" idx="6"/>
+          <p:cNvPr id="54" name="PlaceHolder 2"/>
+          <p:cNvSpPr>
+            <a:spLocks noGrp="1"/>
+          </p:cNvSpPr>
+          <p:nvPr>
+            <p:ph type="sldNum" idx="5"/>
           </p:nvPr>
         </p:nvSpPr>
         <p:spPr>
           <a:xfrm>
             <a:off x="11311200" y="6272640"/>
-            <a:ext cx="639720" cy="364680"/>
-          </a:xfrm>
-          <a:prstGeom prst="rect">
-            <a:avLst/>
-          </a:prstGeom>
-          <a:noFill/>
-          <a:ln w="0">
-            <a:noFill/>
-          </a:ln>
-        </p:spPr>
-        <p:txBody>
-          <a:bodyPr anchor="ctr">
+            <a:ext cx="639360" cy="364320"/>
+          </a:xfrm>
+          <a:prstGeom prst="rect">
+            <a:avLst/>
+          </a:prstGeom>
+          <a:noFill/>
+          <a:ln w="0">
+            <a:noFill/>
+          </a:ln>
+        </p:spPr>
+        <p:txBody>
+          <a:bodyPr lIns="90000" rIns="90000" tIns="45000" bIns="45000" anchor="ctr">
             <a:noAutofit/>
           </a:bodyPr>
           <a:lstStyle>
@@ -6394,7 +6597,7 @@
               </a:lnSpc>
               <a:buNone/>
             </a:pPr>
-            <a:fld id="{C44743A3-4848-4D39-8B02-68F11A6DF589}" type="slidenum">
+            <a:fld id="{C47BCB85-ED1B-4CAD-B7F1-9C2CE101C498}" type="slidenum">
               <a:rPr b="1" lang="en-US" sz="1400" spc="-1" strike="noStrike">
                 <a:solidFill>
                   <a:srgbClr val="ffffff"/>
@@ -6405,6 +6608,279 @@
             </a:fld>
             <a:endParaRPr b="0" lang="en-IE" sz="1400" spc="-1" strike="noStrike">
               <a:latin typeface="Times New Roman"/>
+            </a:endParaRPr>
+          </a:p>
+        </p:txBody>
+      </p:sp>
+      <p:sp>
+        <p:nvSpPr>
+          <p:cNvPr id="55" name="PlaceHolder 3"/>
+          <p:cNvSpPr>
+            <a:spLocks noGrp="1"/>
+          </p:cNvSpPr>
+          <p:nvPr>
+            <p:ph type="dt" idx="6"/>
+          </p:nvPr>
+        </p:nvSpPr>
+        <p:spPr>
+          <a:xfrm>
+            <a:off x="7964280" y="6272640"/>
+            <a:ext cx="3272760" cy="364320"/>
+          </a:xfrm>
+          <a:prstGeom prst="rect">
+            <a:avLst/>
+          </a:prstGeom>
+          <a:noFill/>
+          <a:ln w="0">
+            <a:noFill/>
+          </a:ln>
+        </p:spPr>
+        <p:txBody>
+          <a:bodyPr lIns="90000" rIns="90000" tIns="45000" bIns="45000" anchor="ctr">
+            <a:noAutofit/>
+          </a:bodyPr>
+          <a:lstStyle>
+            <a:lvl1pPr>
+              <a:defRPr b="0" lang="en-IE" sz="1400" spc="-1" strike="noStrike">
+                <a:latin typeface="Times New Roman"/>
+              </a:defRPr>
+            </a:lvl1pPr>
+          </a:lstStyle>
+          <a:p>
+            <a:r>
+              <a:rPr b="0" lang="en-IE" sz="1400" spc="-1" strike="noStrike">
+                <a:latin typeface="Times New Roman"/>
+              </a:rPr>
+              <a:t>&lt;date/time&gt;</a:t>
+            </a:r>
+            <a:endParaRPr b="0" lang="en-IE" sz="1400" spc="-1" strike="noStrike">
+              <a:latin typeface="Times New Roman"/>
+            </a:endParaRPr>
+          </a:p>
+        </p:txBody>
+      </p:sp>
+      <p:sp>
+        <p:nvSpPr>
+          <p:cNvPr id="56" name="PlaceHolder 4"/>
+          <p:cNvSpPr>
+            <a:spLocks noGrp="1"/>
+          </p:cNvSpPr>
+          <p:nvPr>
+            <p:ph type="title"/>
+          </p:nvPr>
+        </p:nvSpPr>
+        <p:spPr>
+          <a:xfrm>
+            <a:off x="609480" y="273600"/>
+            <a:ext cx="10972440" cy="1144800"/>
+          </a:xfrm>
+          <a:prstGeom prst="rect">
+            <a:avLst/>
+          </a:prstGeom>
+          <a:noFill/>
+          <a:ln w="0">
+            <a:noFill/>
+          </a:ln>
+        </p:spPr>
+        <p:txBody>
+          <a:bodyPr lIns="0" rIns="0" tIns="0" bIns="0" anchor="ctr">
+            <a:noAutofit/>
+          </a:bodyPr>
+          <a:p>
+            <a:pPr algn="ctr">
+              <a:buNone/>
+            </a:pPr>
+            <a:r>
+              <a:rPr b="0" lang="en-IE" sz="4400" spc="-1" strike="noStrike">
+                <a:latin typeface="Arial"/>
+              </a:rPr>
+              <a:t>Click to edit the title text format</a:t>
+            </a:r>
+            <a:endParaRPr b="0" lang="en-IE" sz="4400" spc="-1" strike="noStrike">
+              <a:latin typeface="Arial"/>
+            </a:endParaRPr>
+          </a:p>
+        </p:txBody>
+      </p:sp>
+      <p:sp>
+        <p:nvSpPr>
+          <p:cNvPr id="57" name="PlaceHolder 5"/>
+          <p:cNvSpPr>
+            <a:spLocks noGrp="1"/>
+          </p:cNvSpPr>
+          <p:nvPr>
+            <p:ph type="body"/>
+          </p:nvPr>
+        </p:nvSpPr>
+        <p:spPr>
+          <a:xfrm>
+            <a:off x="609480" y="1604520"/>
+            <a:ext cx="10972440" cy="3977280"/>
+          </a:xfrm>
+          <a:prstGeom prst="rect">
+            <a:avLst/>
+          </a:prstGeom>
+          <a:noFill/>
+          <a:ln w="0">
+            <a:noFill/>
+          </a:ln>
+        </p:spPr>
+        <p:txBody>
+          <a:bodyPr lIns="0" rIns="0" tIns="0" bIns="0" anchor="t">
+            <a:normAutofit/>
+          </a:bodyPr>
+          <a:p>
+            <a:pPr marL="432000" indent="-324000">
+              <a:spcBef>
+                <a:spcPts val="1417"/>
+              </a:spcBef>
+              <a:buClr>
+                <a:srgbClr val="000000"/>
+              </a:buClr>
+              <a:buSzPct val="45000"/>
+              <a:buFont typeface="Wingdings" charset="2"/>
+              <a:buChar char=""/>
+            </a:pPr>
+            <a:r>
+              <a:rPr b="0" lang="en-IE" sz="3200" spc="-1" strike="noStrike">
+                <a:latin typeface="Arial"/>
+              </a:rPr>
+              <a:t>Click to edit the outline text format</a:t>
+            </a:r>
+            <a:endParaRPr b="0" lang="en-IE" sz="3200" spc="-1" strike="noStrike">
+              <a:latin typeface="Arial"/>
+            </a:endParaRPr>
+          </a:p>
+          <a:p>
+            <a:pPr lvl="1" marL="864000" indent="-324000">
+              <a:spcBef>
+                <a:spcPts val="1134"/>
+              </a:spcBef>
+              <a:buClr>
+                <a:srgbClr val="000000"/>
+              </a:buClr>
+              <a:buSzPct val="75000"/>
+              <a:buFont typeface="Symbol" charset="2"/>
+              <a:buChar char=""/>
+            </a:pPr>
+            <a:r>
+              <a:rPr b="0" lang="en-IE" sz="2800" spc="-1" strike="noStrike">
+                <a:latin typeface="Arial"/>
+              </a:rPr>
+              <a:t>Second Outline Level</a:t>
+            </a:r>
+            <a:endParaRPr b="0" lang="en-IE" sz="2800" spc="-1" strike="noStrike">
+              <a:latin typeface="Arial"/>
+            </a:endParaRPr>
+          </a:p>
+          <a:p>
+            <a:pPr lvl="2" marL="1296000" indent="-288000">
+              <a:spcBef>
+                <a:spcPts val="850"/>
+              </a:spcBef>
+              <a:buClr>
+                <a:srgbClr val="000000"/>
+              </a:buClr>
+              <a:buSzPct val="45000"/>
+              <a:buFont typeface="Wingdings" charset="2"/>
+              <a:buChar char=""/>
+            </a:pPr>
+            <a:r>
+              <a:rPr b="0" lang="en-IE" sz="2400" spc="-1" strike="noStrike">
+                <a:latin typeface="Arial"/>
+              </a:rPr>
+              <a:t>Third Outline Level</a:t>
+            </a:r>
+            <a:endParaRPr b="0" lang="en-IE" sz="2400" spc="-1" strike="noStrike">
+              <a:latin typeface="Arial"/>
+            </a:endParaRPr>
+          </a:p>
+          <a:p>
+            <a:pPr lvl="3" marL="1728000" indent="-216000">
+              <a:spcBef>
+                <a:spcPts val="567"/>
+              </a:spcBef>
+              <a:buClr>
+                <a:srgbClr val="000000"/>
+              </a:buClr>
+              <a:buSzPct val="75000"/>
+              <a:buFont typeface="Symbol" charset="2"/>
+              <a:buChar char=""/>
+            </a:pPr>
+            <a:r>
+              <a:rPr b="0" lang="en-IE" sz="2000" spc="-1" strike="noStrike">
+                <a:latin typeface="Arial"/>
+              </a:rPr>
+              <a:t>Fourth Outline Level</a:t>
+            </a:r>
+            <a:endParaRPr b="0" lang="en-IE" sz="2000" spc="-1" strike="noStrike">
+              <a:latin typeface="Arial"/>
+            </a:endParaRPr>
+          </a:p>
+          <a:p>
+            <a:pPr lvl="4" marL="2160000" indent="-216000">
+              <a:spcBef>
+                <a:spcPts val="283"/>
+              </a:spcBef>
+              <a:buClr>
+                <a:srgbClr val="000000"/>
+              </a:buClr>
+              <a:buSzPct val="45000"/>
+              <a:buFont typeface="Wingdings" charset="2"/>
+              <a:buChar char=""/>
+            </a:pPr>
+            <a:r>
+              <a:rPr b="0" lang="en-IE" sz="2000" spc="-1" strike="noStrike">
+                <a:latin typeface="Arial"/>
+              </a:rPr>
+              <a:t>Fifth Outline Level</a:t>
+            </a:r>
+            <a:endParaRPr b="0" lang="en-IE" sz="2000" spc="-1" strike="noStrike">
+              <a:latin typeface="Arial"/>
+            </a:endParaRPr>
+          </a:p>
+          <a:p>
+            <a:pPr lvl="5" marL="2592000" indent="-216000">
+              <a:spcBef>
+                <a:spcPts val="283"/>
+              </a:spcBef>
+              <a:buClr>
+                <a:srgbClr val="000000"/>
+              </a:buClr>
+              <a:buSzPct val="45000"/>
+              <a:buFont typeface="Wingdings" charset="2"/>
+              <a:buChar char=""/>
+            </a:pPr>
+            <a:r>
+              <a:rPr b="0" lang="en-IE" sz="2000" spc="-1" strike="noStrike">
+                <a:latin typeface="Arial"/>
+              </a:rPr>
+              <a:t>Sixth Outline Level</a:t>
+            </a:r>
+            <a:endParaRPr b="0" lang="en-IE" sz="2000" spc="-1" strike="noStrike">
+              <a:latin typeface="Arial"/>
+            </a:endParaRPr>
+          </a:p>
+          <a:p>
+            <a:pPr lvl="6" marL="3024000" indent="-216000">
+              <a:spcBef>
+                <a:spcPts val="283"/>
+              </a:spcBef>
+              <a:buClr>
+                <a:srgbClr val="000000"/>
+              </a:buClr>
+              <a:buSzPct val="45000"/>
+              <a:buFont typeface="Wingdings" charset="2"/>
+              <a:buChar char=""/>
+            </a:pPr>
+            <a:r>
+              <a:rPr b="0" lang="en-IE" sz="2000" spc="-1" strike="noStrike">
+                <a:latin typeface="Arial"/>
+              </a:rPr>
+              <a:t>Seventh Outline Level</a:t>
+            </a:r>
+            <a:endParaRPr b="0" lang="en-IE" sz="2000" spc="-1" strike="noStrike">
+              <a:latin typeface="Arial"/>
             </a:endParaRPr>
           </a:p>
         </p:txBody>
@@ -6448,7 +6924,7 @@
       </p:grpSpPr>
       <p:sp>
         <p:nvSpPr>
-          <p:cNvPr id="94" name="PlaceHolder 1"/>
+          <p:cNvPr id="100" name="PlaceHolder 1"/>
           <p:cNvSpPr>
             <a:spLocks noGrp="1"/>
           </p:cNvSpPr>
@@ -6459,18 +6935,18 @@
         <p:spPr>
           <a:xfrm>
             <a:off x="1051560" y="1432080"/>
-            <a:ext cx="9966600" cy="3035520"/>
-          </a:xfrm>
-          <a:prstGeom prst="rect">
-            <a:avLst/>
-          </a:prstGeom>
-          <a:noFill/>
-          <a:ln w="0">
-            <a:noFill/>
-          </a:ln>
-        </p:spPr>
-        <p:txBody>
-          <a:bodyPr anchor="ctr">
+            <a:ext cx="9966240" cy="3035160"/>
+          </a:xfrm>
+          <a:prstGeom prst="rect">
+            <a:avLst/>
+          </a:prstGeom>
+          <a:noFill/>
+          <a:ln w="0">
+            <a:noFill/>
+          </a:ln>
+        </p:spPr>
+        <p:txBody>
+          <a:bodyPr lIns="0" rIns="0" tIns="0" bIns="0" anchor="ctr">
             <a:noAutofit/>
           </a:bodyPr>
           <a:p>
@@ -6486,18 +6962,15 @@
               </a:rPr>
               <a:t>JavaScript</a:t>
             </a:r>
-            <a:endParaRPr b="0" lang="en-US" sz="9600" spc="-1" strike="noStrike">
-              <a:solidFill>
-                <a:srgbClr val="000000"/>
-              </a:solidFill>
-              <a:latin typeface="Rockwell"/>
-            </a:endParaRPr>
-          </a:p>
-        </p:txBody>
-      </p:sp>
-      <p:sp>
-        <p:nvSpPr>
-          <p:cNvPr id="95" name="PlaceHolder 2"/>
+            <a:endParaRPr b="0" lang="en-IE" sz="9600" spc="-1" strike="noStrike">
+              <a:latin typeface="Arial"/>
+            </a:endParaRPr>
+          </a:p>
+        </p:txBody>
+      </p:sp>
+      <p:sp>
+        <p:nvSpPr>
+          <p:cNvPr id="101" name="PlaceHolder 2"/>
           <p:cNvSpPr>
             <a:spLocks noGrp="1"/>
           </p:cNvSpPr>
@@ -6508,18 +6981,18 @@
         <p:spPr>
           <a:xfrm>
             <a:off x="1069920" y="4389120"/>
-            <a:ext cx="7890840" cy="1069560"/>
-          </a:xfrm>
-          <a:prstGeom prst="rect">
-            <a:avLst/>
-          </a:prstGeom>
-          <a:noFill/>
-          <a:ln w="0">
-            <a:noFill/>
-          </a:ln>
-        </p:spPr>
-        <p:txBody>
-          <a:bodyPr anchor="t">
+            <a:ext cx="7890480" cy="1069200"/>
+          </a:xfrm>
+          <a:prstGeom prst="rect">
+            <a:avLst/>
+          </a:prstGeom>
+          <a:noFill/>
+          <a:ln w="0">
+            <a:noFill/>
+          </a:ln>
+        </p:spPr>
+        <p:txBody>
+          <a:bodyPr lIns="0" rIns="0" tIns="0" bIns="0" anchor="t">
             <a:normAutofit/>
           </a:bodyPr>
           <a:p>
@@ -6610,7 +7083,7 @@
       </p:grpSpPr>
       <p:sp>
         <p:nvSpPr>
-          <p:cNvPr id="96" name="PlaceHolder 1"/>
+          <p:cNvPr id="102" name="PlaceHolder 1"/>
           <p:cNvSpPr>
             <a:spLocks noGrp="1"/>
           </p:cNvSpPr>
@@ -6621,18 +7094,18 @@
         <p:spPr>
           <a:xfrm>
             <a:off x="1069920" y="484560"/>
-            <a:ext cx="10058040" cy="1608840"/>
-          </a:xfrm>
-          <a:prstGeom prst="rect">
-            <a:avLst/>
-          </a:prstGeom>
-          <a:noFill/>
-          <a:ln w="0">
-            <a:noFill/>
-          </a:ln>
-        </p:spPr>
-        <p:txBody>
-          <a:bodyPr anchor="ctr">
+            <a:ext cx="10057680" cy="1608480"/>
+          </a:xfrm>
+          <a:prstGeom prst="rect">
+            <a:avLst/>
+          </a:prstGeom>
+          <a:noFill/>
+          <a:ln w="0">
+            <a:noFill/>
+          </a:ln>
+        </p:spPr>
+        <p:txBody>
+          <a:bodyPr lIns="90000" rIns="90000" tIns="45000" bIns="45000" anchor="ctr">
             <a:noAutofit/>
           </a:bodyPr>
           <a:p>
@@ -6648,18 +7121,15 @@
               </a:rPr>
               <a:t>Overview</a:t>
             </a:r>
-            <a:endParaRPr b="0" lang="en-US" sz="5400" spc="-1" strike="noStrike">
-              <a:solidFill>
-                <a:srgbClr val="000000"/>
-              </a:solidFill>
-              <a:latin typeface="Rockwell"/>
-            </a:endParaRPr>
-          </a:p>
-        </p:txBody>
-      </p:sp>
-      <p:sp>
-        <p:nvSpPr>
-          <p:cNvPr id="97" name="PlaceHolder 2"/>
+            <a:endParaRPr b="0" lang="en-IE" sz="5400" spc="-1" strike="noStrike">
+              <a:latin typeface="Arial"/>
+            </a:endParaRPr>
+          </a:p>
+        </p:txBody>
+      </p:sp>
+      <p:sp>
+        <p:nvSpPr>
+          <p:cNvPr id="103" name="PlaceHolder 2"/>
           <p:cNvSpPr>
             <a:spLocks noGrp="1"/>
           </p:cNvSpPr>
@@ -6670,18 +7140,18 @@
         <p:spPr>
           <a:xfrm>
             <a:off x="1069920" y="2121480"/>
-            <a:ext cx="10058040" cy="4050360"/>
-          </a:xfrm>
-          <a:prstGeom prst="rect">
-            <a:avLst/>
-          </a:prstGeom>
-          <a:noFill/>
-          <a:ln w="0">
-            <a:noFill/>
-          </a:ln>
-        </p:spPr>
-        <p:txBody>
-          <a:bodyPr anchor="t">
+            <a:ext cx="10057680" cy="4050000"/>
+          </a:xfrm>
+          <a:prstGeom prst="rect">
+            <a:avLst/>
+          </a:prstGeom>
+          <a:noFill/>
+          <a:ln w="0">
+            <a:noFill/>
+          </a:ln>
+        </p:spPr>
+        <p:txBody>
+          <a:bodyPr lIns="90000" rIns="90000" tIns="45000" bIns="45000" anchor="t">
             <a:normAutofit fontScale="94000"/>
           </a:bodyPr>
           <a:p>
@@ -6708,11 +7178,8 @@
               </a:rPr>
               <a:t>What you will be able to do: Lab</a:t>
             </a:r>
-            <a:endParaRPr b="0" lang="en-US" sz="2000" spc="-1" strike="noStrike">
-              <a:solidFill>
-                <a:srgbClr val="000000"/>
-              </a:solidFill>
-              <a:latin typeface="Rockwell"/>
+            <a:endParaRPr b="0" lang="en-IE" sz="2000" spc="-1" strike="noStrike">
+              <a:latin typeface="Arial"/>
             </a:endParaRPr>
           </a:p>
           <a:p>
@@ -6739,11 +7206,8 @@
               </a:rPr>
               <a:t>CSS:</a:t>
             </a:r>
-            <a:endParaRPr b="0" lang="en-US" sz="2000" spc="-1" strike="noStrike">
-              <a:solidFill>
-                <a:srgbClr val="000000"/>
-              </a:solidFill>
-              <a:latin typeface="Rockwell"/>
+            <a:endParaRPr b="0" lang="en-IE" sz="2000" spc="-1" strike="noStrike">
+              <a:latin typeface="Arial"/>
             </a:endParaRPr>
           </a:p>
           <a:p>
@@ -6773,11 +7237,8 @@
               </a:rPr>
               <a:t>Hidden, block and inline display</a:t>
             </a:r>
-            <a:endParaRPr b="0" lang="en-US" sz="1800" spc="-1" strike="noStrike">
-              <a:solidFill>
-                <a:srgbClr val="000000"/>
-              </a:solidFill>
-              <a:latin typeface="Rockwell"/>
+            <a:endParaRPr b="0" lang="en-IE" sz="1800" spc="-1" strike="noStrike">
+              <a:latin typeface="Arial"/>
             </a:endParaRPr>
           </a:p>
           <a:p>
@@ -6807,11 +7268,8 @@
               </a:rPr>
               <a:t>Disabled</a:t>
             </a:r>
-            <a:endParaRPr b="0" lang="en-US" sz="1800" spc="-1" strike="noStrike">
-              <a:solidFill>
-                <a:srgbClr val="000000"/>
-              </a:solidFill>
-              <a:latin typeface="Rockwell"/>
+            <a:endParaRPr b="0" lang="en-IE" sz="1800" spc="-1" strike="noStrike">
+              <a:latin typeface="Arial"/>
             </a:endParaRPr>
           </a:p>
           <a:p>
@@ -6838,11 +7296,8 @@
               </a:rPr>
               <a:t>JavaScript (W3Schools)</a:t>
             </a:r>
-            <a:endParaRPr b="0" lang="en-US" sz="2000" spc="-1" strike="noStrike">
-              <a:solidFill>
-                <a:srgbClr val="000000"/>
-              </a:solidFill>
-              <a:latin typeface="Rockwell"/>
+            <a:endParaRPr b="0" lang="en-IE" sz="2000" spc="-1" strike="noStrike">
+              <a:latin typeface="Arial"/>
             </a:endParaRPr>
           </a:p>
           <a:p>
@@ -6872,11 +7327,8 @@
               </a:rPr>
               <a:t>Overview of the language</a:t>
             </a:r>
-            <a:endParaRPr b="0" lang="en-US" sz="1800" spc="-1" strike="noStrike">
-              <a:solidFill>
-                <a:srgbClr val="000000"/>
-              </a:solidFill>
-              <a:latin typeface="Rockwell"/>
+            <a:endParaRPr b="0" lang="en-IE" sz="1800" spc="-1" strike="noStrike">
+              <a:latin typeface="Arial"/>
             </a:endParaRPr>
           </a:p>
           <a:p>
@@ -6906,11 +7358,8 @@
               </a:rPr>
               <a:t>Dom manipulation</a:t>
             </a:r>
-            <a:endParaRPr b="0" lang="en-US" sz="1800" spc="-1" strike="noStrike">
-              <a:solidFill>
-                <a:srgbClr val="000000"/>
-              </a:solidFill>
-              <a:latin typeface="Rockwell"/>
+            <a:endParaRPr b="0" lang="en-IE" sz="1800" spc="-1" strike="noStrike">
+              <a:latin typeface="Arial"/>
             </a:endParaRPr>
           </a:p>
           <a:p>
@@ -6940,11 +7389,8 @@
               </a:rPr>
               <a:t>Attributes</a:t>
             </a:r>
-            <a:endParaRPr b="0" lang="en-US" sz="1800" spc="-1" strike="noStrike">
-              <a:solidFill>
-                <a:srgbClr val="000000"/>
-              </a:solidFill>
-              <a:latin typeface="Rockwell"/>
+            <a:endParaRPr b="0" lang="en-IE" sz="1800" spc="-1" strike="noStrike">
+              <a:latin typeface="Arial"/>
             </a:endParaRPr>
           </a:p>
           <a:p>
@@ -6974,11 +7420,8 @@
               </a:rPr>
               <a:t>Setting values and innerHTML</a:t>
             </a:r>
-            <a:endParaRPr b="0" lang="en-US" sz="1800" spc="-1" strike="noStrike">
-              <a:solidFill>
-                <a:srgbClr val="000000"/>
-              </a:solidFill>
-              <a:latin typeface="Rockwell"/>
+            <a:endParaRPr b="0" lang="en-IE" sz="1800" spc="-1" strike="noStrike">
+              <a:latin typeface="Arial"/>
             </a:endParaRPr>
           </a:p>
           <a:p>
@@ -7008,11 +7451,8 @@
               </a:rPr>
               <a:t>Theory</a:t>
             </a:r>
-            <a:endParaRPr b="0" lang="en-US" sz="1600" spc="-1" strike="noStrike">
-              <a:solidFill>
-                <a:srgbClr val="000000"/>
-              </a:solidFill>
-              <a:latin typeface="Rockwell"/>
+            <a:endParaRPr b="0" lang="en-IE" sz="1600" spc="-1" strike="noStrike">
+              <a:latin typeface="Arial"/>
             </a:endParaRPr>
           </a:p>
           <a:p>
@@ -7042,11 +7482,8 @@
               </a:rPr>
               <a:t>Exercise </a:t>
             </a:r>
-            <a:endParaRPr b="0" lang="en-US" sz="1600" spc="-1" strike="noStrike">
-              <a:solidFill>
-                <a:srgbClr val="000000"/>
-              </a:solidFill>
-              <a:latin typeface="Rockwell"/>
+            <a:endParaRPr b="0" lang="en-IE" sz="1600" spc="-1" strike="noStrike">
+              <a:latin typeface="Arial"/>
             </a:endParaRPr>
           </a:p>
           <a:p>
@@ -7076,11 +7513,8 @@
               </a:rPr>
               <a:t>Demonstration</a:t>
             </a:r>
-            <a:endParaRPr b="0" lang="en-US" sz="1600" spc="-1" strike="noStrike">
-              <a:solidFill>
-                <a:srgbClr val="000000"/>
-              </a:solidFill>
-              <a:latin typeface="Rockwell"/>
+            <a:endParaRPr b="0" lang="en-IE" sz="1600" spc="-1" strike="noStrike">
+              <a:latin typeface="Arial"/>
             </a:endParaRPr>
           </a:p>
           <a:p>
@@ -7108,11 +7542,8 @@
               </a:rPr>
               <a:t>(Rinse and Repeat)</a:t>
             </a:r>
-            <a:endParaRPr b="0" lang="en-US" sz="1600" spc="-1" strike="noStrike">
-              <a:solidFill>
-                <a:srgbClr val="000000"/>
-              </a:solidFill>
-              <a:latin typeface="Rockwell"/>
+            <a:endParaRPr b="0" lang="en-IE" sz="1600" spc="-1" strike="noStrike">
+              <a:latin typeface="Arial"/>
             </a:endParaRPr>
           </a:p>
         </p:txBody>
@@ -7149,7 +7580,7 @@
       </p:grpSpPr>
       <p:sp>
         <p:nvSpPr>
-          <p:cNvPr id="98" name="PlaceHolder 1"/>
+          <p:cNvPr id="104" name="PlaceHolder 1"/>
           <p:cNvSpPr>
             <a:spLocks noGrp="1"/>
           </p:cNvSpPr>
@@ -7160,18 +7591,18 @@
         <p:spPr>
           <a:xfrm>
             <a:off x="1069920" y="484560"/>
-            <a:ext cx="10058040" cy="1608840"/>
-          </a:xfrm>
-          <a:prstGeom prst="rect">
-            <a:avLst/>
-          </a:prstGeom>
-          <a:noFill/>
-          <a:ln w="0">
-            <a:noFill/>
-          </a:ln>
-        </p:spPr>
-        <p:txBody>
-          <a:bodyPr anchor="ctr">
+            <a:ext cx="10057680" cy="1608480"/>
+          </a:xfrm>
+          <a:prstGeom prst="rect">
+            <a:avLst/>
+          </a:prstGeom>
+          <a:noFill/>
+          <a:ln w="0">
+            <a:noFill/>
+          </a:ln>
+        </p:spPr>
+        <p:txBody>
+          <a:bodyPr lIns="90000" rIns="90000" tIns="45000" bIns="45000" anchor="ctr">
             <a:noAutofit/>
           </a:bodyPr>
           <a:p>
@@ -7187,18 +7618,15 @@
               </a:rPr>
               <a:t>cSS (Cascading Style Sheets)</a:t>
             </a:r>
-            <a:endParaRPr b="0" lang="en-US" sz="5400" spc="-1" strike="noStrike">
-              <a:solidFill>
-                <a:srgbClr val="000000"/>
-              </a:solidFill>
-              <a:latin typeface="Rockwell"/>
-            </a:endParaRPr>
-          </a:p>
-        </p:txBody>
-      </p:sp>
-      <p:sp>
-        <p:nvSpPr>
-          <p:cNvPr id="99" name="PlaceHolder 2"/>
+            <a:endParaRPr b="0" lang="en-IE" sz="5400" spc="-1" strike="noStrike">
+              <a:latin typeface="Arial"/>
+            </a:endParaRPr>
+          </a:p>
+        </p:txBody>
+      </p:sp>
+      <p:sp>
+        <p:nvSpPr>
+          <p:cNvPr id="105" name="PlaceHolder 2"/>
           <p:cNvSpPr>
             <a:spLocks noGrp="1"/>
           </p:cNvSpPr>
@@ -7209,19 +7637,19 @@
         <p:spPr>
           <a:xfrm>
             <a:off x="1069920" y="2121480"/>
-            <a:ext cx="10058040" cy="4135680"/>
-          </a:xfrm>
-          <a:prstGeom prst="rect">
-            <a:avLst/>
-          </a:prstGeom>
-          <a:noFill/>
-          <a:ln w="0">
-            <a:noFill/>
-          </a:ln>
-        </p:spPr>
-        <p:txBody>
-          <a:bodyPr anchor="t">
-            <a:normAutofit fontScale="80000"/>
+            <a:ext cx="10057680" cy="4135320"/>
+          </a:xfrm>
+          <a:prstGeom prst="rect">
+            <a:avLst/>
+          </a:prstGeom>
+          <a:noFill/>
+          <a:ln w="0">
+            <a:noFill/>
+          </a:ln>
+        </p:spPr>
+        <p:txBody>
+          <a:bodyPr lIns="90000" rIns="90000" tIns="45000" bIns="45000" anchor="t">
+            <a:normAutofit fontScale="81000"/>
           </a:bodyPr>
           <a:p>
             <a:pPr marL="182880" indent="-182880">
@@ -7247,11 +7675,8 @@
               </a:rPr>
               <a:t>Too much for this course</a:t>
             </a:r>
-            <a:endParaRPr b="0" lang="en-US" sz="2000" spc="-1" strike="noStrike">
-              <a:solidFill>
-                <a:srgbClr val="000000"/>
-              </a:solidFill>
-              <a:latin typeface="Rockwell"/>
+            <a:endParaRPr b="0" lang="en-IE" sz="2000" spc="-1" strike="noStrike">
+              <a:latin typeface="Arial"/>
             </a:endParaRPr>
           </a:p>
           <a:p>
@@ -7278,11 +7703,8 @@
               </a:rPr>
               <a:t>Style can be defined:</a:t>
             </a:r>
-            <a:endParaRPr b="0" lang="en-US" sz="2000" spc="-1" strike="noStrike">
-              <a:solidFill>
-                <a:srgbClr val="000000"/>
-              </a:solidFill>
-              <a:latin typeface="Rockwell"/>
+            <a:endParaRPr b="0" lang="en-IE" sz="2000" spc="-1" strike="noStrike">
+              <a:latin typeface="Arial"/>
             </a:endParaRPr>
           </a:p>
           <a:p>
@@ -7312,11 +7734,8 @@
               </a:rPr>
               <a:t>In another file (with selectors)</a:t>
             </a:r>
-            <a:endParaRPr b="0" lang="en-US" sz="1600" spc="-1" strike="noStrike">
-              <a:solidFill>
-                <a:srgbClr val="000000"/>
-              </a:solidFill>
-              <a:latin typeface="Rockwell"/>
+            <a:endParaRPr b="0" lang="en-IE" sz="1600" spc="-1" strike="noStrike">
+              <a:latin typeface="Arial"/>
             </a:endParaRPr>
           </a:p>
           <a:p>
@@ -7346,11 +7765,8 @@
               </a:rPr>
               <a:t>In the head (with selectors)</a:t>
             </a:r>
-            <a:endParaRPr b="0" lang="en-US" sz="1600" spc="-1" strike="noStrike">
-              <a:solidFill>
-                <a:srgbClr val="000000"/>
-              </a:solidFill>
-              <a:latin typeface="Rockwell"/>
+            <a:endParaRPr b="0" lang="en-IE" sz="1600" spc="-1" strike="noStrike">
+              <a:latin typeface="Arial"/>
             </a:endParaRPr>
           </a:p>
           <a:p>
@@ -7380,11 +7796,8 @@
               </a:rPr>
               <a:t>In the element itself</a:t>
             </a:r>
-            <a:endParaRPr b="0" lang="en-US" sz="1600" spc="-1" strike="noStrike">
-              <a:solidFill>
-                <a:srgbClr val="000000"/>
-              </a:solidFill>
-              <a:latin typeface="Rockwell"/>
+            <a:endParaRPr b="0" lang="en-IE" sz="1600" spc="-1" strike="noStrike">
+              <a:latin typeface="Arial"/>
             </a:endParaRPr>
           </a:p>
           <a:p>
@@ -7411,11 +7824,8 @@
               </a:rPr>
               <a:t>Make an element visible/hidden</a:t>
             </a:r>
-            <a:endParaRPr b="0" lang="en-US" sz="2000" spc="-1" strike="noStrike">
-              <a:solidFill>
-                <a:srgbClr val="000000"/>
-              </a:solidFill>
-              <a:latin typeface="Rockwell"/>
+            <a:endParaRPr b="0" lang="en-IE" sz="2000" spc="-1" strike="noStrike">
+              <a:latin typeface="Arial"/>
             </a:endParaRPr>
           </a:p>
           <a:p>
@@ -7431,11 +7841,8 @@
                 <a:tab algn="l" pos="0"/>
               </a:tabLst>
             </a:pPr>
-            <a:endParaRPr b="0" lang="en-US" sz="2000" spc="-1" strike="noStrike">
-              <a:solidFill>
-                <a:srgbClr val="000000"/>
-              </a:solidFill>
-              <a:latin typeface="Rockwell"/>
+            <a:endParaRPr b="0" lang="en-IE" sz="2000" spc="-1" strike="noStrike">
+              <a:latin typeface="Arial"/>
             </a:endParaRPr>
           </a:p>
           <a:p>
@@ -7451,11 +7858,8 @@
                 <a:tab algn="l" pos="0"/>
               </a:tabLst>
             </a:pPr>
-            <a:endParaRPr b="0" lang="en-US" sz="2000" spc="-1" strike="noStrike">
-              <a:solidFill>
-                <a:srgbClr val="000000"/>
-              </a:solidFill>
-              <a:latin typeface="Rockwell"/>
+            <a:endParaRPr b="0" lang="en-IE" sz="2000" spc="-1" strike="noStrike">
+              <a:latin typeface="Arial"/>
             </a:endParaRPr>
           </a:p>
           <a:p>
@@ -7471,11 +7875,8 @@
                 <a:tab algn="l" pos="0"/>
               </a:tabLst>
             </a:pPr>
-            <a:endParaRPr b="0" lang="en-US" sz="2000" spc="-1" strike="noStrike">
-              <a:solidFill>
-                <a:srgbClr val="000000"/>
-              </a:solidFill>
-              <a:latin typeface="Rockwell"/>
+            <a:endParaRPr b="0" lang="en-IE" sz="2000" spc="-1" strike="noStrike">
+              <a:latin typeface="Arial"/>
             </a:endParaRPr>
           </a:p>
           <a:p>
@@ -7505,11 +7906,8 @@
               </a:rPr>
               <a:t>Put the keyword disabled in an element to make it disabled</a:t>
             </a:r>
-            <a:endParaRPr b="0" lang="en-US" sz="2000" spc="-1" strike="noStrike">
-              <a:solidFill>
-                <a:srgbClr val="000000"/>
-              </a:solidFill>
-              <a:latin typeface="Rockwell"/>
+            <a:endParaRPr b="0" lang="en-IE" sz="2000" spc="-1" strike="noStrike">
+              <a:latin typeface="Arial"/>
             </a:endParaRPr>
           </a:p>
           <a:p>
@@ -7525,11 +7923,8 @@
                 <a:tab algn="l" pos="0"/>
               </a:tabLst>
             </a:pPr>
-            <a:endParaRPr b="0" lang="en-US" sz="2000" spc="-1" strike="noStrike">
-              <a:solidFill>
-                <a:srgbClr val="000000"/>
-              </a:solidFill>
-              <a:latin typeface="Rockwell"/>
+            <a:endParaRPr b="0" lang="en-IE" sz="2000" spc="-1" strike="noStrike">
+              <a:latin typeface="Arial"/>
             </a:endParaRPr>
           </a:p>
           <a:p>
@@ -7554,11 +7949,8 @@
               </a:rPr>
               <a:t>Exercise 2.1:</a:t>
             </a:r>
-            <a:endParaRPr b="0" lang="en-US" sz="2000" spc="-1" strike="noStrike">
-              <a:solidFill>
-                <a:srgbClr val="000000"/>
-              </a:solidFill>
-              <a:latin typeface="Rockwell"/>
+            <a:endParaRPr b="0" lang="en-IE" sz="2000" spc="-1" strike="noStrike">
+              <a:latin typeface="Arial"/>
             </a:endParaRPr>
           </a:p>
           <a:p>
@@ -7583,25 +7975,22 @@
               </a:rPr>
               <a:t>Write some html that has a hidden element</a:t>
             </a:r>
-            <a:endParaRPr b="0" lang="en-US" sz="2000" spc="-1" strike="noStrike">
-              <a:solidFill>
-                <a:srgbClr val="000000"/>
-              </a:solidFill>
-              <a:latin typeface="Rockwell"/>
-            </a:endParaRPr>
-          </a:p>
-        </p:txBody>
-      </p:sp>
-      <p:sp>
-        <p:nvSpPr>
-          <p:cNvPr id="100" name="TextBox 4"/>
+            <a:endParaRPr b="0" lang="en-IE" sz="2000" spc="-1" strike="noStrike">
+              <a:latin typeface="Arial"/>
+            </a:endParaRPr>
+          </a:p>
+        </p:txBody>
+      </p:sp>
+      <p:sp>
+        <p:nvSpPr>
+          <p:cNvPr id="106" name="TextBox 4"/>
           <p:cNvSpPr/>
           <p:nvPr/>
         </p:nvSpPr>
         <p:spPr>
           <a:xfrm>
             <a:off x="2070000" y="3727800"/>
-            <a:ext cx="5511240" cy="912600"/>
+            <a:ext cx="5510880" cy="912600"/>
           </a:xfrm>
           <a:prstGeom prst="rect">
             <a:avLst/>
@@ -7636,6 +8025,7 @@
                   <a:srgbClr val="ffffff"/>
                 </a:solidFill>
                 <a:latin typeface="Rockwell"/>
+                <a:ea typeface="DejaVu Sans"/>
               </a:rPr>
               <a:t>&lt;div style=“display: block”&gt; </a:t>
             </a:r>
@@ -7656,6 +8046,7 @@
                   <a:srgbClr val="ffffff"/>
                 </a:solidFill>
                 <a:latin typeface="Rockwell"/>
+                <a:ea typeface="DejaVu Sans"/>
               </a:rPr>
               <a:t>	</a:t>
             </a:r>
@@ -7665,6 +8056,7 @@
                   <a:srgbClr val="ffffff"/>
                 </a:solidFill>
                 <a:latin typeface="Rockwell"/>
+                <a:ea typeface="DejaVu Sans"/>
               </a:rPr>
               <a:t>text</a:t>
             </a:r>
@@ -7685,6 +8077,7 @@
                   <a:srgbClr val="ffffff"/>
                 </a:solidFill>
                 <a:latin typeface="Rockwell"/>
+                <a:ea typeface="DejaVu Sans"/>
               </a:rPr>
               <a:t>&lt;/div&gt;</a:t>
             </a:r>
@@ -7696,14 +8089,14 @@
       </p:sp>
       <p:sp>
         <p:nvSpPr>
-          <p:cNvPr id="101" name="TextBox 5"/>
+          <p:cNvPr id="107" name="TextBox 5"/>
           <p:cNvSpPr/>
           <p:nvPr/>
         </p:nvSpPr>
         <p:spPr>
           <a:xfrm>
             <a:off x="8145720" y="1869480"/>
-            <a:ext cx="3321360" cy="1461240"/>
+            <a:ext cx="3321000" cy="1461240"/>
           </a:xfrm>
           <a:prstGeom prst="rect">
             <a:avLst/>
@@ -7747,6 +8140,7 @@
                   <a:srgbClr val="000000"/>
                 </a:solidFill>
                 <a:latin typeface="Rockwell"/>
+                <a:ea typeface="DejaVu Sans"/>
               </a:rPr>
               <a:t>Can be:</a:t>
             </a:r>
@@ -7771,6 +8165,7 @@
                   <a:srgbClr val="000000"/>
                 </a:solidFill>
                 <a:latin typeface="Rockwell"/>
+                <a:ea typeface="DejaVu Sans"/>
               </a:rPr>
               <a:t>block (new line)</a:t>
             </a:r>
@@ -7795,6 +8190,7 @@
                   <a:srgbClr val="000000"/>
                 </a:solidFill>
                 <a:latin typeface="Rockwell"/>
+                <a:ea typeface="DejaVu Sans"/>
               </a:rPr>
               <a:t>Inline (no new line)</a:t>
             </a:r>
@@ -7819,6 +8215,7 @@
                   <a:srgbClr val="000000"/>
                 </a:solidFill>
                 <a:latin typeface="Rockwell"/>
+                <a:ea typeface="DejaVu Sans"/>
               </a:rPr>
               <a:t>none (not shown)</a:t>
             </a:r>
@@ -7841,14 +8238,14 @@
       </p:sp>
       <p:sp>
         <p:nvSpPr>
-          <p:cNvPr id="102" name="Straight Arrow Connector 7"/>
+          <p:cNvPr id="108" name="Straight Arrow Connector 7"/>
           <p:cNvSpPr/>
           <p:nvPr/>
         </p:nvSpPr>
         <p:spPr>
           <a:xfrm flipH="1">
             <a:off x="4925880" y="2613600"/>
-            <a:ext cx="3218760" cy="1109880"/>
+            <a:ext cx="3218400" cy="1109520"/>
           </a:xfrm>
           <a:custGeom>
             <a:avLst/>
@@ -7890,14 +8287,14 @@
       </p:sp>
       <p:sp>
         <p:nvSpPr>
-          <p:cNvPr id="103" name="TextBox 11"/>
+          <p:cNvPr id="109" name="TextBox 11"/>
           <p:cNvSpPr/>
           <p:nvPr/>
         </p:nvSpPr>
         <p:spPr>
           <a:xfrm>
             <a:off x="2057040" y="5075640"/>
-            <a:ext cx="5511240" cy="363960"/>
+            <a:ext cx="5510880" cy="363960"/>
           </a:xfrm>
           <a:prstGeom prst="rect">
             <a:avLst/>
@@ -7932,6 +8329,7 @@
                   <a:srgbClr val="ffffff"/>
                 </a:solidFill>
                 <a:latin typeface="Rockwell"/>
+                <a:ea typeface="DejaVu Sans"/>
               </a:rPr>
               <a:t>&lt;input type=“text” value=“blah” disabled /&gt;</a:t>
             </a:r>
@@ -7943,14 +8341,14 @@
       </p:sp>
       <p:sp>
         <p:nvSpPr>
-          <p:cNvPr id="104" name="TextBox 12"/>
+          <p:cNvPr id="110" name="TextBox 12"/>
           <p:cNvSpPr/>
           <p:nvPr/>
         </p:nvSpPr>
         <p:spPr>
           <a:xfrm>
             <a:off x="8145720" y="5220000"/>
-            <a:ext cx="3321360" cy="912600"/>
+            <a:ext cx="3321000" cy="912600"/>
           </a:xfrm>
           <a:prstGeom prst="rect">
             <a:avLst/>
@@ -7994,6 +8392,7 @@
                   <a:srgbClr val="000000"/>
                 </a:solidFill>
                 <a:latin typeface="Rockwell"/>
+                <a:ea typeface="DejaVu Sans"/>
               </a:rPr>
               <a:t>User will not be able to enter text into this input</a:t>
             </a:r>
@@ -8016,14 +8415,14 @@
       </p:sp>
       <p:sp>
         <p:nvSpPr>
-          <p:cNvPr id="105" name="Straight Arrow Connector 13"/>
+          <p:cNvPr id="111" name="Straight Arrow Connector 13"/>
           <p:cNvSpPr/>
           <p:nvPr/>
         </p:nvSpPr>
         <p:spPr>
           <a:xfrm flipH="1" flipV="1">
-            <a:off x="7324560" y="5452200"/>
-            <a:ext cx="820800" cy="379080"/>
+            <a:off x="7323840" y="5452200"/>
+            <a:ext cx="820440" cy="378720"/>
           </a:xfrm>
           <a:custGeom>
             <a:avLst/>
@@ -8095,7 +8494,7 @@
       </p:grpSpPr>
       <p:sp>
         <p:nvSpPr>
-          <p:cNvPr id="106" name="PlaceHolder 1"/>
+          <p:cNvPr id="112" name="PlaceHolder 1"/>
           <p:cNvSpPr>
             <a:spLocks noGrp="1"/>
           </p:cNvSpPr>
@@ -8106,18 +8505,18 @@
         <p:spPr>
           <a:xfrm>
             <a:off x="1069920" y="484560"/>
-            <a:ext cx="10058040" cy="1608840"/>
-          </a:xfrm>
-          <a:prstGeom prst="rect">
-            <a:avLst/>
-          </a:prstGeom>
-          <a:noFill/>
-          <a:ln w="0">
-            <a:noFill/>
-          </a:ln>
-        </p:spPr>
-        <p:txBody>
-          <a:bodyPr anchor="ctr">
+            <a:ext cx="10057680" cy="1608480"/>
+          </a:xfrm>
+          <a:prstGeom prst="rect">
+            <a:avLst/>
+          </a:prstGeom>
+          <a:noFill/>
+          <a:ln w="0">
+            <a:noFill/>
+          </a:ln>
+        </p:spPr>
+        <p:txBody>
+          <a:bodyPr lIns="90000" rIns="90000" tIns="45000" bIns="45000" anchor="ctr">
             <a:noAutofit/>
           </a:bodyPr>
           <a:p>
@@ -8133,18 +8532,15 @@
               </a:rPr>
               <a:t>JavaScript</a:t>
             </a:r>
-            <a:endParaRPr b="0" lang="en-US" sz="5400" spc="-1" strike="noStrike">
-              <a:solidFill>
-                <a:srgbClr val="000000"/>
-              </a:solidFill>
-              <a:latin typeface="Rockwell"/>
-            </a:endParaRPr>
-          </a:p>
-        </p:txBody>
-      </p:sp>
-      <p:sp>
-        <p:nvSpPr>
-          <p:cNvPr id="107" name="PlaceHolder 2"/>
+            <a:endParaRPr b="0" lang="en-IE" sz="5400" spc="-1" strike="noStrike">
+              <a:latin typeface="Arial"/>
+            </a:endParaRPr>
+          </a:p>
+        </p:txBody>
+      </p:sp>
+      <p:sp>
+        <p:nvSpPr>
+          <p:cNvPr id="113" name="PlaceHolder 2"/>
           <p:cNvSpPr>
             <a:spLocks noGrp="1"/>
           </p:cNvSpPr>
@@ -8155,18 +8551,18 @@
         <p:spPr>
           <a:xfrm>
             <a:off x="1066680" y="1741680"/>
-            <a:ext cx="10058040" cy="3373920"/>
-          </a:xfrm>
-          <a:prstGeom prst="rect">
-            <a:avLst/>
-          </a:prstGeom>
-          <a:noFill/>
-          <a:ln w="0">
-            <a:noFill/>
-          </a:ln>
-        </p:spPr>
-        <p:txBody>
-          <a:bodyPr anchor="t">
+            <a:ext cx="10057680" cy="3373560"/>
+          </a:xfrm>
+          <a:prstGeom prst="rect">
+            <a:avLst/>
+          </a:prstGeom>
+          <a:noFill/>
+          <a:ln w="0">
+            <a:noFill/>
+          </a:ln>
+        </p:spPr>
+        <p:txBody>
+          <a:bodyPr lIns="90000" rIns="90000" tIns="45000" bIns="45000" anchor="t">
             <a:noAutofit/>
           </a:bodyPr>
           <a:p>
@@ -8193,11 +8589,8 @@
               </a:rPr>
               <a:t>Inside &lt;script&gt;&lt;/script&gt; tags</a:t>
             </a:r>
-            <a:endParaRPr b="0" lang="en-US" sz="2000" spc="-1" strike="noStrike">
-              <a:solidFill>
-                <a:srgbClr val="000000"/>
-              </a:solidFill>
-              <a:latin typeface="Rockwell"/>
+            <a:endParaRPr b="0" lang="en-IE" sz="2000" spc="-1" strike="noStrike">
+              <a:latin typeface="Arial"/>
             </a:endParaRPr>
           </a:p>
           <a:p>
@@ -8210,11 +8603,8 @@
               </a:spcBef>
               <a:buNone/>
             </a:pPr>
-            <a:endParaRPr b="0" lang="en-US" sz="2000" spc="-1" strike="noStrike">
-              <a:solidFill>
-                <a:srgbClr val="000000"/>
-              </a:solidFill>
-              <a:latin typeface="Rockwell"/>
+            <a:endParaRPr b="0" lang="en-IE" sz="2000" spc="-1" strike="noStrike">
+              <a:latin typeface="Arial"/>
             </a:endParaRPr>
           </a:p>
           <a:p>
@@ -8227,11 +8617,8 @@
               </a:spcBef>
               <a:buNone/>
             </a:pPr>
-            <a:endParaRPr b="0" lang="en-US" sz="2000" spc="-1" strike="noStrike">
-              <a:solidFill>
-                <a:srgbClr val="000000"/>
-              </a:solidFill>
-              <a:latin typeface="Rockwell"/>
+            <a:endParaRPr b="0" lang="en-IE" sz="2000" spc="-1" strike="noStrike">
+              <a:latin typeface="Arial"/>
             </a:endParaRPr>
           </a:p>
           <a:p>
@@ -8244,11 +8631,8 @@
               </a:spcBef>
               <a:buNone/>
             </a:pPr>
-            <a:endParaRPr b="0" lang="en-US" sz="2000" spc="-1" strike="noStrike">
-              <a:solidFill>
-                <a:srgbClr val="000000"/>
-              </a:solidFill>
-              <a:latin typeface="Rockwell"/>
+            <a:endParaRPr b="0" lang="en-IE" sz="2000" spc="-1" strike="noStrike">
+              <a:latin typeface="Arial"/>
             </a:endParaRPr>
           </a:p>
           <a:p>
@@ -8275,25 +8659,22 @@
               </a:rPr>
               <a:t>Blocks have {} (not indents like in python) </a:t>
             </a:r>
-            <a:endParaRPr b="0" lang="en-US" sz="2000" spc="-1" strike="noStrike">
-              <a:solidFill>
-                <a:srgbClr val="000000"/>
-              </a:solidFill>
-              <a:latin typeface="Rockwell"/>
-            </a:endParaRPr>
-          </a:p>
-        </p:txBody>
-      </p:sp>
-      <p:sp>
-        <p:nvSpPr>
-          <p:cNvPr id="108" name="TextBox 3"/>
+            <a:endParaRPr b="0" lang="en-IE" sz="2000" spc="-1" strike="noStrike">
+              <a:latin typeface="Arial"/>
+            </a:endParaRPr>
+          </a:p>
+        </p:txBody>
+      </p:sp>
+      <p:sp>
+        <p:nvSpPr>
+          <p:cNvPr id="114" name="TextBox 3"/>
           <p:cNvSpPr/>
           <p:nvPr/>
         </p:nvSpPr>
         <p:spPr>
           <a:xfrm>
             <a:off x="3004560" y="2180520"/>
-            <a:ext cx="4431600" cy="912600"/>
+            <a:ext cx="4431240" cy="912600"/>
           </a:xfrm>
           <a:prstGeom prst="rect">
             <a:avLst/>
@@ -8339,6 +8720,7 @@
                   <a:srgbClr val="ffffff"/>
                 </a:solidFill>
                 <a:latin typeface="Rockwell"/>
+                <a:ea typeface="DejaVu Sans"/>
               </a:rPr>
               <a:t>&lt;script&gt;</a:t>
             </a:r>
@@ -8359,6 +8741,7 @@
                   <a:srgbClr val="ffffff"/>
                 </a:solidFill>
                 <a:latin typeface="Rockwell"/>
+                <a:ea typeface="DejaVu Sans"/>
               </a:rPr>
               <a:t>            </a:t>
             </a:r>
@@ -8368,6 +8751,7 @@
                   <a:srgbClr val="ffffff"/>
                 </a:solidFill>
                 <a:latin typeface="Rockwell"/>
+                <a:ea typeface="DejaVu Sans"/>
               </a:rPr>
               <a:t>console.log("hello World")</a:t>
             </a:r>
@@ -8388,6 +8772,7 @@
                   <a:srgbClr val="ffffff"/>
                 </a:solidFill>
                 <a:latin typeface="Rockwell"/>
+                <a:ea typeface="DejaVu Sans"/>
               </a:rPr>
               <a:t>&lt;/script&gt;</a:t>
             </a:r>
@@ -8399,14 +8784,14 @@
       </p:sp>
       <p:sp>
         <p:nvSpPr>
-          <p:cNvPr id="109" name="TextBox 4"/>
+          <p:cNvPr id="115" name="TextBox 4"/>
           <p:cNvSpPr/>
           <p:nvPr/>
         </p:nvSpPr>
         <p:spPr>
           <a:xfrm>
             <a:off x="8472240" y="2307960"/>
-            <a:ext cx="2388240" cy="912600"/>
+            <a:ext cx="2387880" cy="912600"/>
           </a:xfrm>
           <a:prstGeom prst="rect">
             <a:avLst/>
@@ -8450,6 +8835,7 @@
                   <a:srgbClr val="000000"/>
                 </a:solidFill>
                 <a:latin typeface="Rockwell"/>
+                <a:ea typeface="DejaVu Sans"/>
               </a:rPr>
               <a:t>Prints to the console, not the page</a:t>
             </a:r>
@@ -8461,14 +8847,14 @@
       </p:sp>
       <p:sp>
         <p:nvSpPr>
-          <p:cNvPr id="110" name="TextBox 5"/>
+          <p:cNvPr id="116" name="TextBox 5"/>
           <p:cNvSpPr/>
           <p:nvPr/>
         </p:nvSpPr>
         <p:spPr>
           <a:xfrm>
             <a:off x="3004560" y="4290840"/>
-            <a:ext cx="4273200" cy="2284200"/>
+            <a:ext cx="4272840" cy="2284200"/>
           </a:xfrm>
           <a:prstGeom prst="rect">
             <a:avLst/>
@@ -8514,6 +8900,7 @@
                   <a:srgbClr val="ffffff"/>
                 </a:solidFill>
                 <a:latin typeface="Rockwell"/>
+                <a:ea typeface="DejaVu Sans"/>
               </a:rPr>
               <a:t>&lt;script&gt;</a:t>
             </a:r>
@@ -8534,6 +8921,7 @@
                   <a:srgbClr val="ffffff"/>
                 </a:solidFill>
                 <a:latin typeface="Rockwell"/>
+                <a:ea typeface="DejaVu Sans"/>
               </a:rPr>
               <a:t>             </a:t>
             </a:r>
@@ -8543,6 +8931,7 @@
                   <a:srgbClr val="ffffff"/>
                 </a:solidFill>
                 <a:latin typeface="Rockwell"/>
+                <a:ea typeface="DejaVu Sans"/>
               </a:rPr>
               <a:t>function sayHelloAgain(){</a:t>
             </a:r>
@@ -8563,6 +8952,7 @@
                   <a:srgbClr val="ffffff"/>
                 </a:solidFill>
                 <a:latin typeface="Rockwell"/>
+                <a:ea typeface="DejaVu Sans"/>
               </a:rPr>
               <a:t>                </a:t>
             </a:r>
@@ -8572,6 +8962,7 @@
                   <a:srgbClr val="ffffff"/>
                 </a:solidFill>
                 <a:latin typeface="Rockwell"/>
+                <a:ea typeface="DejaVu Sans"/>
               </a:rPr>
               <a:t>console.log("hello Again")</a:t>
             </a:r>
@@ -8592,6 +8983,7 @@
                   <a:srgbClr val="ffffff"/>
                 </a:solidFill>
                 <a:latin typeface="Rockwell"/>
+                <a:ea typeface="DejaVu Sans"/>
               </a:rPr>
               <a:t>            </a:t>
             </a:r>
@@ -8601,6 +8993,7 @@
                   <a:srgbClr val="ffffff"/>
                 </a:solidFill>
                 <a:latin typeface="Rockwell"/>
+                <a:ea typeface="DejaVu Sans"/>
               </a:rPr>
               <a:t>}</a:t>
             </a:r>
@@ -8621,6 +9014,7 @@
                   <a:srgbClr val="ffffff"/>
                 </a:solidFill>
                 <a:latin typeface="Rockwell"/>
+                <a:ea typeface="DejaVu Sans"/>
               </a:rPr>
               <a:t>            </a:t>
             </a:r>
@@ -8630,6 +9024,7 @@
                   <a:srgbClr val="ffffff"/>
                 </a:solidFill>
                 <a:latin typeface="Rockwell"/>
+                <a:ea typeface="DejaVu Sans"/>
               </a:rPr>
               <a:t>sayHelloAgain()</a:t>
             </a:r>
@@ -8661,6 +9056,7 @@
                   <a:srgbClr val="ffffff"/>
                 </a:solidFill>
                 <a:latin typeface="Rockwell"/>
+                <a:ea typeface="DejaVu Sans"/>
               </a:rPr>
               <a:t>&lt;/script&gt;</a:t>
             </a:r>
@@ -8672,14 +9068,14 @@
       </p:sp>
       <p:sp>
         <p:nvSpPr>
-          <p:cNvPr id="111" name="TextBox 7"/>
+          <p:cNvPr id="117" name="TextBox 7"/>
           <p:cNvSpPr/>
           <p:nvPr/>
         </p:nvSpPr>
         <p:spPr>
           <a:xfrm>
             <a:off x="8472240" y="4373280"/>
-            <a:ext cx="2388240" cy="638280"/>
+            <a:ext cx="2387880" cy="638280"/>
           </a:xfrm>
           <a:prstGeom prst="rect">
             <a:avLst/>
@@ -8723,6 +9119,7 @@
                   <a:srgbClr val="000000"/>
                 </a:solidFill>
                 <a:latin typeface="Rockwell"/>
+                <a:ea typeface="DejaVu Sans"/>
               </a:rPr>
               <a:t>Define block of function</a:t>
             </a:r>
@@ -8734,14 +9131,14 @@
       </p:sp>
       <p:sp>
         <p:nvSpPr>
-          <p:cNvPr id="112" name="TextBox 8"/>
+          <p:cNvPr id="118" name="TextBox 8"/>
           <p:cNvSpPr/>
           <p:nvPr/>
         </p:nvSpPr>
         <p:spPr>
           <a:xfrm>
             <a:off x="8472240" y="5834880"/>
-            <a:ext cx="2388240" cy="363960"/>
+            <a:ext cx="2387880" cy="363960"/>
           </a:xfrm>
           <a:prstGeom prst="rect">
             <a:avLst/>
@@ -8785,6 +9182,7 @@
                   <a:srgbClr val="000000"/>
                 </a:solidFill>
                 <a:latin typeface="Rockwell"/>
+                <a:ea typeface="DejaVu Sans"/>
               </a:rPr>
               <a:t>Calls function</a:t>
             </a:r>
@@ -8796,14 +9194,14 @@
       </p:sp>
       <p:sp>
         <p:nvSpPr>
-          <p:cNvPr id="113" name="Straight Arrow Connector 10"/>
+          <p:cNvPr id="119" name="Straight Arrow Connector 10"/>
           <p:cNvSpPr/>
           <p:nvPr/>
         </p:nvSpPr>
         <p:spPr>
           <a:xfrm flipH="1" flipV="1">
-            <a:off x="6568920" y="4694760"/>
-            <a:ext cx="1902960" cy="360"/>
+            <a:off x="6568200" y="4694040"/>
+            <a:ext cx="1902600" cy="360"/>
           </a:xfrm>
           <a:custGeom>
             <a:avLst/>
@@ -8845,14 +9243,14 @@
       </p:sp>
       <p:sp>
         <p:nvSpPr>
-          <p:cNvPr id="114" name="Straight Arrow Connector 12"/>
+          <p:cNvPr id="120" name="Straight Arrow Connector 12"/>
           <p:cNvSpPr/>
           <p:nvPr/>
         </p:nvSpPr>
         <p:spPr>
           <a:xfrm flipH="1" flipV="1">
-            <a:off x="5589000" y="5597640"/>
-            <a:ext cx="2882880" cy="281160"/>
+            <a:off x="5588280" y="5597640"/>
+            <a:ext cx="2882520" cy="280800"/>
           </a:xfrm>
           <a:custGeom>
             <a:avLst/>
@@ -8894,14 +9292,14 @@
       </p:sp>
       <p:sp>
         <p:nvSpPr>
-          <p:cNvPr id="115" name="Straight Arrow Connector 14"/>
+          <p:cNvPr id="121" name="Straight Arrow Connector 14"/>
           <p:cNvSpPr/>
           <p:nvPr/>
         </p:nvSpPr>
         <p:spPr>
           <a:xfrm flipH="1">
             <a:off x="3936960" y="4695480"/>
-            <a:ext cx="4534200" cy="636120"/>
+            <a:ext cx="4533840" cy="635760"/>
           </a:xfrm>
           <a:custGeom>
             <a:avLst/>
@@ -8943,14 +9341,14 @@
       </p:sp>
       <p:sp>
         <p:nvSpPr>
-          <p:cNvPr id="116" name="TextBox 17"/>
+          <p:cNvPr id="122" name="TextBox 17"/>
           <p:cNvSpPr/>
           <p:nvPr/>
         </p:nvSpPr>
         <p:spPr>
           <a:xfrm>
             <a:off x="6568920" y="3544560"/>
-            <a:ext cx="2388240" cy="363960"/>
+            <a:ext cx="2387880" cy="363960"/>
           </a:xfrm>
           <a:prstGeom prst="rect">
             <a:avLst/>
@@ -8994,6 +9392,7 @@
                   <a:srgbClr val="000000"/>
                 </a:solidFill>
                 <a:latin typeface="Rockwell"/>
+                <a:ea typeface="DejaVu Sans"/>
               </a:rPr>
               <a:t>Name of function</a:t>
             </a:r>
@@ -9005,14 +9404,14 @@
       </p:sp>
       <p:sp>
         <p:nvSpPr>
-          <p:cNvPr id="117" name="Straight Arrow Connector 18"/>
+          <p:cNvPr id="123" name="Straight Arrow Connector 18"/>
           <p:cNvSpPr/>
           <p:nvPr/>
         </p:nvSpPr>
         <p:spPr>
           <a:xfrm flipH="1">
-            <a:off x="5253120" y="3913560"/>
-            <a:ext cx="1483200" cy="725040"/>
+            <a:off x="5252400" y="3913560"/>
+            <a:ext cx="1482840" cy="724680"/>
           </a:xfrm>
           <a:custGeom>
             <a:avLst/>
@@ -9084,7 +9483,7 @@
       </p:grpSpPr>
       <p:sp>
         <p:nvSpPr>
-          <p:cNvPr id="118" name="PlaceHolder 1"/>
+          <p:cNvPr id="124" name="PlaceHolder 1"/>
           <p:cNvSpPr>
             <a:spLocks noGrp="1"/>
           </p:cNvSpPr>
@@ -9095,18 +9494,18 @@
         <p:spPr>
           <a:xfrm>
             <a:off x="1069920" y="484560"/>
-            <a:ext cx="10058040" cy="1608840"/>
-          </a:xfrm>
-          <a:prstGeom prst="rect">
-            <a:avLst/>
-          </a:prstGeom>
-          <a:noFill/>
-          <a:ln w="0">
-            <a:noFill/>
-          </a:ln>
-        </p:spPr>
-        <p:txBody>
-          <a:bodyPr anchor="ctr">
+            <a:ext cx="10057680" cy="1608480"/>
+          </a:xfrm>
+          <a:prstGeom prst="rect">
+            <a:avLst/>
+          </a:prstGeom>
+          <a:noFill/>
+          <a:ln w="0">
+            <a:noFill/>
+          </a:ln>
+        </p:spPr>
+        <p:txBody>
+          <a:bodyPr lIns="90000" rIns="90000" tIns="45000" bIns="45000" anchor="ctr">
             <a:noAutofit/>
           </a:bodyPr>
           <a:p>
@@ -9122,18 +9521,15 @@
               </a:rPr>
               <a:t>JavaScript to/from html</a:t>
             </a:r>
-            <a:endParaRPr b="0" lang="en-US" sz="5400" spc="-1" strike="noStrike">
-              <a:solidFill>
-                <a:srgbClr val="000000"/>
-              </a:solidFill>
-              <a:latin typeface="Rockwell"/>
-            </a:endParaRPr>
-          </a:p>
-        </p:txBody>
-      </p:sp>
-      <p:sp>
-        <p:nvSpPr>
-          <p:cNvPr id="119" name="PlaceHolder 2"/>
+            <a:endParaRPr b="0" lang="en-IE" sz="5400" spc="-1" strike="noStrike">
+              <a:latin typeface="Arial"/>
+            </a:endParaRPr>
+          </a:p>
+        </p:txBody>
+      </p:sp>
+      <p:sp>
+        <p:nvSpPr>
+          <p:cNvPr id="125" name="PlaceHolder 2"/>
           <p:cNvSpPr>
             <a:spLocks noGrp="1"/>
           </p:cNvSpPr>
@@ -9144,18 +9540,18 @@
         <p:spPr>
           <a:xfrm>
             <a:off x="1069920" y="2121480"/>
-            <a:ext cx="10058040" cy="4050360"/>
-          </a:xfrm>
-          <a:prstGeom prst="rect">
-            <a:avLst/>
-          </a:prstGeom>
-          <a:noFill/>
-          <a:ln w="0">
-            <a:noFill/>
-          </a:ln>
-        </p:spPr>
-        <p:txBody>
-          <a:bodyPr anchor="t">
+            <a:ext cx="10057680" cy="4050000"/>
+          </a:xfrm>
+          <a:prstGeom prst="rect">
+            <a:avLst/>
+          </a:prstGeom>
+          <a:noFill/>
+          <a:ln w="0">
+            <a:noFill/>
+          </a:ln>
+        </p:spPr>
+        <p:txBody>
+          <a:bodyPr lIns="90000" rIns="90000" tIns="45000" bIns="45000" anchor="t">
             <a:normAutofit fontScale="99000"/>
           </a:bodyPr>
           <a:p>
@@ -9182,11 +9578,8 @@
               </a:rPr>
               <a:t>Onclick attribute</a:t>
             </a:r>
-            <a:endParaRPr b="0" lang="en-US" sz="2000" spc="-1" strike="noStrike">
-              <a:solidFill>
-                <a:srgbClr val="000000"/>
-              </a:solidFill>
-              <a:latin typeface="Rockwell"/>
+            <a:endParaRPr b="0" lang="en-IE" sz="2000" spc="-1" strike="noStrike">
+              <a:latin typeface="Arial"/>
             </a:endParaRPr>
           </a:p>
           <a:p>
@@ -9199,11 +9592,8 @@
               </a:spcBef>
               <a:buNone/>
             </a:pPr>
-            <a:endParaRPr b="0" lang="en-US" sz="2000" spc="-1" strike="noStrike">
-              <a:solidFill>
-                <a:srgbClr val="000000"/>
-              </a:solidFill>
-              <a:latin typeface="Rockwell"/>
+            <a:endParaRPr b="0" lang="en-IE" sz="2000" spc="-1" strike="noStrike">
+              <a:latin typeface="Arial"/>
             </a:endParaRPr>
           </a:p>
           <a:p>
@@ -9219,11 +9609,8 @@
                 <a:tab algn="l" pos="0"/>
               </a:tabLst>
             </a:pPr>
-            <a:endParaRPr b="0" lang="en-US" sz="2000" spc="-1" strike="noStrike">
-              <a:solidFill>
-                <a:srgbClr val="000000"/>
-              </a:solidFill>
-              <a:latin typeface="Rockwell"/>
+            <a:endParaRPr b="0" lang="en-IE" sz="2000" spc="-1" strike="noStrike">
+              <a:latin typeface="Arial"/>
             </a:endParaRPr>
           </a:p>
           <a:p>
@@ -9253,11 +9640,8 @@
               </a:rPr>
               <a:t>Document getElementById</a:t>
             </a:r>
-            <a:endParaRPr b="0" lang="en-US" sz="2000" spc="-1" strike="noStrike">
-              <a:solidFill>
-                <a:srgbClr val="000000"/>
-              </a:solidFill>
-              <a:latin typeface="Rockwell"/>
+            <a:endParaRPr b="0" lang="en-IE" sz="2000" spc="-1" strike="noStrike">
+              <a:latin typeface="Arial"/>
             </a:endParaRPr>
           </a:p>
           <a:p>
@@ -9273,11 +9657,8 @@
                 <a:tab algn="l" pos="0"/>
               </a:tabLst>
             </a:pPr>
-            <a:endParaRPr b="0" lang="en-US" sz="2000" spc="-1" strike="noStrike">
-              <a:solidFill>
-                <a:srgbClr val="000000"/>
-              </a:solidFill>
-              <a:latin typeface="Rockwell"/>
+            <a:endParaRPr b="0" lang="en-IE" sz="2000" spc="-1" strike="noStrike">
+              <a:latin typeface="Arial"/>
             </a:endParaRPr>
           </a:p>
           <a:p>
@@ -9293,11 +9674,8 @@
                 <a:tab algn="l" pos="0"/>
               </a:tabLst>
             </a:pPr>
-            <a:endParaRPr b="0" lang="en-US" sz="2000" spc="-1" strike="noStrike">
-              <a:solidFill>
-                <a:srgbClr val="000000"/>
-              </a:solidFill>
-              <a:latin typeface="Rockwell"/>
+            <a:endParaRPr b="0" lang="en-IE" sz="2000" spc="-1" strike="noStrike">
+              <a:latin typeface="Arial"/>
             </a:endParaRPr>
           </a:p>
           <a:p>
@@ -9313,11 +9691,8 @@
                 <a:tab algn="l" pos="0"/>
               </a:tabLst>
             </a:pPr>
-            <a:endParaRPr b="0" lang="en-US" sz="2000" spc="-1" strike="noStrike">
-              <a:solidFill>
-                <a:srgbClr val="000000"/>
-              </a:solidFill>
-              <a:latin typeface="Rockwell"/>
+            <a:endParaRPr b="0" lang="en-IE" sz="2000" spc="-1" strike="noStrike">
+              <a:latin typeface="Arial"/>
             </a:endParaRPr>
           </a:p>
           <a:p>
@@ -9342,11 +9717,8 @@
               </a:rPr>
               <a:t>Exercise 2.3:</a:t>
             </a:r>
-            <a:endParaRPr b="0" lang="en-US" sz="2000" spc="-1" strike="noStrike">
-              <a:solidFill>
-                <a:srgbClr val="000000"/>
-              </a:solidFill>
-              <a:latin typeface="Rockwell"/>
+            <a:endParaRPr b="0" lang="en-IE" sz="2000" spc="-1" strike="noStrike">
+              <a:latin typeface="Arial"/>
             </a:endParaRPr>
           </a:p>
           <a:p>
@@ -9371,25 +9743,22 @@
               </a:rPr>
               <a:t>Make a webpage with an input and a button, when the user clicks the button then the contents of the input will display in another div</a:t>
             </a:r>
-            <a:endParaRPr b="0" lang="en-US" sz="2000" spc="-1" strike="noStrike">
-              <a:solidFill>
-                <a:srgbClr val="000000"/>
-              </a:solidFill>
-              <a:latin typeface="Rockwell"/>
-            </a:endParaRPr>
-          </a:p>
-        </p:txBody>
-      </p:sp>
-      <p:sp>
-        <p:nvSpPr>
-          <p:cNvPr id="120" name="TextBox 3"/>
+            <a:endParaRPr b="0" lang="en-IE" sz="2000" spc="-1" strike="noStrike">
+              <a:latin typeface="Arial"/>
+            </a:endParaRPr>
+          </a:p>
+        </p:txBody>
+      </p:sp>
+      <p:sp>
+        <p:nvSpPr>
+          <p:cNvPr id="126" name="TextBox 3"/>
           <p:cNvSpPr/>
           <p:nvPr/>
         </p:nvSpPr>
         <p:spPr>
           <a:xfrm>
             <a:off x="1987560" y="2510640"/>
-            <a:ext cx="6867000" cy="638280"/>
+            <a:ext cx="6866640" cy="638280"/>
           </a:xfrm>
           <a:prstGeom prst="rect">
             <a:avLst/>
@@ -9435,6 +9804,7 @@
                   <a:srgbClr val="ffffff"/>
                 </a:solidFill>
                 <a:latin typeface="Rockwell"/>
+                <a:ea typeface="DejaVu Sans"/>
               </a:rPr>
               <a:t>&lt;button onclick="myFunction('hello')"&gt;click me&lt;/button&gt;</a:t>
             </a:r>
@@ -9446,14 +9816,14 @@
       </p:sp>
       <p:sp>
         <p:nvSpPr>
-          <p:cNvPr id="121" name="TextBox 4"/>
+          <p:cNvPr id="127" name="TextBox 4"/>
           <p:cNvSpPr/>
           <p:nvPr/>
         </p:nvSpPr>
         <p:spPr>
           <a:xfrm>
             <a:off x="1987560" y="3622320"/>
-            <a:ext cx="6867000" cy="363960"/>
+            <a:ext cx="6866640" cy="363960"/>
           </a:xfrm>
           <a:prstGeom prst="rect">
             <a:avLst/>
@@ -9499,6 +9869,7 @@
                   <a:srgbClr val="ffffff"/>
                 </a:solidFill>
                 <a:latin typeface="Rockwell"/>
+                <a:ea typeface="DejaVu Sans"/>
               </a:rPr>
               <a:t> </a:t>
             </a:r>
@@ -9508,6 +9879,7 @@
                   <a:srgbClr val="ffffff"/>
                 </a:solidFill>
                 <a:latin typeface="Rockwell"/>
+                <a:ea typeface="DejaVu Sans"/>
               </a:rPr>
               <a:t>&lt;div id="messageOut"&gt;&lt;/div&gt;</a:t>
             </a:r>
@@ -9519,14 +9891,14 @@
       </p:sp>
       <p:sp>
         <p:nvSpPr>
-          <p:cNvPr id="122" name="TextBox 5"/>
+          <p:cNvPr id="128" name="TextBox 5"/>
           <p:cNvSpPr/>
           <p:nvPr/>
         </p:nvSpPr>
         <p:spPr>
           <a:xfrm>
             <a:off x="1987560" y="4146840"/>
-            <a:ext cx="7491960" cy="912600"/>
+            <a:ext cx="7491600" cy="912600"/>
           </a:xfrm>
           <a:prstGeom prst="rect">
             <a:avLst/>
@@ -9572,6 +9944,7 @@
                   <a:srgbClr val="ffffff"/>
                 </a:solidFill>
                 <a:latin typeface="Rockwell"/>
+                <a:ea typeface="DejaVu Sans"/>
               </a:rPr>
               <a:t>  </a:t>
             </a:r>
@@ -9581,6 +9954,7 @@
                   <a:srgbClr val="ffffff"/>
                 </a:solidFill>
                 <a:latin typeface="Rockwell"/>
+                <a:ea typeface="DejaVu Sans"/>
               </a:rPr>
               <a:t>document.getElementById('messageOut').innerText = message</a:t>
             </a:r>
@@ -10064,4 +10438,230 @@
     </a:fmtScheme>
   </a:themeElements>
 </a:theme>
+</file>
+
+<file path=ppt/theme/theme3.xml><?xml version="1.0" encoding="utf-8"?>
+<a:theme xmlns:a="http://schemas.openxmlformats.org/drawingml/2006/main" name="Office Theme">
+  <a:themeElements>
+    <a:clrScheme name="Office">
+      <a:dk1>
+        <a:sysClr val="windowText" lastClr="000000"/>
+      </a:dk1>
+      <a:lt1>
+        <a:sysClr val="window" lastClr="FFFFFF"/>
+      </a:lt1>
+      <a:dk2>
+        <a:srgbClr val="696464"/>
+      </a:dk2>
+      <a:lt2>
+        <a:srgbClr val="e9e5dc"/>
+      </a:lt2>
+      <a:accent1>
+        <a:srgbClr val="d34817"/>
+      </a:accent1>
+      <a:accent2>
+        <a:srgbClr val="9b2d1f"/>
+      </a:accent2>
+      <a:accent3>
+        <a:srgbClr val="a28e6a"/>
+      </a:accent3>
+      <a:accent4>
+        <a:srgbClr val="956251"/>
+      </a:accent4>
+      <a:accent5>
+        <a:srgbClr val="918485"/>
+      </a:accent5>
+      <a:accent6>
+        <a:srgbClr val="855d5d"/>
+      </a:accent6>
+      <a:hlink>
+        <a:srgbClr val="cc9900"/>
+      </a:hlink>
+      <a:folHlink>
+        <a:srgbClr val="96a9a9"/>
+      </a:folHlink>
+    </a:clrScheme>
+    <a:fontScheme name="Office">
+      <a:majorFont>
+        <a:latin typeface="Arial"/>
+        <a:ea typeface="DejaVu Sans"/>
+        <a:cs typeface="DejaVu Sans"/>
+      </a:majorFont>
+      <a:minorFont>
+        <a:latin typeface="Arial"/>
+        <a:ea typeface="DejaVu Sans"/>
+        <a:cs typeface="DejaVu Sans"/>
+      </a:minorFont>
+    </a:fontScheme>
+    <a:fmtScheme name="Office">
+      <a:fillStyleLst>
+        <a:solidFill>
+          <a:schemeClr val="phClr"/>
+        </a:solidFill>
+        <a:gradFill rotWithShape="1">
+          <a:gsLst>
+            <a:gs pos="0">
+              <a:schemeClr val="phClr">
+                <a:tint val="50000"/>
+                <a:satMod val="300000"/>
+              </a:schemeClr>
+            </a:gs>
+            <a:gs pos="35000">
+              <a:schemeClr val="phClr">
+                <a:tint val="37000"/>
+                <a:satMod val="300000"/>
+              </a:schemeClr>
+            </a:gs>
+            <a:gs pos="100000">
+              <a:schemeClr val="phClr">
+                <a:tint val="15000"/>
+                <a:satMod val="350000"/>
+              </a:schemeClr>
+            </a:gs>
+          </a:gsLst>
+          <a:lin ang="16200000" scaled="1"/>
+        </a:gradFill>
+        <a:gradFill rotWithShape="1">
+          <a:gsLst>
+            <a:gs pos="0">
+              <a:schemeClr val="phClr">
+                <a:shade val="51000"/>
+                <a:satMod val="130000"/>
+              </a:schemeClr>
+            </a:gs>
+            <a:gs pos="80000">
+              <a:schemeClr val="phClr">
+                <a:shade val="93000"/>
+                <a:satMod val="130000"/>
+              </a:schemeClr>
+            </a:gs>
+            <a:gs pos="100000">
+              <a:schemeClr val="phClr">
+                <a:shade val="94000"/>
+                <a:satMod val="135000"/>
+              </a:schemeClr>
+            </a:gs>
+          </a:gsLst>
+          <a:lin ang="16200000" scaled="0"/>
+        </a:gradFill>
+      </a:fillStyleLst>
+      <a:lnStyleLst>
+        <a:ln w="9525" cap="flat" cmpd="sng" algn="ctr">
+          <a:solidFill>
+            <a:schemeClr val="phClr">
+              <a:shade val="95000"/>
+              <a:satMod val="105000"/>
+            </a:schemeClr>
+          </a:solidFill>
+          <a:prstDash val="solid"/>
+          <a:miter/>
+        </a:ln>
+        <a:ln w="25400" cap="flat" cmpd="sng" algn="ctr">
+          <a:solidFill>
+            <a:schemeClr val="phClr"/>
+          </a:solidFill>
+          <a:prstDash val="solid"/>
+          <a:miter/>
+        </a:ln>
+        <a:ln w="38100" cap="flat" cmpd="sng" algn="ctr">
+          <a:solidFill>
+            <a:schemeClr val="phClr"/>
+          </a:solidFill>
+          <a:prstDash val="solid"/>
+          <a:miter/>
+        </a:ln>
+      </a:lnStyleLst>
+      <a:effectStyleLst>
+        <a:effectStyle>
+          <a:effectLst>
+            <a:outerShdw blurRad="40000" dist="20000" dir="5400000" rotWithShape="0">
+              <a:srgbClr val="000000">
+                <a:alpha val="38000"/>
+              </a:srgbClr>
+            </a:outerShdw>
+          </a:effectLst>
+        </a:effectStyle>
+        <a:effectStyle>
+          <a:effectLst>
+            <a:outerShdw blurRad="40000" dist="23000" dir="5400000" rotWithShape="0">
+              <a:srgbClr val="000000">
+                <a:alpha val="35000"/>
+              </a:srgbClr>
+            </a:outerShdw>
+          </a:effectLst>
+        </a:effectStyle>
+        <a:effectStyle>
+          <a:effectLst>
+            <a:outerShdw blurRad="40000" dist="23000" dir="5400000" rotWithShape="0">
+              <a:srgbClr val="000000">
+                <a:alpha val="35000"/>
+              </a:srgbClr>
+            </a:outerShdw>
+          </a:effectLst>
+          <a:scene3d>
+            <a:camera prst="orthographicFront">
+              <a:rot lat="0" lon="0" rev="0"/>
+            </a:camera>
+            <a:lightRig rig="threePt" dir="t">
+              <a:rot lat="0" lon="0" rev="1200000"/>
+            </a:lightRig>
+          </a:scene3d>
+          <a:sp3d>
+            <a:bevelT w="63500" h="25400"/>
+          </a:sp3d>
+        </a:effectStyle>
+      </a:effectStyleLst>
+      <a:bgFillStyleLst>
+        <a:solidFill>
+          <a:schemeClr val="phClr"/>
+        </a:solidFill>
+        <a:gradFill rotWithShape="1">
+          <a:gsLst>
+            <a:gs pos="0">
+              <a:schemeClr val="phClr">
+                <a:tint val="40000"/>
+                <a:satMod val="350000"/>
+              </a:schemeClr>
+            </a:gs>
+            <a:gs pos="40000">
+              <a:schemeClr val="phClr">
+                <a:tint val="45000"/>
+                <a:shade val="99000"/>
+                <a:satMod val="350000"/>
+              </a:schemeClr>
+            </a:gs>
+            <a:gs pos="100000">
+              <a:schemeClr val="phClr">
+                <a:shade val="20000"/>
+                <a:satMod val="255000"/>
+              </a:schemeClr>
+            </a:gs>
+          </a:gsLst>
+          <a:path path="circle">
+            <a:fillToRect l="50000" t="-80000" r="50000" b="180000"/>
+          </a:path>
+        </a:gradFill>
+        <a:gradFill rotWithShape="1">
+          <a:gsLst>
+            <a:gs pos="0">
+              <a:schemeClr val="phClr">
+                <a:tint val="80000"/>
+                <a:satMod val="300000"/>
+              </a:schemeClr>
+            </a:gs>
+            <a:gs pos="100000">
+              <a:schemeClr val="phClr">
+                <a:shade val="30000"/>
+                <a:satMod val="200000"/>
+              </a:schemeClr>
+            </a:gs>
+          </a:gsLst>
+          <a:path path="circle">
+            <a:fillToRect l="50000" t="50000" r="50000" b="50000"/>
+          </a:path>
+        </a:gradFill>
+      </a:bgFillStyleLst>
+    </a:fmtScheme>
+  </a:themeElements>
+</a:theme>
 </file>